--- a/如鹿切慕溪水.pptx
+++ b/如鹿切慕溪水.pptx
@@ -2,7 +2,7 @@
 <file path=ppt/presentation.xml><?xml version="1.0" encoding="utf-8"?>
 <p:presentation xmlns:a="http://schemas.openxmlformats.org/drawingml/2006/main" xmlns:r="http://schemas.openxmlformats.org/officeDocument/2006/relationships" xmlns:p="http://schemas.openxmlformats.org/presentationml/2006/main" saveSubsetFonts="1">
   <p:sldMasterIdLst>
-    <p:sldMasterId id="2147483660" r:id="rId1"/>
+    <p:sldMasterId id="2147483672" r:id="rId1"/>
   </p:sldMasterIdLst>
   <p:sldIdLst>
     <p:sldId id="256" r:id="rId2"/>
@@ -109,8 +109,8 @@
 </file>
 
 <file path=ppt/slideLayouts/slideLayout1.xml><?xml version="1.0" encoding="utf-8"?>
-<p:sldLayout xmlns:a="http://schemas.openxmlformats.org/drawingml/2006/main" xmlns:r="http://schemas.openxmlformats.org/officeDocument/2006/relationships" xmlns:p="http://schemas.openxmlformats.org/presentationml/2006/main" showMasterSp="0" type="title" preserve="1">
-  <p:cSld name="Title Slide">
+<p:sldLayout xmlns:a="http://schemas.openxmlformats.org/drawingml/2006/main" xmlns:r="http://schemas.openxmlformats.org/officeDocument/2006/relationships" xmlns:p="http://schemas.openxmlformats.org/presentationml/2006/main" type="title" preserve="1">
+  <p:cSld name="標題投影片">
     <p:spTree>
       <p:nvGrpSpPr>
         <p:cNvPr id="1" name=""/>
@@ -127,57 +127,7 @@
       </p:grpSpPr>
       <p:sp>
         <p:nvSpPr>
-          <p:cNvPr id="7" name="Straight Connector 6"/>
-          <p:cNvSpPr>
-            <a:spLocks noChangeShapeType="1"/>
-          </p:cNvSpPr>
-          <p:nvPr/>
-        </p:nvSpPr>
-        <p:spPr bwMode="auto">
-          <a:xfrm>
-            <a:off x="514350" y="5349902"/>
-            <a:ext cx="8629650" cy="2381"/>
-          </a:xfrm>
-          <a:prstGeom prst="line">
-            <a:avLst/>
-          </a:prstGeom>
-          <a:noFill/>
-          <a:ln w="9525" cap="flat" cmpd="sng" algn="ctr">
-            <a:gradFill flip="none" rotWithShape="1">
-              <a:gsLst>
-                <a:gs pos="0">
-                  <a:schemeClr val="accent1">
-                    <a:alpha val="0"/>
-                  </a:schemeClr>
-                </a:gs>
-                <a:gs pos="17000">
-                  <a:schemeClr val="accent1"/>
-                </a:gs>
-                <a:gs pos="100000">
-                  <a:schemeClr val="accent1"/>
-                </a:gs>
-              </a:gsLst>
-              <a:lin ang="0" scaled="1"/>
-              <a:tileRect/>
-            </a:gradFill>
-            <a:prstDash val="solid"/>
-            <a:round/>
-            <a:headEnd type="none" w="med" len="med"/>
-            <a:tailEnd type="none" w="med" len="med"/>
-          </a:ln>
-          <a:effectLst/>
-        </p:spPr>
-        <p:txBody>
-          <a:bodyPr vert="horz" wrap="square" lIns="91440" tIns="45720" rIns="91440" bIns="45720" anchor="t" compatLnSpc="1"/>
-          <a:lstStyle/>
-          <a:p>
-            <a:endParaRPr kumimoji="0" lang="en-US"/>
-          </a:p>
-        </p:txBody>
-      </p:sp>
-      <p:sp>
-        <p:nvSpPr>
-          <p:cNvPr id="29" name="Title 28"/>
+          <p:cNvPr id="2" name="標題 1"/>
           <p:cNvSpPr>
             <a:spLocks noGrp="1"/>
           </p:cNvSpPr>
@@ -187,25 +137,25 @@
         </p:nvSpPr>
         <p:spPr>
           <a:xfrm>
-            <a:off x="381000" y="4853411"/>
-            <a:ext cx="8458200" cy="1222375"/>
+            <a:off x="685800" y="2130425"/>
+            <a:ext cx="7772400" cy="1470025"/>
           </a:xfrm>
         </p:spPr>
         <p:txBody>
-          <a:bodyPr anchor="t"/>
-          <a:lstStyle/>
-          <a:p>
-            <a:r>
-              <a:rPr kumimoji="0" lang="en-US" smtClean="0"/>
-              <a:t>Click to edit Master title style</a:t>
-            </a:r>
-            <a:endParaRPr kumimoji="0" lang="en-US"/>
-          </a:p>
-        </p:txBody>
-      </p:sp>
-      <p:sp>
-        <p:nvSpPr>
-          <p:cNvPr id="9" name="Subtitle 8"/>
+          <a:bodyPr/>
+          <a:lstStyle/>
+          <a:p>
+            <a:r>
+              <a:rPr lang="zh-TW" altLang="en-US" smtClean="0"/>
+              <a:t>按一下以編輯母片標題樣式</a:t>
+            </a:r>
+            <a:endParaRPr lang="zh-TW" altLang="en-US"/>
+          </a:p>
+        </p:txBody>
+      </p:sp>
+      <p:sp>
+        <p:nvSpPr>
+          <p:cNvPr id="3" name="副標題 2"/>
           <p:cNvSpPr>
             <a:spLocks noGrp="1"/>
           </p:cNvSpPr>
@@ -215,60 +165,116 @@
         </p:nvSpPr>
         <p:spPr>
           <a:xfrm>
-            <a:off x="381000" y="3886200"/>
-            <a:ext cx="8458200" cy="914400"/>
+            <a:off x="1371600" y="3886200"/>
+            <a:ext cx="6400800" cy="1752600"/>
           </a:xfrm>
         </p:spPr>
         <p:txBody>
-          <a:bodyPr anchor="b"/>
+          <a:bodyPr/>
           <a:lstStyle>
-            <a:lvl1pPr marL="0" indent="0" algn="l">
-              <a:buNone/>
-              <a:defRPr sz="2400">
+            <a:lvl1pPr marL="0" indent="0" algn="ctr">
+              <a:buNone/>
+              <a:defRPr>
                 <a:solidFill>
-                  <a:schemeClr val="tx2">
-                    <a:shade val="75000"/>
+                  <a:schemeClr val="tx1">
+                    <a:tint val="75000"/>
                   </a:schemeClr>
                 </a:solidFill>
               </a:defRPr>
             </a:lvl1pPr>
             <a:lvl2pPr marL="457200" indent="0" algn="ctr">
               <a:buNone/>
+              <a:defRPr>
+                <a:solidFill>
+                  <a:schemeClr val="tx1">
+                    <a:tint val="75000"/>
+                  </a:schemeClr>
+                </a:solidFill>
+              </a:defRPr>
             </a:lvl2pPr>
             <a:lvl3pPr marL="914400" indent="0" algn="ctr">
               <a:buNone/>
+              <a:defRPr>
+                <a:solidFill>
+                  <a:schemeClr val="tx1">
+                    <a:tint val="75000"/>
+                  </a:schemeClr>
+                </a:solidFill>
+              </a:defRPr>
             </a:lvl3pPr>
             <a:lvl4pPr marL="1371600" indent="0" algn="ctr">
               <a:buNone/>
+              <a:defRPr>
+                <a:solidFill>
+                  <a:schemeClr val="tx1">
+                    <a:tint val="75000"/>
+                  </a:schemeClr>
+                </a:solidFill>
+              </a:defRPr>
             </a:lvl4pPr>
             <a:lvl5pPr marL="1828800" indent="0" algn="ctr">
               <a:buNone/>
+              <a:defRPr>
+                <a:solidFill>
+                  <a:schemeClr val="tx1">
+                    <a:tint val="75000"/>
+                  </a:schemeClr>
+                </a:solidFill>
+              </a:defRPr>
             </a:lvl5pPr>
             <a:lvl6pPr marL="2286000" indent="0" algn="ctr">
               <a:buNone/>
+              <a:defRPr>
+                <a:solidFill>
+                  <a:schemeClr val="tx1">
+                    <a:tint val="75000"/>
+                  </a:schemeClr>
+                </a:solidFill>
+              </a:defRPr>
             </a:lvl6pPr>
             <a:lvl7pPr marL="2743200" indent="0" algn="ctr">
               <a:buNone/>
+              <a:defRPr>
+                <a:solidFill>
+                  <a:schemeClr val="tx1">
+                    <a:tint val="75000"/>
+                  </a:schemeClr>
+                </a:solidFill>
+              </a:defRPr>
             </a:lvl7pPr>
             <a:lvl8pPr marL="3200400" indent="0" algn="ctr">
               <a:buNone/>
+              <a:defRPr>
+                <a:solidFill>
+                  <a:schemeClr val="tx1">
+                    <a:tint val="75000"/>
+                  </a:schemeClr>
+                </a:solidFill>
+              </a:defRPr>
             </a:lvl8pPr>
             <a:lvl9pPr marL="3657600" indent="0" algn="ctr">
               <a:buNone/>
+              <a:defRPr>
+                <a:solidFill>
+                  <a:schemeClr val="tx1">
+                    <a:tint val="75000"/>
+                  </a:schemeClr>
+                </a:solidFill>
+              </a:defRPr>
             </a:lvl9pPr>
           </a:lstStyle>
           <a:p>
             <a:r>
-              <a:rPr kumimoji="0" lang="en-US" smtClean="0"/>
-              <a:t>Click to edit Master subtitle style</a:t>
-            </a:r>
-            <a:endParaRPr kumimoji="0" lang="en-US"/>
-          </a:p>
-        </p:txBody>
-      </p:sp>
-      <p:sp>
-        <p:nvSpPr>
-          <p:cNvPr id="16" name="Date Placeholder 15"/>
+              <a:rPr lang="zh-TW" altLang="en-US" smtClean="0"/>
+              <a:t>按一下以編輯母片副標題樣式</a:t>
+            </a:r>
+            <a:endParaRPr lang="zh-TW" altLang="en-US"/>
+          </a:p>
+        </p:txBody>
+      </p:sp>
+      <p:sp>
+        <p:nvSpPr>
+          <p:cNvPr id="4" name="日期版面配置區 3"/>
           <p:cNvSpPr>
             <a:spLocks noGrp="1"/>
           </p:cNvSpPr>
@@ -283,7 +289,8 @@
           <a:p>
             <a:fld id="{ECFD77D2-E44B-4CDA-8450-5F45A2DF05FB}" type="datetimeFigureOut">
               <a:rPr lang="en-US" smtClean="0"/>
-              <a:t>1/20/2013</a:t>
+              <a:pPr/>
+              <a:t>1/12/2019</a:t>
             </a:fld>
             <a:endParaRPr lang="en-US"/>
           </a:p>
@@ -291,7 +298,7 @@
       </p:sp>
       <p:sp>
         <p:nvSpPr>
-          <p:cNvPr id="2" name="Footer Placeholder 1"/>
+          <p:cNvPr id="5" name="頁尾版面配置區 4"/>
           <p:cNvSpPr>
             <a:spLocks noGrp="1"/>
           </p:cNvSpPr>
@@ -310,7 +317,7 @@
       </p:sp>
       <p:sp>
         <p:nvSpPr>
-          <p:cNvPr id="15" name="Slide Number Placeholder 14"/>
+          <p:cNvPr id="6" name="投影片編號版面配置區 5"/>
           <p:cNvSpPr>
             <a:spLocks noGrp="1"/>
           </p:cNvSpPr>
@@ -318,18 +325,14 @@
             <p:ph type="sldNum" sz="quarter" idx="12"/>
           </p:nvPr>
         </p:nvSpPr>
-        <p:spPr>
-          <a:xfrm>
-            <a:off x="8229600" y="6473952"/>
-            <a:ext cx="758952" cy="246888"/>
-          </a:xfrm>
-        </p:spPr>
+        <p:spPr/>
         <p:txBody>
           <a:bodyPr/>
           <a:lstStyle/>
           <a:p>
             <a:fld id="{7699F0FE-D8AD-4FF0-86BF-50BD32CAAF86}" type="slidenum">
               <a:rPr lang="en-US" smtClean="0"/>
+              <a:pPr/>
               <a:t>‹#›</a:t>
             </a:fld>
             <a:endParaRPr lang="en-US"/>
@@ -346,7 +349,7 @@
 
 <file path=ppt/slideLayouts/slideLayout10.xml><?xml version="1.0" encoding="utf-8"?>
 <p:sldLayout xmlns:a="http://schemas.openxmlformats.org/drawingml/2006/main" xmlns:r="http://schemas.openxmlformats.org/officeDocument/2006/relationships" xmlns:p="http://schemas.openxmlformats.org/presentationml/2006/main" type="vertTx" preserve="1">
-  <p:cSld name="Title and Vertical Text">
+  <p:cSld name="標題及直排文字">
     <p:spTree>
       <p:nvGrpSpPr>
         <p:cNvPr id="1" name=""/>
@@ -363,7 +366,7 @@
       </p:grpSpPr>
       <p:sp>
         <p:nvSpPr>
-          <p:cNvPr id="2" name="Title 1"/>
+          <p:cNvPr id="2" name="標題 1"/>
           <p:cNvSpPr>
             <a:spLocks noGrp="1"/>
           </p:cNvSpPr>
@@ -377,16 +380,16 @@
           <a:lstStyle/>
           <a:p>
             <a:r>
-              <a:rPr kumimoji="0" lang="en-US" smtClean="0"/>
-              <a:t>Click to edit Master title style</a:t>
-            </a:r>
-            <a:endParaRPr kumimoji="0" lang="en-US"/>
-          </a:p>
-        </p:txBody>
-      </p:sp>
-      <p:sp>
-        <p:nvSpPr>
-          <p:cNvPr id="3" name="Vertical Text Placeholder 2"/>
+              <a:rPr lang="zh-TW" altLang="en-US" smtClean="0"/>
+              <a:t>按一下以編輯母片標題樣式</a:t>
+            </a:r>
+            <a:endParaRPr lang="zh-TW" altLang="en-US"/>
+          </a:p>
+        </p:txBody>
+      </p:sp>
+      <p:sp>
+        <p:nvSpPr>
+          <p:cNvPr id="3" name="直排文字版面配置區 2"/>
           <p:cNvSpPr>
             <a:spLocks noGrp="1"/>
           </p:cNvSpPr>
@@ -399,46 +402,46 @@
           <a:bodyPr vert="eaVert"/>
           <a:lstStyle/>
           <a:p>
-            <a:pPr lvl="0" eaLnBrk="1" latinLnBrk="0" hangingPunct="1"/>
-            <a:r>
-              <a:rPr lang="en-US" smtClean="0"/>
-              <a:t>Click to edit Master text styles</a:t>
-            </a:r>
-          </a:p>
-          <a:p>
-            <a:pPr lvl="1" eaLnBrk="1" latinLnBrk="0" hangingPunct="1"/>
-            <a:r>
-              <a:rPr lang="en-US" smtClean="0"/>
-              <a:t>Second level</a:t>
-            </a:r>
-          </a:p>
-          <a:p>
-            <a:pPr lvl="2" eaLnBrk="1" latinLnBrk="0" hangingPunct="1"/>
-            <a:r>
-              <a:rPr lang="en-US" smtClean="0"/>
-              <a:t>Third level</a:t>
-            </a:r>
-          </a:p>
-          <a:p>
-            <a:pPr lvl="3" eaLnBrk="1" latinLnBrk="0" hangingPunct="1"/>
-            <a:r>
-              <a:rPr lang="en-US" smtClean="0"/>
-              <a:t>Fourth level</a:t>
-            </a:r>
-          </a:p>
-          <a:p>
-            <a:pPr lvl="4" eaLnBrk="1" latinLnBrk="0" hangingPunct="1"/>
-            <a:r>
-              <a:rPr lang="en-US" smtClean="0"/>
-              <a:t>Fifth level</a:t>
-            </a:r>
-            <a:endParaRPr kumimoji="0" lang="en-US"/>
-          </a:p>
-        </p:txBody>
-      </p:sp>
-      <p:sp>
-        <p:nvSpPr>
-          <p:cNvPr id="4" name="Date Placeholder 3"/>
+            <a:pPr lvl="0"/>
+            <a:r>
+              <a:rPr lang="zh-TW" altLang="en-US" smtClean="0"/>
+              <a:t>按一下以編輯母片文字樣式</a:t>
+            </a:r>
+          </a:p>
+          <a:p>
+            <a:pPr lvl="1"/>
+            <a:r>
+              <a:rPr lang="zh-TW" altLang="en-US" smtClean="0"/>
+              <a:t>第二層</a:t>
+            </a:r>
+          </a:p>
+          <a:p>
+            <a:pPr lvl="2"/>
+            <a:r>
+              <a:rPr lang="zh-TW" altLang="en-US" smtClean="0"/>
+              <a:t>第三層</a:t>
+            </a:r>
+          </a:p>
+          <a:p>
+            <a:pPr lvl="3"/>
+            <a:r>
+              <a:rPr lang="zh-TW" altLang="en-US" smtClean="0"/>
+              <a:t>第四層</a:t>
+            </a:r>
+          </a:p>
+          <a:p>
+            <a:pPr lvl="4"/>
+            <a:r>
+              <a:rPr lang="zh-TW" altLang="en-US" smtClean="0"/>
+              <a:t>第五層</a:t>
+            </a:r>
+            <a:endParaRPr lang="zh-TW" altLang="en-US"/>
+          </a:p>
+        </p:txBody>
+      </p:sp>
+      <p:sp>
+        <p:nvSpPr>
+          <p:cNvPr id="4" name="日期版面配置區 3"/>
           <p:cNvSpPr>
             <a:spLocks noGrp="1"/>
           </p:cNvSpPr>
@@ -453,7 +456,8 @@
           <a:p>
             <a:fld id="{ECFD77D2-E44B-4CDA-8450-5F45A2DF05FB}" type="datetimeFigureOut">
               <a:rPr lang="en-US" smtClean="0"/>
-              <a:t>1/20/2013</a:t>
+              <a:pPr/>
+              <a:t>1/12/2019</a:t>
             </a:fld>
             <a:endParaRPr lang="en-US"/>
           </a:p>
@@ -461,7 +465,7 @@
       </p:sp>
       <p:sp>
         <p:nvSpPr>
-          <p:cNvPr id="5" name="Footer Placeholder 4"/>
+          <p:cNvPr id="5" name="頁尾版面配置區 4"/>
           <p:cNvSpPr>
             <a:spLocks noGrp="1"/>
           </p:cNvSpPr>
@@ -480,7 +484,7 @@
       </p:sp>
       <p:sp>
         <p:nvSpPr>
-          <p:cNvPr id="6" name="Slide Number Placeholder 5"/>
+          <p:cNvPr id="6" name="投影片編號版面配置區 5"/>
           <p:cNvSpPr>
             <a:spLocks noGrp="1"/>
           </p:cNvSpPr>
@@ -495,6 +499,7 @@
           <a:p>
             <a:fld id="{7699F0FE-D8AD-4FF0-86BF-50BD32CAAF86}" type="slidenum">
               <a:rPr lang="en-US" smtClean="0"/>
+              <a:pPr/>
               <a:t>‹#›</a:t>
             </a:fld>
             <a:endParaRPr lang="en-US"/>
@@ -510,8 +515,8 @@
 </file>
 
 <file path=ppt/slideLayouts/slideLayout11.xml><?xml version="1.0" encoding="utf-8"?>
-<p:sldLayout xmlns:a="http://schemas.openxmlformats.org/drawingml/2006/main" xmlns:r="http://schemas.openxmlformats.org/officeDocument/2006/relationships" xmlns:p="http://schemas.openxmlformats.org/presentationml/2006/main" showMasterSp="0" type="vertTitleAndTx" preserve="1">
-  <p:cSld name="Vertical Title and Text">
+<p:sldLayout xmlns:a="http://schemas.openxmlformats.org/drawingml/2006/main" xmlns:r="http://schemas.openxmlformats.org/officeDocument/2006/relationships" xmlns:p="http://schemas.openxmlformats.org/presentationml/2006/main" type="vertTitleAndTx" preserve="1">
+  <p:cSld name="直排標題及文字">
     <p:spTree>
       <p:nvGrpSpPr>
         <p:cNvPr id="1" name=""/>
@@ -528,7 +533,7 @@
       </p:grpSpPr>
       <p:sp>
         <p:nvSpPr>
-          <p:cNvPr id="2" name="Vertical Title 1"/>
+          <p:cNvPr id="2" name="直排標題 1"/>
           <p:cNvSpPr>
             <a:spLocks noGrp="1"/>
           </p:cNvSpPr>
@@ -538,8 +543,8 @@
         </p:nvSpPr>
         <p:spPr>
           <a:xfrm>
-            <a:off x="6858000" y="549276"/>
-            <a:ext cx="1828800" cy="5851525"/>
+            <a:off x="6629400" y="274638"/>
+            <a:ext cx="2057400" cy="5851525"/>
           </a:xfrm>
         </p:spPr>
         <p:txBody>
@@ -547,16 +552,16 @@
           <a:lstStyle/>
           <a:p>
             <a:r>
-              <a:rPr kumimoji="0" lang="en-US" smtClean="0"/>
-              <a:t>Click to edit Master title style</a:t>
-            </a:r>
-            <a:endParaRPr kumimoji="0" lang="en-US"/>
-          </a:p>
-        </p:txBody>
-      </p:sp>
-      <p:sp>
-        <p:nvSpPr>
-          <p:cNvPr id="3" name="Vertical Text Placeholder 2"/>
+              <a:rPr lang="zh-TW" altLang="en-US" smtClean="0"/>
+              <a:t>按一下以編輯母片標題樣式</a:t>
+            </a:r>
+            <a:endParaRPr lang="zh-TW" altLang="en-US"/>
+          </a:p>
+        </p:txBody>
+      </p:sp>
+      <p:sp>
+        <p:nvSpPr>
+          <p:cNvPr id="3" name="直排文字版面配置區 2"/>
           <p:cNvSpPr>
             <a:spLocks noGrp="1"/>
           </p:cNvSpPr>
@@ -566,54 +571,54 @@
         </p:nvSpPr>
         <p:spPr>
           <a:xfrm>
-            <a:off x="457200" y="549276"/>
-            <a:ext cx="6248400" cy="5851525"/>
+            <a:off x="457200" y="274638"/>
+            <a:ext cx="6019800" cy="5851525"/>
           </a:xfrm>
         </p:spPr>
         <p:txBody>
           <a:bodyPr vert="eaVert"/>
           <a:lstStyle/>
           <a:p>
-            <a:pPr lvl="0" eaLnBrk="1" latinLnBrk="0" hangingPunct="1"/>
-            <a:r>
-              <a:rPr lang="en-US" smtClean="0"/>
-              <a:t>Click to edit Master text styles</a:t>
-            </a:r>
-          </a:p>
-          <a:p>
-            <a:pPr lvl="1" eaLnBrk="1" latinLnBrk="0" hangingPunct="1"/>
-            <a:r>
-              <a:rPr lang="en-US" smtClean="0"/>
-              <a:t>Second level</a:t>
-            </a:r>
-          </a:p>
-          <a:p>
-            <a:pPr lvl="2" eaLnBrk="1" latinLnBrk="0" hangingPunct="1"/>
-            <a:r>
-              <a:rPr lang="en-US" smtClean="0"/>
-              <a:t>Third level</a:t>
-            </a:r>
-          </a:p>
-          <a:p>
-            <a:pPr lvl="3" eaLnBrk="1" latinLnBrk="0" hangingPunct="1"/>
-            <a:r>
-              <a:rPr lang="en-US" smtClean="0"/>
-              <a:t>Fourth level</a:t>
-            </a:r>
-          </a:p>
-          <a:p>
-            <a:pPr lvl="4" eaLnBrk="1" latinLnBrk="0" hangingPunct="1"/>
-            <a:r>
-              <a:rPr lang="en-US" smtClean="0"/>
-              <a:t>Fifth level</a:t>
-            </a:r>
-            <a:endParaRPr kumimoji="0" lang="en-US"/>
-          </a:p>
-        </p:txBody>
-      </p:sp>
-      <p:sp>
-        <p:nvSpPr>
-          <p:cNvPr id="4" name="Date Placeholder 3"/>
+            <a:pPr lvl="0"/>
+            <a:r>
+              <a:rPr lang="zh-TW" altLang="en-US" smtClean="0"/>
+              <a:t>按一下以編輯母片文字樣式</a:t>
+            </a:r>
+          </a:p>
+          <a:p>
+            <a:pPr lvl="1"/>
+            <a:r>
+              <a:rPr lang="zh-TW" altLang="en-US" smtClean="0"/>
+              <a:t>第二層</a:t>
+            </a:r>
+          </a:p>
+          <a:p>
+            <a:pPr lvl="2"/>
+            <a:r>
+              <a:rPr lang="zh-TW" altLang="en-US" smtClean="0"/>
+              <a:t>第三層</a:t>
+            </a:r>
+          </a:p>
+          <a:p>
+            <a:pPr lvl="3"/>
+            <a:r>
+              <a:rPr lang="zh-TW" altLang="en-US" smtClean="0"/>
+              <a:t>第四層</a:t>
+            </a:r>
+          </a:p>
+          <a:p>
+            <a:pPr lvl="4"/>
+            <a:r>
+              <a:rPr lang="zh-TW" altLang="en-US" smtClean="0"/>
+              <a:t>第五層</a:t>
+            </a:r>
+            <a:endParaRPr lang="zh-TW" altLang="en-US"/>
+          </a:p>
+        </p:txBody>
+      </p:sp>
+      <p:sp>
+        <p:nvSpPr>
+          <p:cNvPr id="4" name="日期版面配置區 3"/>
           <p:cNvSpPr>
             <a:spLocks noGrp="1"/>
           </p:cNvSpPr>
@@ -628,7 +633,8 @@
           <a:p>
             <a:fld id="{ECFD77D2-E44B-4CDA-8450-5F45A2DF05FB}" type="datetimeFigureOut">
               <a:rPr lang="en-US" smtClean="0"/>
-              <a:t>1/20/2013</a:t>
+              <a:pPr/>
+              <a:t>1/12/2019</a:t>
             </a:fld>
             <a:endParaRPr lang="en-US"/>
           </a:p>
@@ -636,7 +642,7 @@
       </p:sp>
       <p:sp>
         <p:nvSpPr>
-          <p:cNvPr id="5" name="Footer Placeholder 4"/>
+          <p:cNvPr id="5" name="頁尾版面配置區 4"/>
           <p:cNvSpPr>
             <a:spLocks noGrp="1"/>
           </p:cNvSpPr>
@@ -655,7 +661,7 @@
       </p:sp>
       <p:sp>
         <p:nvSpPr>
-          <p:cNvPr id="6" name="Slide Number Placeholder 5"/>
+          <p:cNvPr id="6" name="投影片編號版面配置區 5"/>
           <p:cNvSpPr>
             <a:spLocks noGrp="1"/>
           </p:cNvSpPr>
@@ -670,6 +676,7 @@
           <a:p>
             <a:fld id="{7699F0FE-D8AD-4FF0-86BF-50BD32CAAF86}" type="slidenum">
               <a:rPr lang="en-US" smtClean="0"/>
+              <a:pPr/>
               <a:t>‹#›</a:t>
             </a:fld>
             <a:endParaRPr lang="en-US"/>
@@ -686,7 +693,7 @@
 
 <file path=ppt/slideLayouts/slideLayout2.xml><?xml version="1.0" encoding="utf-8"?>
 <p:sldLayout xmlns:a="http://schemas.openxmlformats.org/drawingml/2006/main" xmlns:r="http://schemas.openxmlformats.org/officeDocument/2006/relationships" xmlns:p="http://schemas.openxmlformats.org/presentationml/2006/main" type="obj" preserve="1">
-  <p:cSld name="Title and Content">
+  <p:cSld name="標題及物件">
     <p:spTree>
       <p:nvGrpSpPr>
         <p:cNvPr id="1" name=""/>
@@ -703,7 +710,7 @@
       </p:grpSpPr>
       <p:sp>
         <p:nvSpPr>
-          <p:cNvPr id="22" name="Title 21"/>
+          <p:cNvPr id="2" name="標題 1"/>
           <p:cNvSpPr>
             <a:spLocks noGrp="1"/>
           </p:cNvSpPr>
@@ -717,16 +724,16 @@
           <a:lstStyle/>
           <a:p>
             <a:r>
-              <a:rPr kumimoji="0" lang="en-US" smtClean="0"/>
-              <a:t>Click to edit Master title style</a:t>
-            </a:r>
-            <a:endParaRPr kumimoji="0" lang="en-US"/>
-          </a:p>
-        </p:txBody>
-      </p:sp>
-      <p:sp>
-        <p:nvSpPr>
-          <p:cNvPr id="27" name="Content Placeholder 26"/>
+              <a:rPr lang="zh-TW" altLang="en-US" smtClean="0"/>
+              <a:t>按一下以編輯母片標題樣式</a:t>
+            </a:r>
+            <a:endParaRPr lang="zh-TW" altLang="en-US"/>
+          </a:p>
+        </p:txBody>
+      </p:sp>
+      <p:sp>
+        <p:nvSpPr>
+          <p:cNvPr id="3" name="內容版面配置區 2"/>
           <p:cNvSpPr>
             <a:spLocks noGrp="1"/>
           </p:cNvSpPr>
@@ -739,46 +746,46 @@
           <a:bodyPr/>
           <a:lstStyle/>
           <a:p>
-            <a:pPr lvl="0" eaLnBrk="1" latinLnBrk="0" hangingPunct="1"/>
-            <a:r>
-              <a:rPr lang="en-US" smtClean="0"/>
-              <a:t>Click to edit Master text styles</a:t>
-            </a:r>
-          </a:p>
-          <a:p>
-            <a:pPr lvl="1" eaLnBrk="1" latinLnBrk="0" hangingPunct="1"/>
-            <a:r>
-              <a:rPr lang="en-US" smtClean="0"/>
-              <a:t>Second level</a:t>
-            </a:r>
-          </a:p>
-          <a:p>
-            <a:pPr lvl="2" eaLnBrk="1" latinLnBrk="0" hangingPunct="1"/>
-            <a:r>
-              <a:rPr lang="en-US" smtClean="0"/>
-              <a:t>Third level</a:t>
-            </a:r>
-          </a:p>
-          <a:p>
-            <a:pPr lvl="3" eaLnBrk="1" latinLnBrk="0" hangingPunct="1"/>
-            <a:r>
-              <a:rPr lang="en-US" smtClean="0"/>
-              <a:t>Fourth level</a:t>
-            </a:r>
-          </a:p>
-          <a:p>
-            <a:pPr lvl="4" eaLnBrk="1" latinLnBrk="0" hangingPunct="1"/>
-            <a:r>
-              <a:rPr lang="en-US" smtClean="0"/>
-              <a:t>Fifth level</a:t>
-            </a:r>
-            <a:endParaRPr kumimoji="0" lang="en-US"/>
-          </a:p>
-        </p:txBody>
-      </p:sp>
-      <p:sp>
-        <p:nvSpPr>
-          <p:cNvPr id="25" name="Date Placeholder 24"/>
+            <a:pPr lvl="0"/>
+            <a:r>
+              <a:rPr lang="zh-TW" altLang="en-US" smtClean="0"/>
+              <a:t>按一下以編輯母片文字樣式</a:t>
+            </a:r>
+          </a:p>
+          <a:p>
+            <a:pPr lvl="1"/>
+            <a:r>
+              <a:rPr lang="zh-TW" altLang="en-US" smtClean="0"/>
+              <a:t>第二層</a:t>
+            </a:r>
+          </a:p>
+          <a:p>
+            <a:pPr lvl="2"/>
+            <a:r>
+              <a:rPr lang="zh-TW" altLang="en-US" smtClean="0"/>
+              <a:t>第三層</a:t>
+            </a:r>
+          </a:p>
+          <a:p>
+            <a:pPr lvl="3"/>
+            <a:r>
+              <a:rPr lang="zh-TW" altLang="en-US" smtClean="0"/>
+              <a:t>第四層</a:t>
+            </a:r>
+          </a:p>
+          <a:p>
+            <a:pPr lvl="4"/>
+            <a:r>
+              <a:rPr lang="zh-TW" altLang="en-US" smtClean="0"/>
+              <a:t>第五層</a:t>
+            </a:r>
+            <a:endParaRPr lang="zh-TW" altLang="en-US"/>
+          </a:p>
+        </p:txBody>
+      </p:sp>
+      <p:sp>
+        <p:nvSpPr>
+          <p:cNvPr id="4" name="日期版面配置區 3"/>
           <p:cNvSpPr>
             <a:spLocks noGrp="1"/>
           </p:cNvSpPr>
@@ -793,7 +800,8 @@
           <a:p>
             <a:fld id="{ECFD77D2-E44B-4CDA-8450-5F45A2DF05FB}" type="datetimeFigureOut">
               <a:rPr lang="en-US" smtClean="0"/>
-              <a:t>1/20/2013</a:t>
+              <a:pPr/>
+              <a:t>1/12/2019</a:t>
             </a:fld>
             <a:endParaRPr lang="en-US"/>
           </a:p>
@@ -801,7 +809,7 @@
       </p:sp>
       <p:sp>
         <p:nvSpPr>
-          <p:cNvPr id="19" name="Footer Placeholder 18"/>
+          <p:cNvPr id="5" name="頁尾版面配置區 4"/>
           <p:cNvSpPr>
             <a:spLocks noGrp="1"/>
           </p:cNvSpPr>
@@ -809,12 +817,7 @@
             <p:ph type="ftr" sz="quarter" idx="11"/>
           </p:nvPr>
         </p:nvSpPr>
-        <p:spPr>
-          <a:xfrm>
-            <a:off x="3581400" y="76200"/>
-            <a:ext cx="2895600" cy="288925"/>
-          </a:xfrm>
-        </p:spPr>
+        <p:spPr/>
         <p:txBody>
           <a:bodyPr/>
           <a:lstStyle/>
@@ -825,7 +828,7 @@
       </p:sp>
       <p:sp>
         <p:nvSpPr>
-          <p:cNvPr id="16" name="Slide Number Placeholder 15"/>
+          <p:cNvPr id="6" name="投影片編號版面配置區 5"/>
           <p:cNvSpPr>
             <a:spLocks noGrp="1"/>
           </p:cNvSpPr>
@@ -833,18 +836,14 @@
             <p:ph type="sldNum" sz="quarter" idx="12"/>
           </p:nvPr>
         </p:nvSpPr>
-        <p:spPr>
-          <a:xfrm>
-            <a:off x="8229600" y="6473952"/>
-            <a:ext cx="758952" cy="246888"/>
-          </a:xfrm>
-        </p:spPr>
+        <p:spPr/>
         <p:txBody>
           <a:bodyPr/>
           <a:lstStyle/>
           <a:p>
             <a:fld id="{7699F0FE-D8AD-4FF0-86BF-50BD32CAAF86}" type="slidenum">
               <a:rPr lang="en-US" smtClean="0"/>
+              <a:pPr/>
               <a:t>‹#›</a:t>
             </a:fld>
             <a:endParaRPr lang="en-US"/>
@@ -860,13 +859,8 @@
 </file>
 
 <file path=ppt/slideLayouts/slideLayout3.xml><?xml version="1.0" encoding="utf-8"?>
-<p:sldLayout xmlns:a="http://schemas.openxmlformats.org/drawingml/2006/main" xmlns:r="http://schemas.openxmlformats.org/officeDocument/2006/relationships" xmlns:p="http://schemas.openxmlformats.org/presentationml/2006/main" showMasterSp="0" type="secHead" preserve="1">
-  <p:cSld name="Section Header">
-    <p:bg>
-      <p:bgRef idx="1003">
-        <a:schemeClr val="bg2"/>
-      </p:bgRef>
-    </p:bg>
+<p:sldLayout xmlns:a="http://schemas.openxmlformats.org/drawingml/2006/main" xmlns:r="http://schemas.openxmlformats.org/officeDocument/2006/relationships" xmlns:p="http://schemas.openxmlformats.org/presentationml/2006/main" type="secHead" preserve="1">
+  <p:cSld name="區段標題">
     <p:spTree>
       <p:nvGrpSpPr>
         <p:cNvPr id="1" name=""/>
@@ -883,84 +877,66 @@
       </p:grpSpPr>
       <p:sp>
         <p:nvSpPr>
-          <p:cNvPr id="7" name="Straight Connector 6"/>
-          <p:cNvSpPr>
-            <a:spLocks noChangeShapeType="1"/>
-          </p:cNvSpPr>
-          <p:nvPr/>
-        </p:nvSpPr>
-        <p:spPr bwMode="auto">
-          <a:xfrm>
-            <a:off x="514350" y="3444902"/>
-            <a:ext cx="8629650" cy="2381"/>
-          </a:xfrm>
-          <a:prstGeom prst="line">
-            <a:avLst/>
-          </a:prstGeom>
-          <a:noFill/>
-          <a:ln w="9525" cap="flat" cmpd="sng" algn="ctr">
-            <a:gradFill flip="none" rotWithShape="1">
-              <a:gsLst>
-                <a:gs pos="0">
-                  <a:schemeClr val="accent1">
-                    <a:alpha val="0"/>
-                  </a:schemeClr>
-                </a:gs>
-                <a:gs pos="17000">
-                  <a:schemeClr val="accent1"/>
-                </a:gs>
-                <a:gs pos="100000">
-                  <a:schemeClr val="accent1"/>
-                </a:gs>
-              </a:gsLst>
-              <a:lin ang="0" scaled="1"/>
-              <a:tileRect/>
-            </a:gradFill>
-            <a:prstDash val="solid"/>
-            <a:round/>
-            <a:headEnd type="none" w="med" len="med"/>
-            <a:tailEnd type="none" w="med" len="med"/>
-          </a:ln>
-          <a:effectLst/>
-        </p:spPr>
-        <p:txBody>
-          <a:bodyPr vert="horz" wrap="square" lIns="91440" tIns="45720" rIns="91440" bIns="45720" anchor="t" compatLnSpc="1"/>
-          <a:lstStyle/>
-          <a:p>
-            <a:endParaRPr kumimoji="0" lang="en-US"/>
-          </a:p>
-        </p:txBody>
-      </p:sp>
-      <p:sp>
-        <p:nvSpPr>
-          <p:cNvPr id="6" name="Text Placeholder 5"/>
-          <p:cNvSpPr>
-            <a:spLocks noGrp="1"/>
-          </p:cNvSpPr>
-          <p:nvPr>
-            <p:ph type="body" idx="1"/>
+          <p:cNvPr id="2" name="標題 1"/>
+          <p:cNvSpPr>
+            <a:spLocks noGrp="1"/>
+          </p:cNvSpPr>
+          <p:nvPr>
+            <p:ph type="title"/>
           </p:nvPr>
         </p:nvSpPr>
         <p:spPr>
           <a:xfrm>
-            <a:off x="381000" y="1676400"/>
-            <a:ext cx="8458200" cy="1219200"/>
+            <a:off x="722313" y="4406900"/>
+            <a:ext cx="7772400" cy="1362075"/>
           </a:xfrm>
         </p:spPr>
         <p:txBody>
+          <a:bodyPr anchor="t"/>
+          <a:lstStyle>
+            <a:lvl1pPr algn="l">
+              <a:defRPr sz="4000" b="1" cap="all"/>
+            </a:lvl1pPr>
+          </a:lstStyle>
+          <a:p>
+            <a:r>
+              <a:rPr lang="zh-TW" altLang="en-US" smtClean="0"/>
+              <a:t>按一下以編輯母片標題樣式</a:t>
+            </a:r>
+            <a:endParaRPr lang="zh-TW" altLang="en-US"/>
+          </a:p>
+        </p:txBody>
+      </p:sp>
+      <p:sp>
+        <p:nvSpPr>
+          <p:cNvPr id="3" name="文字版面配置區 2"/>
+          <p:cNvSpPr>
+            <a:spLocks noGrp="1"/>
+          </p:cNvSpPr>
+          <p:nvPr>
+            <p:ph type="body" idx="1"/>
+          </p:nvPr>
+        </p:nvSpPr>
+        <p:spPr>
+          <a:xfrm>
+            <a:off x="722313" y="2906713"/>
+            <a:ext cx="7772400" cy="1500187"/>
+          </a:xfrm>
+        </p:spPr>
+        <p:txBody>
           <a:bodyPr anchor="b"/>
           <a:lstStyle>
-            <a:lvl1pPr marL="0" indent="0" algn="r">
+            <a:lvl1pPr marL="0" indent="0">
               <a:buNone/>
               <a:defRPr sz="2000">
                 <a:solidFill>
-                  <a:schemeClr val="tx2">
-                    <a:shade val="75000"/>
+                  <a:schemeClr val="tx1">
+                    <a:tint val="75000"/>
                   </a:schemeClr>
                 </a:solidFill>
               </a:defRPr>
             </a:lvl1pPr>
-            <a:lvl2pPr>
+            <a:lvl2pPr marL="457200" indent="0">
               <a:buNone/>
               <a:defRPr sz="1800">
                 <a:solidFill>
@@ -970,7 +946,7 @@
                 </a:solidFill>
               </a:defRPr>
             </a:lvl2pPr>
-            <a:lvl3pPr>
+            <a:lvl3pPr marL="914400" indent="0">
               <a:buNone/>
               <a:defRPr sz="1600">
                 <a:solidFill>
@@ -980,7 +956,7 @@
                 </a:solidFill>
               </a:defRPr>
             </a:lvl3pPr>
-            <a:lvl4pPr>
+            <a:lvl4pPr marL="1371600" indent="0">
               <a:buNone/>
               <a:defRPr sz="1400">
                 <a:solidFill>
@@ -990,7 +966,7 @@
                 </a:solidFill>
               </a:defRPr>
             </a:lvl4pPr>
-            <a:lvl5pPr>
+            <a:lvl5pPr marL="1828800" indent="0">
               <a:buNone/>
               <a:defRPr sz="1400">
                 <a:solidFill>
@@ -1000,19 +976,59 @@
                 </a:solidFill>
               </a:defRPr>
             </a:lvl5pPr>
+            <a:lvl6pPr marL="2286000" indent="0">
+              <a:buNone/>
+              <a:defRPr sz="1400">
+                <a:solidFill>
+                  <a:schemeClr val="tx1">
+                    <a:tint val="75000"/>
+                  </a:schemeClr>
+                </a:solidFill>
+              </a:defRPr>
+            </a:lvl6pPr>
+            <a:lvl7pPr marL="2743200" indent="0">
+              <a:buNone/>
+              <a:defRPr sz="1400">
+                <a:solidFill>
+                  <a:schemeClr val="tx1">
+                    <a:tint val="75000"/>
+                  </a:schemeClr>
+                </a:solidFill>
+              </a:defRPr>
+            </a:lvl7pPr>
+            <a:lvl8pPr marL="3200400" indent="0">
+              <a:buNone/>
+              <a:defRPr sz="1400">
+                <a:solidFill>
+                  <a:schemeClr val="tx1">
+                    <a:tint val="75000"/>
+                  </a:schemeClr>
+                </a:solidFill>
+              </a:defRPr>
+            </a:lvl8pPr>
+            <a:lvl9pPr marL="3657600" indent="0">
+              <a:buNone/>
+              <a:defRPr sz="1400">
+                <a:solidFill>
+                  <a:schemeClr val="tx1">
+                    <a:tint val="75000"/>
+                  </a:schemeClr>
+                </a:solidFill>
+              </a:defRPr>
+            </a:lvl9pPr>
           </a:lstStyle>
           <a:p>
-            <a:pPr lvl="0" eaLnBrk="1" latinLnBrk="0" hangingPunct="1"/>
-            <a:r>
-              <a:rPr kumimoji="0" lang="en-US" smtClean="0"/>
-              <a:t>Click to edit Master text styles</a:t>
-            </a:r>
-          </a:p>
-        </p:txBody>
-      </p:sp>
-      <p:sp>
-        <p:nvSpPr>
-          <p:cNvPr id="19" name="Date Placeholder 18"/>
+            <a:pPr lvl="0"/>
+            <a:r>
+              <a:rPr lang="zh-TW" altLang="en-US" smtClean="0"/>
+              <a:t>按一下以編輯母片文字樣式</a:t>
+            </a:r>
+          </a:p>
+        </p:txBody>
+      </p:sp>
+      <p:sp>
+        <p:nvSpPr>
+          <p:cNvPr id="4" name="日期版面配置區 3"/>
           <p:cNvSpPr>
             <a:spLocks noGrp="1"/>
           </p:cNvSpPr>
@@ -1027,7 +1043,8 @@
           <a:p>
             <a:fld id="{ECFD77D2-E44B-4CDA-8450-5F45A2DF05FB}" type="datetimeFigureOut">
               <a:rPr lang="en-US" smtClean="0"/>
-              <a:t>1/20/2013</a:t>
+              <a:pPr/>
+              <a:t>1/12/2019</a:t>
             </a:fld>
             <a:endParaRPr lang="en-US"/>
           </a:p>
@@ -1035,7 +1052,7 @@
       </p:sp>
       <p:sp>
         <p:nvSpPr>
-          <p:cNvPr id="11" name="Footer Placeholder 10"/>
+          <p:cNvPr id="5" name="頁尾版面配置區 4"/>
           <p:cNvSpPr>
             <a:spLocks noGrp="1"/>
           </p:cNvSpPr>
@@ -1054,7 +1071,7 @@
       </p:sp>
       <p:sp>
         <p:nvSpPr>
-          <p:cNvPr id="16" name="Slide Number Placeholder 15"/>
+          <p:cNvPr id="6" name="投影片編號版面配置區 5"/>
           <p:cNvSpPr>
             <a:spLocks noGrp="1"/>
           </p:cNvSpPr>
@@ -1069,55 +1086,24 @@
           <a:p>
             <a:fld id="{7699F0FE-D8AD-4FF0-86BF-50BD32CAAF86}" type="slidenum">
               <a:rPr lang="en-US" smtClean="0"/>
+              <a:pPr/>
               <a:t>‹#›</a:t>
             </a:fld>
             <a:endParaRPr lang="en-US"/>
           </a:p>
         </p:txBody>
       </p:sp>
-      <p:sp>
-        <p:nvSpPr>
-          <p:cNvPr id="8" name="Title 7"/>
-          <p:cNvSpPr>
-            <a:spLocks noGrp="1"/>
-          </p:cNvSpPr>
-          <p:nvPr>
-            <p:ph type="title"/>
-          </p:nvPr>
-        </p:nvSpPr>
-        <p:spPr>
-          <a:xfrm>
-            <a:off x="180475" y="2947085"/>
-            <a:ext cx="8686800" cy="1184825"/>
-          </a:xfrm>
-        </p:spPr>
-        <p:txBody>
-          <a:bodyPr rtlCol="0" anchor="t"/>
-          <a:lstStyle>
-            <a:lvl1pPr algn="r">
-              <a:defRPr/>
-            </a:lvl1pPr>
-          </a:lstStyle>
-          <a:p>
-            <a:r>
-              <a:rPr kumimoji="0" lang="en-US" smtClean="0"/>
-              <a:t>Click to edit Master title style</a:t>
-            </a:r>
-            <a:endParaRPr kumimoji="0" lang="en-US"/>
-          </a:p>
-        </p:txBody>
-      </p:sp>
     </p:spTree>
   </p:cSld>
   <p:clrMapOvr>
-    <a:overrideClrMapping bg1="dk1" tx1="lt1" bg2="dk2" tx2="lt2" accent1="accent1" accent2="accent2" accent3="accent3" accent4="accent4" accent5="accent5" accent6="accent6" hlink="hlink" folHlink="folHlink"/>
+    <a:masterClrMapping/>
   </p:clrMapOvr>
 </p:sldLayout>
 </file>
 
 <file path=ppt/slideLayouts/slideLayout4.xml><?xml version="1.0" encoding="utf-8"?>
 <p:sldLayout xmlns:a="http://schemas.openxmlformats.org/drawingml/2006/main" xmlns:r="http://schemas.openxmlformats.org/officeDocument/2006/relationships" xmlns:p="http://schemas.openxmlformats.org/presentationml/2006/main" type="twoObj" preserve="1">
-  <p:cSld name="Two Content">
+  <p:cSld name="兩項物件">
     <p:spTree>
       <p:nvGrpSpPr>
         <p:cNvPr id="1" name=""/>
@@ -1134,46 +1120,41 @@
       </p:grpSpPr>
       <p:sp>
         <p:nvSpPr>
-          <p:cNvPr id="20" name="Title 19"/>
+          <p:cNvPr id="2" name="標題 1"/>
           <p:cNvSpPr>
             <a:spLocks noGrp="1"/>
           </p:cNvSpPr>
           <p:nvPr>
             <p:ph type="title"/>
+          </p:nvPr>
+        </p:nvSpPr>
+        <p:spPr/>
+        <p:txBody>
+          <a:bodyPr/>
+          <a:lstStyle/>
+          <a:p>
+            <a:r>
+              <a:rPr lang="zh-TW" altLang="en-US" smtClean="0"/>
+              <a:t>按一下以編輯母片標題樣式</a:t>
+            </a:r>
+            <a:endParaRPr lang="zh-TW" altLang="en-US"/>
+          </a:p>
+        </p:txBody>
+      </p:sp>
+      <p:sp>
+        <p:nvSpPr>
+          <p:cNvPr id="3" name="內容版面配置區 2"/>
+          <p:cNvSpPr>
+            <a:spLocks noGrp="1"/>
+          </p:cNvSpPr>
+          <p:nvPr>
+            <p:ph sz="half" idx="1"/>
           </p:nvPr>
         </p:nvSpPr>
         <p:spPr>
           <a:xfrm>
-            <a:off x="301752" y="457200"/>
-            <a:ext cx="8686800" cy="841248"/>
-          </a:xfrm>
-        </p:spPr>
-        <p:txBody>
-          <a:bodyPr/>
-          <a:lstStyle/>
-          <a:p>
-            <a:r>
-              <a:rPr kumimoji="0" lang="en-US" smtClean="0"/>
-              <a:t>Click to edit Master title style</a:t>
-            </a:r>
-            <a:endParaRPr kumimoji="0" lang="en-US"/>
-          </a:p>
-        </p:txBody>
-      </p:sp>
-      <p:sp>
-        <p:nvSpPr>
-          <p:cNvPr id="14" name="Content Placeholder 13"/>
-          <p:cNvSpPr>
-            <a:spLocks noGrp="1"/>
-          </p:cNvSpPr>
-          <p:nvPr>
-            <p:ph sz="half" idx="1"/>
-          </p:nvPr>
-        </p:nvSpPr>
-        <p:spPr>
-          <a:xfrm>
-            <a:off x="304800" y="1600200"/>
-            <a:ext cx="4191000" cy="4724400"/>
+            <a:off x="457200" y="1600200"/>
+            <a:ext cx="4038600" cy="4525963"/>
           </a:xfrm>
         </p:spPr>
         <p:txBody>
@@ -1194,48 +1175,60 @@
             <a:lvl5pPr>
               <a:defRPr sz="1800"/>
             </a:lvl5pPr>
+            <a:lvl6pPr>
+              <a:defRPr sz="1800"/>
+            </a:lvl6pPr>
+            <a:lvl7pPr>
+              <a:defRPr sz="1800"/>
+            </a:lvl7pPr>
+            <a:lvl8pPr>
+              <a:defRPr sz="1800"/>
+            </a:lvl8pPr>
+            <a:lvl9pPr>
+              <a:defRPr sz="1800"/>
+            </a:lvl9pPr>
           </a:lstStyle>
           <a:p>
-            <a:pPr lvl="0" eaLnBrk="1" latinLnBrk="0" hangingPunct="1"/>
-            <a:r>
-              <a:rPr lang="en-US" smtClean="0"/>
-              <a:t>Click to edit Master text styles</a:t>
-            </a:r>
-          </a:p>
-          <a:p>
-            <a:pPr lvl="1" eaLnBrk="1" latinLnBrk="0" hangingPunct="1"/>
-            <a:r>
-              <a:rPr lang="en-US" smtClean="0"/>
-              <a:t>Second level</a:t>
-            </a:r>
-          </a:p>
-          <a:p>
-            <a:pPr lvl="2" eaLnBrk="1" latinLnBrk="0" hangingPunct="1"/>
-            <a:r>
-              <a:rPr lang="en-US" smtClean="0"/>
-              <a:t>Third level</a:t>
-            </a:r>
-          </a:p>
-          <a:p>
-            <a:pPr lvl="3" eaLnBrk="1" latinLnBrk="0" hangingPunct="1"/>
-            <a:r>
-              <a:rPr lang="en-US" smtClean="0"/>
-              <a:t>Fourth level</a:t>
-            </a:r>
-          </a:p>
-          <a:p>
-            <a:pPr lvl="4" eaLnBrk="1" latinLnBrk="0" hangingPunct="1"/>
-            <a:r>
-              <a:rPr lang="en-US" smtClean="0"/>
-              <a:t>Fifth level</a:t>
-            </a:r>
-            <a:endParaRPr kumimoji="0" lang="en-US"/>
-          </a:p>
-        </p:txBody>
-      </p:sp>
-      <p:sp>
-        <p:nvSpPr>
-          <p:cNvPr id="13" name="Content Placeholder 12"/>
+            <a:pPr lvl="0"/>
+            <a:r>
+              <a:rPr lang="zh-TW" altLang="en-US" smtClean="0"/>
+              <a:t>按一下以編輯母片文字樣式</a:t>
+            </a:r>
+          </a:p>
+          <a:p>
+            <a:pPr lvl="1"/>
+            <a:r>
+              <a:rPr lang="zh-TW" altLang="en-US" smtClean="0"/>
+              <a:t>第二層</a:t>
+            </a:r>
+          </a:p>
+          <a:p>
+            <a:pPr lvl="2"/>
+            <a:r>
+              <a:rPr lang="zh-TW" altLang="en-US" smtClean="0"/>
+              <a:t>第三層</a:t>
+            </a:r>
+          </a:p>
+          <a:p>
+            <a:pPr lvl="3"/>
+            <a:r>
+              <a:rPr lang="zh-TW" altLang="en-US" smtClean="0"/>
+              <a:t>第四層</a:t>
+            </a:r>
+          </a:p>
+          <a:p>
+            <a:pPr lvl="4"/>
+            <a:r>
+              <a:rPr lang="zh-TW" altLang="en-US" smtClean="0"/>
+              <a:t>第五層</a:t>
+            </a:r>
+            <a:endParaRPr lang="zh-TW" altLang="en-US"/>
+          </a:p>
+        </p:txBody>
+      </p:sp>
+      <p:sp>
+        <p:nvSpPr>
+          <p:cNvPr id="4" name="內容版面配置區 3"/>
           <p:cNvSpPr>
             <a:spLocks noGrp="1"/>
           </p:cNvSpPr>
@@ -1246,7 +1239,7 @@
         <p:spPr>
           <a:xfrm>
             <a:off x="4648200" y="1600200"/>
-            <a:ext cx="4343400" cy="4724400"/>
+            <a:ext cx="4038600" cy="4525963"/>
           </a:xfrm>
         </p:spPr>
         <p:txBody>
@@ -1267,48 +1260,60 @@
             <a:lvl5pPr>
               <a:defRPr sz="1800"/>
             </a:lvl5pPr>
+            <a:lvl6pPr>
+              <a:defRPr sz="1800"/>
+            </a:lvl6pPr>
+            <a:lvl7pPr>
+              <a:defRPr sz="1800"/>
+            </a:lvl7pPr>
+            <a:lvl8pPr>
+              <a:defRPr sz="1800"/>
+            </a:lvl8pPr>
+            <a:lvl9pPr>
+              <a:defRPr sz="1800"/>
+            </a:lvl9pPr>
           </a:lstStyle>
           <a:p>
-            <a:pPr lvl="0" eaLnBrk="1" latinLnBrk="0" hangingPunct="1"/>
-            <a:r>
-              <a:rPr lang="en-US" smtClean="0"/>
-              <a:t>Click to edit Master text styles</a:t>
-            </a:r>
-          </a:p>
-          <a:p>
-            <a:pPr lvl="1" eaLnBrk="1" latinLnBrk="0" hangingPunct="1"/>
-            <a:r>
-              <a:rPr lang="en-US" smtClean="0"/>
-              <a:t>Second level</a:t>
-            </a:r>
-          </a:p>
-          <a:p>
-            <a:pPr lvl="2" eaLnBrk="1" latinLnBrk="0" hangingPunct="1"/>
-            <a:r>
-              <a:rPr lang="en-US" smtClean="0"/>
-              <a:t>Third level</a:t>
-            </a:r>
-          </a:p>
-          <a:p>
-            <a:pPr lvl="3" eaLnBrk="1" latinLnBrk="0" hangingPunct="1"/>
-            <a:r>
-              <a:rPr lang="en-US" smtClean="0"/>
-              <a:t>Fourth level</a:t>
-            </a:r>
-          </a:p>
-          <a:p>
-            <a:pPr lvl="4" eaLnBrk="1" latinLnBrk="0" hangingPunct="1"/>
-            <a:r>
-              <a:rPr lang="en-US" smtClean="0"/>
-              <a:t>Fifth level</a:t>
-            </a:r>
-            <a:endParaRPr kumimoji="0" lang="en-US"/>
-          </a:p>
-        </p:txBody>
-      </p:sp>
-      <p:sp>
-        <p:nvSpPr>
-          <p:cNvPr id="21" name="Date Placeholder 20"/>
+            <a:pPr lvl="0"/>
+            <a:r>
+              <a:rPr lang="zh-TW" altLang="en-US" smtClean="0"/>
+              <a:t>按一下以編輯母片文字樣式</a:t>
+            </a:r>
+          </a:p>
+          <a:p>
+            <a:pPr lvl="1"/>
+            <a:r>
+              <a:rPr lang="zh-TW" altLang="en-US" smtClean="0"/>
+              <a:t>第二層</a:t>
+            </a:r>
+          </a:p>
+          <a:p>
+            <a:pPr lvl="2"/>
+            <a:r>
+              <a:rPr lang="zh-TW" altLang="en-US" smtClean="0"/>
+              <a:t>第三層</a:t>
+            </a:r>
+          </a:p>
+          <a:p>
+            <a:pPr lvl="3"/>
+            <a:r>
+              <a:rPr lang="zh-TW" altLang="en-US" smtClean="0"/>
+              <a:t>第四層</a:t>
+            </a:r>
+          </a:p>
+          <a:p>
+            <a:pPr lvl="4"/>
+            <a:r>
+              <a:rPr lang="zh-TW" altLang="en-US" smtClean="0"/>
+              <a:t>第五層</a:t>
+            </a:r>
+            <a:endParaRPr lang="zh-TW" altLang="en-US"/>
+          </a:p>
+        </p:txBody>
+      </p:sp>
+      <p:sp>
+        <p:nvSpPr>
+          <p:cNvPr id="5" name="日期版面配置區 4"/>
           <p:cNvSpPr>
             <a:spLocks noGrp="1"/>
           </p:cNvSpPr>
@@ -1323,7 +1328,8 @@
           <a:p>
             <a:fld id="{ECFD77D2-E44B-4CDA-8450-5F45A2DF05FB}" type="datetimeFigureOut">
               <a:rPr lang="en-US" smtClean="0"/>
-              <a:t>1/20/2013</a:t>
+              <a:pPr/>
+              <a:t>1/12/2019</a:t>
             </a:fld>
             <a:endParaRPr lang="en-US"/>
           </a:p>
@@ -1331,7 +1337,7 @@
       </p:sp>
       <p:sp>
         <p:nvSpPr>
-          <p:cNvPr id="10" name="Footer Placeholder 9"/>
+          <p:cNvPr id="6" name="頁尾版面配置區 5"/>
           <p:cNvSpPr>
             <a:spLocks noGrp="1"/>
           </p:cNvSpPr>
@@ -1350,7 +1356,7 @@
       </p:sp>
       <p:sp>
         <p:nvSpPr>
-          <p:cNvPr id="31" name="Slide Number Placeholder 30"/>
+          <p:cNvPr id="7" name="投影片編號版面配置區 6"/>
           <p:cNvSpPr>
             <a:spLocks noGrp="1"/>
           </p:cNvSpPr>
@@ -1365,6 +1371,7 @@
           <a:p>
             <a:fld id="{7699F0FE-D8AD-4FF0-86BF-50BD32CAAF86}" type="slidenum">
               <a:rPr lang="en-US" smtClean="0"/>
+              <a:pPr/>
               <a:t>‹#›</a:t>
             </a:fld>
             <a:endParaRPr lang="en-US"/>
@@ -1380,8 +1387,8 @@
 </file>
 
 <file path=ppt/slideLayouts/slideLayout5.xml><?xml version="1.0" encoding="utf-8"?>
-<p:sldLayout xmlns:a="http://schemas.openxmlformats.org/drawingml/2006/main" xmlns:r="http://schemas.openxmlformats.org/officeDocument/2006/relationships" xmlns:p="http://schemas.openxmlformats.org/presentationml/2006/main" showMasterSp="0" type="twoTxTwoObj" preserve="1">
-  <p:cSld name="Comparison">
+<p:sldLayout xmlns:a="http://schemas.openxmlformats.org/drawingml/2006/main" xmlns:r="http://schemas.openxmlformats.org/officeDocument/2006/relationships" xmlns:p="http://schemas.openxmlformats.org/presentationml/2006/main" type="twoTxTwoObj" preserve="1">
+  <p:cSld name="比對">
     <p:spTree>
       <p:nvGrpSpPr>
         <p:cNvPr id="1" name=""/>
@@ -1398,7 +1405,7 @@
       </p:grpSpPr>
       <p:sp>
         <p:nvSpPr>
-          <p:cNvPr id="29" name="Title 28"/>
+          <p:cNvPr id="2" name="標題 1"/>
           <p:cNvSpPr>
             <a:spLocks noGrp="1"/>
           </p:cNvSpPr>
@@ -1406,14 +1413,9 @@
             <p:ph type="title"/>
           </p:nvPr>
         </p:nvSpPr>
-        <p:spPr>
-          <a:xfrm>
-            <a:off x="304800" y="5410200"/>
-            <a:ext cx="8610600" cy="882650"/>
-          </a:xfrm>
-        </p:spPr>
-        <p:txBody>
-          <a:bodyPr anchor="ctr"/>
+        <p:spPr/>
+        <p:txBody>
+          <a:bodyPr/>
           <a:lstStyle>
             <a:lvl1pPr>
               <a:defRPr/>
@@ -1421,16 +1423,16 @@
           </a:lstStyle>
           <a:p>
             <a:r>
-              <a:rPr kumimoji="0" lang="en-US" smtClean="0"/>
-              <a:t>Click to edit Master title style</a:t>
-            </a:r>
-            <a:endParaRPr kumimoji="0" lang="en-US"/>
-          </a:p>
-        </p:txBody>
-      </p:sp>
-      <p:sp>
-        <p:nvSpPr>
-          <p:cNvPr id="13" name="Text Placeholder 12"/>
+              <a:rPr lang="zh-TW" altLang="en-US" smtClean="0"/>
+              <a:t>按一下以編輯母片標題樣式</a:t>
+            </a:r>
+            <a:endParaRPr lang="zh-TW" altLang="en-US"/>
+          </a:p>
+        </p:txBody>
+      </p:sp>
+      <p:sp>
+        <p:nvSpPr>
+          <p:cNvPr id="3" name="文字版面配置區 2"/>
           <p:cNvSpPr>
             <a:spLocks noGrp="1"/>
           </p:cNvSpPr>
@@ -1440,124 +1442,73 @@
         </p:nvSpPr>
         <p:spPr>
           <a:xfrm>
-            <a:off x="281444" y="666750"/>
-            <a:ext cx="4290556" cy="639762"/>
+            <a:off x="457200" y="1535113"/>
+            <a:ext cx="4040188" cy="639762"/>
           </a:xfrm>
         </p:spPr>
         <p:txBody>
-          <a:bodyPr anchor="ctr"/>
+          <a:bodyPr anchor="b"/>
           <a:lstStyle>
             <a:lvl1pPr marL="0" indent="0">
               <a:buNone/>
-              <a:defRPr sz="1800" b="0" cap="all" baseline="0">
-                <a:solidFill>
-                  <a:schemeClr val="accent1">
-                    <a:shade val="50000"/>
-                  </a:schemeClr>
-                </a:solidFill>
-                <a:latin typeface="+mj-lt"/>
-                <a:ea typeface="+mj-ea"/>
-                <a:cs typeface="+mj-cs"/>
-              </a:defRPr>
+              <a:defRPr sz="2400" b="1"/>
             </a:lvl1pPr>
-            <a:lvl2pPr>
+            <a:lvl2pPr marL="457200" indent="0">
               <a:buNone/>
               <a:defRPr sz="2000" b="1"/>
             </a:lvl2pPr>
-            <a:lvl3pPr>
+            <a:lvl3pPr marL="914400" indent="0">
               <a:buNone/>
               <a:defRPr sz="1800" b="1"/>
             </a:lvl3pPr>
-            <a:lvl4pPr>
+            <a:lvl4pPr marL="1371600" indent="0">
               <a:buNone/>
               <a:defRPr sz="1600" b="1"/>
             </a:lvl4pPr>
-            <a:lvl5pPr>
+            <a:lvl5pPr marL="1828800" indent="0">
               <a:buNone/>
               <a:defRPr sz="1600" b="1"/>
             </a:lvl5pPr>
+            <a:lvl6pPr marL="2286000" indent="0">
+              <a:buNone/>
+              <a:defRPr sz="1600" b="1"/>
+            </a:lvl6pPr>
+            <a:lvl7pPr marL="2743200" indent="0">
+              <a:buNone/>
+              <a:defRPr sz="1600" b="1"/>
+            </a:lvl7pPr>
+            <a:lvl8pPr marL="3200400" indent="0">
+              <a:buNone/>
+              <a:defRPr sz="1600" b="1"/>
+            </a:lvl8pPr>
+            <a:lvl9pPr marL="3657600" indent="0">
+              <a:buNone/>
+              <a:defRPr sz="1600" b="1"/>
+            </a:lvl9pPr>
           </a:lstStyle>
           <a:p>
-            <a:pPr lvl="0" eaLnBrk="1" latinLnBrk="0" hangingPunct="1"/>
-            <a:r>
-              <a:rPr kumimoji="0" lang="en-US" smtClean="0"/>
-              <a:t>Click to edit Master text styles</a:t>
-            </a:r>
-          </a:p>
-        </p:txBody>
-      </p:sp>
-      <p:sp>
-        <p:nvSpPr>
-          <p:cNvPr id="25" name="Text Placeholder 24"/>
-          <p:cNvSpPr>
-            <a:spLocks noGrp="1"/>
-          </p:cNvSpPr>
-          <p:nvPr>
-            <p:ph type="body" sz="half" idx="3"/>
+            <a:pPr lvl="0"/>
+            <a:r>
+              <a:rPr lang="zh-TW" altLang="en-US" smtClean="0"/>
+              <a:t>按一下以編輯母片文字樣式</a:t>
+            </a:r>
+          </a:p>
+        </p:txBody>
+      </p:sp>
+      <p:sp>
+        <p:nvSpPr>
+          <p:cNvPr id="4" name="內容版面配置區 3"/>
+          <p:cNvSpPr>
+            <a:spLocks noGrp="1"/>
+          </p:cNvSpPr>
+          <p:nvPr>
+            <p:ph sz="half" idx="2"/>
           </p:nvPr>
         </p:nvSpPr>
         <p:spPr>
           <a:xfrm>
-            <a:off x="4645025" y="666750"/>
-            <a:ext cx="4292241" cy="639762"/>
-          </a:xfrm>
-        </p:spPr>
-        <p:txBody>
-          <a:bodyPr anchor="ctr"/>
-          <a:lstStyle>
-            <a:lvl1pPr marL="0" indent="0">
-              <a:buNone/>
-              <a:defRPr sz="1800" b="0" cap="all" baseline="0">
-                <a:solidFill>
-                  <a:schemeClr val="accent1">
-                    <a:shade val="50000"/>
-                  </a:schemeClr>
-                </a:solidFill>
-                <a:latin typeface="+mj-lt"/>
-                <a:ea typeface="+mj-ea"/>
-                <a:cs typeface="+mj-cs"/>
-              </a:defRPr>
-            </a:lvl1pPr>
-            <a:lvl2pPr>
-              <a:buNone/>
-              <a:defRPr sz="2000" b="1"/>
-            </a:lvl2pPr>
-            <a:lvl3pPr>
-              <a:buNone/>
-              <a:defRPr sz="1800" b="1"/>
-            </a:lvl3pPr>
-            <a:lvl4pPr>
-              <a:buNone/>
-              <a:defRPr sz="1600" b="1"/>
-            </a:lvl4pPr>
-            <a:lvl5pPr>
-              <a:buNone/>
-              <a:defRPr sz="1600" b="1"/>
-            </a:lvl5pPr>
-          </a:lstStyle>
-          <a:p>
-            <a:pPr lvl="0" eaLnBrk="1" latinLnBrk="0" hangingPunct="1"/>
-            <a:r>
-              <a:rPr kumimoji="0" lang="en-US" smtClean="0"/>
-              <a:t>Click to edit Master text styles</a:t>
-            </a:r>
-          </a:p>
-        </p:txBody>
-      </p:sp>
-      <p:sp>
-        <p:nvSpPr>
-          <p:cNvPr id="4" name="Content Placeholder 3"/>
-          <p:cNvSpPr>
-            <a:spLocks noGrp="1"/>
-          </p:cNvSpPr>
-          <p:nvPr>
-            <p:ph sz="quarter" idx="2"/>
-          </p:nvPr>
-        </p:nvSpPr>
-        <p:spPr>
-          <a:xfrm>
-            <a:off x="281444" y="1316037"/>
-            <a:ext cx="4290556" cy="3941763"/>
+            <a:off x="457200" y="2174875"/>
+            <a:ext cx="4040188" cy="3951288"/>
           </a:xfrm>
         </p:spPr>
         <p:txBody>
@@ -1578,59 +1529,136 @@
             <a:lvl5pPr>
               <a:defRPr sz="1600"/>
             </a:lvl5pPr>
+            <a:lvl6pPr>
+              <a:defRPr sz="1600"/>
+            </a:lvl6pPr>
+            <a:lvl7pPr>
+              <a:defRPr sz="1600"/>
+            </a:lvl7pPr>
+            <a:lvl8pPr>
+              <a:defRPr sz="1600"/>
+            </a:lvl8pPr>
+            <a:lvl9pPr>
+              <a:defRPr sz="1600"/>
+            </a:lvl9pPr>
           </a:lstStyle>
           <a:p>
-            <a:pPr lvl="0" eaLnBrk="1" latinLnBrk="0" hangingPunct="1"/>
-            <a:r>
-              <a:rPr lang="en-US" smtClean="0"/>
-              <a:t>Click to edit Master text styles</a:t>
-            </a:r>
-          </a:p>
-          <a:p>
-            <a:pPr lvl="1" eaLnBrk="1" latinLnBrk="0" hangingPunct="1"/>
-            <a:r>
-              <a:rPr lang="en-US" smtClean="0"/>
-              <a:t>Second level</a:t>
-            </a:r>
-          </a:p>
-          <a:p>
-            <a:pPr lvl="2" eaLnBrk="1" latinLnBrk="0" hangingPunct="1"/>
-            <a:r>
-              <a:rPr lang="en-US" smtClean="0"/>
-              <a:t>Third level</a:t>
-            </a:r>
-          </a:p>
-          <a:p>
-            <a:pPr lvl="3" eaLnBrk="1" latinLnBrk="0" hangingPunct="1"/>
-            <a:r>
-              <a:rPr lang="en-US" smtClean="0"/>
-              <a:t>Fourth level</a:t>
-            </a:r>
-          </a:p>
-          <a:p>
-            <a:pPr lvl="4" eaLnBrk="1" latinLnBrk="0" hangingPunct="1"/>
-            <a:r>
-              <a:rPr lang="en-US" smtClean="0"/>
-              <a:t>Fifth level</a:t>
-            </a:r>
-            <a:endParaRPr kumimoji="0" lang="en-US"/>
-          </a:p>
-        </p:txBody>
-      </p:sp>
-      <p:sp>
-        <p:nvSpPr>
-          <p:cNvPr id="28" name="Content Placeholder 27"/>
-          <p:cNvSpPr>
-            <a:spLocks noGrp="1"/>
-          </p:cNvSpPr>
-          <p:nvPr>
-            <p:ph sz="quarter" idx="4"/>
+            <a:pPr lvl="0"/>
+            <a:r>
+              <a:rPr lang="zh-TW" altLang="en-US" smtClean="0"/>
+              <a:t>按一下以編輯母片文字樣式</a:t>
+            </a:r>
+          </a:p>
+          <a:p>
+            <a:pPr lvl="1"/>
+            <a:r>
+              <a:rPr lang="zh-TW" altLang="en-US" smtClean="0"/>
+              <a:t>第二層</a:t>
+            </a:r>
+          </a:p>
+          <a:p>
+            <a:pPr lvl="2"/>
+            <a:r>
+              <a:rPr lang="zh-TW" altLang="en-US" smtClean="0"/>
+              <a:t>第三層</a:t>
+            </a:r>
+          </a:p>
+          <a:p>
+            <a:pPr lvl="3"/>
+            <a:r>
+              <a:rPr lang="zh-TW" altLang="en-US" smtClean="0"/>
+              <a:t>第四層</a:t>
+            </a:r>
+          </a:p>
+          <a:p>
+            <a:pPr lvl="4"/>
+            <a:r>
+              <a:rPr lang="zh-TW" altLang="en-US" smtClean="0"/>
+              <a:t>第五層</a:t>
+            </a:r>
+            <a:endParaRPr lang="zh-TW" altLang="en-US"/>
+          </a:p>
+        </p:txBody>
+      </p:sp>
+      <p:sp>
+        <p:nvSpPr>
+          <p:cNvPr id="5" name="文字版面配置區 4"/>
+          <p:cNvSpPr>
+            <a:spLocks noGrp="1"/>
+          </p:cNvSpPr>
+          <p:nvPr>
+            <p:ph type="body" sz="quarter" idx="3"/>
           </p:nvPr>
         </p:nvSpPr>
         <p:spPr>
           <a:xfrm>
-            <a:off x="4648730" y="1316037"/>
-            <a:ext cx="4288536" cy="3941763"/>
+            <a:off x="4645025" y="1535113"/>
+            <a:ext cx="4041775" cy="639762"/>
+          </a:xfrm>
+        </p:spPr>
+        <p:txBody>
+          <a:bodyPr anchor="b"/>
+          <a:lstStyle>
+            <a:lvl1pPr marL="0" indent="0">
+              <a:buNone/>
+              <a:defRPr sz="2400" b="1"/>
+            </a:lvl1pPr>
+            <a:lvl2pPr marL="457200" indent="0">
+              <a:buNone/>
+              <a:defRPr sz="2000" b="1"/>
+            </a:lvl2pPr>
+            <a:lvl3pPr marL="914400" indent="0">
+              <a:buNone/>
+              <a:defRPr sz="1800" b="1"/>
+            </a:lvl3pPr>
+            <a:lvl4pPr marL="1371600" indent="0">
+              <a:buNone/>
+              <a:defRPr sz="1600" b="1"/>
+            </a:lvl4pPr>
+            <a:lvl5pPr marL="1828800" indent="0">
+              <a:buNone/>
+              <a:defRPr sz="1600" b="1"/>
+            </a:lvl5pPr>
+            <a:lvl6pPr marL="2286000" indent="0">
+              <a:buNone/>
+              <a:defRPr sz="1600" b="1"/>
+            </a:lvl6pPr>
+            <a:lvl7pPr marL="2743200" indent="0">
+              <a:buNone/>
+              <a:defRPr sz="1600" b="1"/>
+            </a:lvl7pPr>
+            <a:lvl8pPr marL="3200400" indent="0">
+              <a:buNone/>
+              <a:defRPr sz="1600" b="1"/>
+            </a:lvl8pPr>
+            <a:lvl9pPr marL="3657600" indent="0">
+              <a:buNone/>
+              <a:defRPr sz="1600" b="1"/>
+            </a:lvl9pPr>
+          </a:lstStyle>
+          <a:p>
+            <a:pPr lvl="0"/>
+            <a:r>
+              <a:rPr lang="zh-TW" altLang="en-US" smtClean="0"/>
+              <a:t>按一下以編輯母片文字樣式</a:t>
+            </a:r>
+          </a:p>
+        </p:txBody>
+      </p:sp>
+      <p:sp>
+        <p:nvSpPr>
+          <p:cNvPr id="6" name="內容版面配置區 5"/>
+          <p:cNvSpPr>
+            <a:spLocks noGrp="1"/>
+          </p:cNvSpPr>
+          <p:nvPr>
+            <p:ph sz="quarter" idx="4"/>
+          </p:nvPr>
+        </p:nvSpPr>
+        <p:spPr>
+          <a:xfrm>
+            <a:off x="4645025" y="2174875"/>
+            <a:ext cx="4041775" cy="3951288"/>
           </a:xfrm>
         </p:spPr>
         <p:txBody>
@@ -1651,48 +1679,60 @@
             <a:lvl5pPr>
               <a:defRPr sz="1600"/>
             </a:lvl5pPr>
+            <a:lvl6pPr>
+              <a:defRPr sz="1600"/>
+            </a:lvl6pPr>
+            <a:lvl7pPr>
+              <a:defRPr sz="1600"/>
+            </a:lvl7pPr>
+            <a:lvl8pPr>
+              <a:defRPr sz="1600"/>
+            </a:lvl8pPr>
+            <a:lvl9pPr>
+              <a:defRPr sz="1600"/>
+            </a:lvl9pPr>
           </a:lstStyle>
           <a:p>
-            <a:pPr lvl="0" eaLnBrk="1" latinLnBrk="0" hangingPunct="1"/>
-            <a:r>
-              <a:rPr lang="en-US" smtClean="0"/>
-              <a:t>Click to edit Master text styles</a:t>
-            </a:r>
-          </a:p>
-          <a:p>
-            <a:pPr lvl="1" eaLnBrk="1" latinLnBrk="0" hangingPunct="1"/>
-            <a:r>
-              <a:rPr lang="en-US" smtClean="0"/>
-              <a:t>Second level</a:t>
-            </a:r>
-          </a:p>
-          <a:p>
-            <a:pPr lvl="2" eaLnBrk="1" latinLnBrk="0" hangingPunct="1"/>
-            <a:r>
-              <a:rPr lang="en-US" smtClean="0"/>
-              <a:t>Third level</a:t>
-            </a:r>
-          </a:p>
-          <a:p>
-            <a:pPr lvl="3" eaLnBrk="1" latinLnBrk="0" hangingPunct="1"/>
-            <a:r>
-              <a:rPr lang="en-US" smtClean="0"/>
-              <a:t>Fourth level</a:t>
-            </a:r>
-          </a:p>
-          <a:p>
-            <a:pPr lvl="4" eaLnBrk="1" latinLnBrk="0" hangingPunct="1"/>
-            <a:r>
-              <a:rPr lang="en-US" smtClean="0"/>
-              <a:t>Fifth level</a:t>
-            </a:r>
-            <a:endParaRPr kumimoji="0" lang="en-US"/>
-          </a:p>
-        </p:txBody>
-      </p:sp>
-      <p:sp>
-        <p:nvSpPr>
-          <p:cNvPr id="10" name="Date Placeholder 9"/>
+            <a:pPr lvl="0"/>
+            <a:r>
+              <a:rPr lang="zh-TW" altLang="en-US" smtClean="0"/>
+              <a:t>按一下以編輯母片文字樣式</a:t>
+            </a:r>
+          </a:p>
+          <a:p>
+            <a:pPr lvl="1"/>
+            <a:r>
+              <a:rPr lang="zh-TW" altLang="en-US" smtClean="0"/>
+              <a:t>第二層</a:t>
+            </a:r>
+          </a:p>
+          <a:p>
+            <a:pPr lvl="2"/>
+            <a:r>
+              <a:rPr lang="zh-TW" altLang="en-US" smtClean="0"/>
+              <a:t>第三層</a:t>
+            </a:r>
+          </a:p>
+          <a:p>
+            <a:pPr lvl="3"/>
+            <a:r>
+              <a:rPr lang="zh-TW" altLang="en-US" smtClean="0"/>
+              <a:t>第四層</a:t>
+            </a:r>
+          </a:p>
+          <a:p>
+            <a:pPr lvl="4"/>
+            <a:r>
+              <a:rPr lang="zh-TW" altLang="en-US" smtClean="0"/>
+              <a:t>第五層</a:t>
+            </a:r>
+            <a:endParaRPr lang="zh-TW" altLang="en-US"/>
+          </a:p>
+        </p:txBody>
+      </p:sp>
+      <p:sp>
+        <p:nvSpPr>
+          <p:cNvPr id="7" name="日期版面配置區 6"/>
           <p:cNvSpPr>
             <a:spLocks noGrp="1"/>
           </p:cNvSpPr>
@@ -1707,7 +1747,8 @@
           <a:p>
             <a:fld id="{ECFD77D2-E44B-4CDA-8450-5F45A2DF05FB}" type="datetimeFigureOut">
               <a:rPr lang="en-US" smtClean="0"/>
-              <a:t>1/20/2013</a:t>
+              <a:pPr/>
+              <a:t>1/12/2019</a:t>
             </a:fld>
             <a:endParaRPr lang="en-US"/>
           </a:p>
@@ -1715,7 +1756,7 @@
       </p:sp>
       <p:sp>
         <p:nvSpPr>
-          <p:cNvPr id="6" name="Footer Placeholder 5"/>
+          <p:cNvPr id="8" name="頁尾版面配置區 7"/>
           <p:cNvSpPr>
             <a:spLocks noGrp="1"/>
           </p:cNvSpPr>
@@ -1734,7 +1775,7 @@
       </p:sp>
       <p:sp>
         <p:nvSpPr>
-          <p:cNvPr id="7" name="Slide Number Placeholder 6"/>
+          <p:cNvPr id="9" name="投影片編號版面配置區 8"/>
           <p:cNvSpPr>
             <a:spLocks noGrp="1"/>
           </p:cNvSpPr>
@@ -1742,71 +1783,17 @@
             <p:ph type="sldNum" sz="quarter" idx="12"/>
           </p:nvPr>
         </p:nvSpPr>
-        <p:spPr>
-          <a:xfrm>
-            <a:off x="8229600" y="6477000"/>
-            <a:ext cx="762000" cy="246888"/>
-          </a:xfrm>
-        </p:spPr>
+        <p:spPr/>
         <p:txBody>
           <a:bodyPr/>
           <a:lstStyle/>
           <a:p>
             <a:fld id="{7699F0FE-D8AD-4FF0-86BF-50BD32CAAF86}" type="slidenum">
               <a:rPr lang="en-US" smtClean="0"/>
+              <a:pPr/>
               <a:t>‹#›</a:t>
             </a:fld>
             <a:endParaRPr lang="en-US"/>
-          </a:p>
-        </p:txBody>
-      </p:sp>
-      <p:sp>
-        <p:nvSpPr>
-          <p:cNvPr id="11" name="Straight Connector 10"/>
-          <p:cNvSpPr>
-            <a:spLocks noChangeShapeType="1"/>
-          </p:cNvSpPr>
-          <p:nvPr/>
-        </p:nvSpPr>
-        <p:spPr bwMode="auto">
-          <a:xfrm>
-            <a:off x="514350" y="6019800"/>
-            <a:ext cx="8629650" cy="2381"/>
-          </a:xfrm>
-          <a:prstGeom prst="line">
-            <a:avLst/>
-          </a:prstGeom>
-          <a:noFill/>
-          <a:ln w="9525" cap="flat" cmpd="sng" algn="ctr">
-            <a:gradFill flip="none" rotWithShape="1">
-              <a:gsLst>
-                <a:gs pos="0">
-                  <a:schemeClr val="accent1">
-                    <a:alpha val="0"/>
-                  </a:schemeClr>
-                </a:gs>
-                <a:gs pos="17000">
-                  <a:schemeClr val="accent1"/>
-                </a:gs>
-                <a:gs pos="100000">
-                  <a:schemeClr val="accent1"/>
-                </a:gs>
-              </a:gsLst>
-              <a:lin ang="0" scaled="1"/>
-              <a:tileRect/>
-            </a:gradFill>
-            <a:prstDash val="solid"/>
-            <a:round/>
-            <a:headEnd type="none" w="med" len="med"/>
-            <a:tailEnd type="none" w="med" len="med"/>
-          </a:ln>
-          <a:effectLst/>
-        </p:spPr>
-        <p:txBody>
-          <a:bodyPr vert="horz" wrap="square" lIns="91440" tIns="45720" rIns="91440" bIns="45720" anchor="t" compatLnSpc="1"/>
-          <a:lstStyle/>
-          <a:p>
-            <a:endParaRPr kumimoji="0" lang="en-US"/>
           </a:p>
         </p:txBody>
       </p:sp>
@@ -1820,7 +1807,7 @@
 
 <file path=ppt/slideLayouts/slideLayout6.xml><?xml version="1.0" encoding="utf-8"?>
 <p:sldLayout xmlns:a="http://schemas.openxmlformats.org/drawingml/2006/main" xmlns:r="http://schemas.openxmlformats.org/officeDocument/2006/relationships" xmlns:p="http://schemas.openxmlformats.org/presentationml/2006/main" type="titleOnly" preserve="1">
-  <p:cSld name="Title Only">
+  <p:cSld name="只有標題">
     <p:spTree>
       <p:nvGrpSpPr>
         <p:cNvPr id="1" name=""/>
@@ -1837,7 +1824,7 @@
       </p:grpSpPr>
       <p:sp>
         <p:nvSpPr>
-          <p:cNvPr id="30" name="Title 29"/>
+          <p:cNvPr id="2" name="標題 1"/>
           <p:cNvSpPr>
             <a:spLocks noGrp="1"/>
           </p:cNvSpPr>
@@ -1845,27 +1832,22 @@
             <p:ph type="title"/>
           </p:nvPr>
         </p:nvSpPr>
-        <p:spPr>
-          <a:xfrm>
-            <a:off x="301752" y="457200"/>
-            <a:ext cx="8686800" cy="841248"/>
-          </a:xfrm>
-        </p:spPr>
-        <p:txBody>
-          <a:bodyPr/>
-          <a:lstStyle/>
-          <a:p>
-            <a:r>
-              <a:rPr kumimoji="0" lang="en-US" smtClean="0"/>
-              <a:t>Click to edit Master title style</a:t>
-            </a:r>
-            <a:endParaRPr kumimoji="0" lang="en-US"/>
-          </a:p>
-        </p:txBody>
-      </p:sp>
-      <p:sp>
-        <p:nvSpPr>
-          <p:cNvPr id="12" name="Date Placeholder 11"/>
+        <p:spPr/>
+        <p:txBody>
+          <a:bodyPr/>
+          <a:lstStyle/>
+          <a:p>
+            <a:r>
+              <a:rPr lang="zh-TW" altLang="en-US" smtClean="0"/>
+              <a:t>按一下以編輯母片標題樣式</a:t>
+            </a:r>
+            <a:endParaRPr lang="zh-TW" altLang="en-US"/>
+          </a:p>
+        </p:txBody>
+      </p:sp>
+      <p:sp>
+        <p:nvSpPr>
+          <p:cNvPr id="3" name="日期版面配置區 2"/>
           <p:cNvSpPr>
             <a:spLocks noGrp="1"/>
           </p:cNvSpPr>
@@ -1880,7 +1862,8 @@
           <a:p>
             <a:fld id="{ECFD77D2-E44B-4CDA-8450-5F45A2DF05FB}" type="datetimeFigureOut">
               <a:rPr lang="en-US" smtClean="0"/>
-              <a:t>1/20/2013</a:t>
+              <a:pPr/>
+              <a:t>1/12/2019</a:t>
             </a:fld>
             <a:endParaRPr lang="en-US"/>
           </a:p>
@@ -1888,7 +1871,7 @@
       </p:sp>
       <p:sp>
         <p:nvSpPr>
-          <p:cNvPr id="21" name="Footer Placeholder 20"/>
+          <p:cNvPr id="4" name="頁尾版面配置區 3"/>
           <p:cNvSpPr>
             <a:spLocks noGrp="1"/>
           </p:cNvSpPr>
@@ -1907,7 +1890,7 @@
       </p:sp>
       <p:sp>
         <p:nvSpPr>
-          <p:cNvPr id="6" name="Slide Number Placeholder 5"/>
+          <p:cNvPr id="5" name="投影片編號版面配置區 4"/>
           <p:cNvSpPr>
             <a:spLocks noGrp="1"/>
           </p:cNvSpPr>
@@ -1922,6 +1905,7 @@
           <a:p>
             <a:fld id="{7699F0FE-D8AD-4FF0-86BF-50BD32CAAF86}" type="slidenum">
               <a:rPr lang="en-US" smtClean="0"/>
+              <a:pPr/>
               <a:t>‹#›</a:t>
             </a:fld>
             <a:endParaRPr lang="en-US"/>
@@ -1937,8 +1921,8 @@
 </file>
 
 <file path=ppt/slideLayouts/slideLayout7.xml><?xml version="1.0" encoding="utf-8"?>
-<p:sldLayout xmlns:a="http://schemas.openxmlformats.org/drawingml/2006/main" xmlns:r="http://schemas.openxmlformats.org/officeDocument/2006/relationships" xmlns:p="http://schemas.openxmlformats.org/presentationml/2006/main" showMasterSp="0" type="blank" preserve="1">
-  <p:cSld name="Blank">
+<p:sldLayout xmlns:a="http://schemas.openxmlformats.org/drawingml/2006/main" xmlns:r="http://schemas.openxmlformats.org/officeDocument/2006/relationships" xmlns:p="http://schemas.openxmlformats.org/presentationml/2006/main" type="blank" preserve="1">
+  <p:cSld name="空白">
     <p:spTree>
       <p:nvGrpSpPr>
         <p:cNvPr id="1" name=""/>
@@ -1955,7 +1939,7 @@
       </p:grpSpPr>
       <p:sp>
         <p:nvSpPr>
-          <p:cNvPr id="3" name="Date Placeholder 2"/>
+          <p:cNvPr id="2" name="日期版面配置區 1"/>
           <p:cNvSpPr>
             <a:spLocks noGrp="1"/>
           </p:cNvSpPr>
@@ -1970,7 +1954,8 @@
           <a:p>
             <a:fld id="{ECFD77D2-E44B-4CDA-8450-5F45A2DF05FB}" type="datetimeFigureOut">
               <a:rPr lang="en-US" smtClean="0"/>
-              <a:t>1/20/2013</a:t>
+              <a:pPr/>
+              <a:t>1/12/2019</a:t>
             </a:fld>
             <a:endParaRPr lang="en-US"/>
           </a:p>
@@ -1978,7 +1963,7 @@
       </p:sp>
       <p:sp>
         <p:nvSpPr>
-          <p:cNvPr id="24" name="Footer Placeholder 23"/>
+          <p:cNvPr id="3" name="頁尾版面配置區 2"/>
           <p:cNvSpPr>
             <a:spLocks noGrp="1"/>
           </p:cNvSpPr>
@@ -1997,7 +1982,7 @@
       </p:sp>
       <p:sp>
         <p:nvSpPr>
-          <p:cNvPr id="7" name="Slide Number Placeholder 6"/>
+          <p:cNvPr id="4" name="投影片編號版面配置區 3"/>
           <p:cNvSpPr>
             <a:spLocks noGrp="1"/>
           </p:cNvSpPr>
@@ -2012,6 +1997,7 @@
           <a:p>
             <a:fld id="{7699F0FE-D8AD-4FF0-86BF-50BD32CAAF86}" type="slidenum">
               <a:rPr lang="en-US" smtClean="0"/>
+              <a:pPr/>
               <a:t>‹#›</a:t>
             </a:fld>
             <a:endParaRPr lang="en-US"/>
@@ -2027,8 +2013,8 @@
 </file>
 
 <file path=ppt/slideLayouts/slideLayout8.xml><?xml version="1.0" encoding="utf-8"?>
-<p:sldLayout xmlns:a="http://schemas.openxmlformats.org/drawingml/2006/main" xmlns:r="http://schemas.openxmlformats.org/officeDocument/2006/relationships" xmlns:p="http://schemas.openxmlformats.org/presentationml/2006/main" showMasterSp="0" type="objTx" preserve="1">
-  <p:cSld name="Content with Caption">
+<p:sldLayout xmlns:a="http://schemas.openxmlformats.org/drawingml/2006/main" xmlns:r="http://schemas.openxmlformats.org/officeDocument/2006/relationships" xmlns:p="http://schemas.openxmlformats.org/presentationml/2006/main" type="objTx" preserve="1">
+  <p:cSld name="含標題的內容">
     <p:spTree>
       <p:nvGrpSpPr>
         <p:cNvPr id="1" name=""/>
@@ -2045,57 +2031,7 @@
       </p:grpSpPr>
       <p:sp>
         <p:nvSpPr>
-          <p:cNvPr id="8" name="Straight Connector 7"/>
-          <p:cNvSpPr>
-            <a:spLocks noChangeShapeType="1"/>
-          </p:cNvSpPr>
-          <p:nvPr/>
-        </p:nvSpPr>
-        <p:spPr bwMode="auto">
-          <a:xfrm>
-            <a:off x="514350" y="5849117"/>
-            <a:ext cx="8629650" cy="2381"/>
-          </a:xfrm>
-          <a:prstGeom prst="line">
-            <a:avLst/>
-          </a:prstGeom>
-          <a:noFill/>
-          <a:ln w="9525" cap="flat" cmpd="sng" algn="ctr">
-            <a:gradFill flip="none" rotWithShape="1">
-              <a:gsLst>
-                <a:gs pos="0">
-                  <a:schemeClr val="accent1">
-                    <a:alpha val="0"/>
-                  </a:schemeClr>
-                </a:gs>
-                <a:gs pos="17000">
-                  <a:schemeClr val="accent1"/>
-                </a:gs>
-                <a:gs pos="100000">
-                  <a:schemeClr val="accent1"/>
-                </a:gs>
-              </a:gsLst>
-              <a:lin ang="0" scaled="1"/>
-              <a:tileRect/>
-            </a:gradFill>
-            <a:prstDash val="solid"/>
-            <a:round/>
-            <a:headEnd type="none" w="med" len="med"/>
-            <a:tailEnd type="none" w="med" len="med"/>
-          </a:ln>
-          <a:effectLst/>
-        </p:spPr>
-        <p:txBody>
-          <a:bodyPr vert="horz" wrap="square" lIns="91440" tIns="45720" rIns="91440" bIns="45720" anchor="t" compatLnSpc="1"/>
-          <a:lstStyle/>
-          <a:p>
-            <a:endParaRPr kumimoji="0" lang="en-US"/>
-          </a:p>
-        </p:txBody>
-      </p:sp>
-      <p:sp>
-        <p:nvSpPr>
-          <p:cNvPr id="12" name="Title 11"/>
+          <p:cNvPr id="2" name="標題 1"/>
           <p:cNvSpPr>
             <a:spLocks noGrp="1"/>
           </p:cNvSpPr>
@@ -2105,90 +2041,40 @@
         </p:nvSpPr>
         <p:spPr>
           <a:xfrm>
-            <a:off x="457200" y="5486400"/>
-            <a:ext cx="8458200" cy="520700"/>
+            <a:off x="457200" y="273050"/>
+            <a:ext cx="3008313" cy="1162050"/>
           </a:xfrm>
         </p:spPr>
         <p:txBody>
-          <a:bodyPr anchor="ctr"/>
+          <a:bodyPr anchor="b"/>
           <a:lstStyle>
             <a:lvl1pPr algn="l">
-              <a:buNone/>
               <a:defRPr sz="2000" b="1"/>
             </a:lvl1pPr>
           </a:lstStyle>
           <a:p>
             <a:r>
-              <a:rPr kumimoji="0" lang="en-US" smtClean="0"/>
-              <a:t>Click to edit Master title style</a:t>
-            </a:r>
-            <a:endParaRPr kumimoji="0" lang="en-US"/>
-          </a:p>
-        </p:txBody>
-      </p:sp>
-      <p:sp>
-        <p:nvSpPr>
-          <p:cNvPr id="26" name="Text Placeholder 25"/>
-          <p:cNvSpPr>
-            <a:spLocks noGrp="1"/>
-          </p:cNvSpPr>
-          <p:nvPr>
-            <p:ph type="body" idx="2"/>
+              <a:rPr lang="zh-TW" altLang="en-US" smtClean="0"/>
+              <a:t>按一下以編輯母片標題樣式</a:t>
+            </a:r>
+            <a:endParaRPr lang="zh-TW" altLang="en-US"/>
+          </a:p>
+        </p:txBody>
+      </p:sp>
+      <p:sp>
+        <p:nvSpPr>
+          <p:cNvPr id="3" name="內容版面配置區 2"/>
+          <p:cNvSpPr>
+            <a:spLocks noGrp="1"/>
+          </p:cNvSpPr>
+          <p:nvPr>
+            <p:ph idx="1"/>
           </p:nvPr>
         </p:nvSpPr>
         <p:spPr>
           <a:xfrm>
-            <a:off x="457200" y="609600"/>
-            <a:ext cx="3008313" cy="4800600"/>
-          </a:xfrm>
-        </p:spPr>
-        <p:txBody>
-          <a:bodyPr/>
-          <a:lstStyle>
-            <a:lvl1pPr marL="0" indent="0">
-              <a:buNone/>
-              <a:defRPr sz="1400"/>
-            </a:lvl1pPr>
-            <a:lvl2pPr>
-              <a:buNone/>
-              <a:defRPr sz="1200"/>
-            </a:lvl2pPr>
-            <a:lvl3pPr>
-              <a:buNone/>
-              <a:defRPr sz="1000"/>
-            </a:lvl3pPr>
-            <a:lvl4pPr>
-              <a:buNone/>
-              <a:defRPr sz="900"/>
-            </a:lvl4pPr>
-            <a:lvl5pPr>
-              <a:buNone/>
-              <a:defRPr sz="900"/>
-            </a:lvl5pPr>
-          </a:lstStyle>
-          <a:p>
-            <a:pPr lvl="0" eaLnBrk="1" latinLnBrk="0" hangingPunct="1"/>
-            <a:r>
-              <a:rPr kumimoji="0" lang="en-US" smtClean="0"/>
-              <a:t>Click to edit Master text styles</a:t>
-            </a:r>
-          </a:p>
-        </p:txBody>
-      </p:sp>
-      <p:sp>
-        <p:nvSpPr>
-          <p:cNvPr id="14" name="Content Placeholder 13"/>
-          <p:cNvSpPr>
-            <a:spLocks noGrp="1"/>
-          </p:cNvSpPr>
-          <p:nvPr>
-            <p:ph sz="half" idx="1"/>
-          </p:nvPr>
-        </p:nvSpPr>
-        <p:spPr>
-          <a:xfrm>
-            <a:off x="3575050" y="609600"/>
-            <a:ext cx="5340350" cy="4800600"/>
+            <a:off x="3575050" y="273050"/>
+            <a:ext cx="5111750" cy="5853113"/>
           </a:xfrm>
         </p:spPr>
         <p:txBody>
@@ -2209,48 +2095,125 @@
             <a:lvl5pPr>
               <a:defRPr sz="2000"/>
             </a:lvl5pPr>
+            <a:lvl6pPr>
+              <a:defRPr sz="2000"/>
+            </a:lvl6pPr>
+            <a:lvl7pPr>
+              <a:defRPr sz="2000"/>
+            </a:lvl7pPr>
+            <a:lvl8pPr>
+              <a:defRPr sz="2000"/>
+            </a:lvl8pPr>
+            <a:lvl9pPr>
+              <a:defRPr sz="2000"/>
+            </a:lvl9pPr>
           </a:lstStyle>
           <a:p>
-            <a:pPr lvl="0" eaLnBrk="1" latinLnBrk="0" hangingPunct="1"/>
-            <a:r>
-              <a:rPr lang="en-US" smtClean="0"/>
-              <a:t>Click to edit Master text styles</a:t>
-            </a:r>
-          </a:p>
-          <a:p>
-            <a:pPr lvl="1" eaLnBrk="1" latinLnBrk="0" hangingPunct="1"/>
-            <a:r>
-              <a:rPr lang="en-US" smtClean="0"/>
-              <a:t>Second level</a:t>
-            </a:r>
-          </a:p>
-          <a:p>
-            <a:pPr lvl="2" eaLnBrk="1" latinLnBrk="0" hangingPunct="1"/>
-            <a:r>
-              <a:rPr lang="en-US" smtClean="0"/>
-              <a:t>Third level</a:t>
-            </a:r>
-          </a:p>
-          <a:p>
-            <a:pPr lvl="3" eaLnBrk="1" latinLnBrk="0" hangingPunct="1"/>
-            <a:r>
-              <a:rPr lang="en-US" smtClean="0"/>
-              <a:t>Fourth level</a:t>
-            </a:r>
-          </a:p>
-          <a:p>
-            <a:pPr lvl="4" eaLnBrk="1" latinLnBrk="0" hangingPunct="1"/>
-            <a:r>
-              <a:rPr lang="en-US" smtClean="0"/>
-              <a:t>Fifth level</a:t>
-            </a:r>
-            <a:endParaRPr kumimoji="0" lang="en-US"/>
-          </a:p>
-        </p:txBody>
-      </p:sp>
-      <p:sp>
-        <p:nvSpPr>
-          <p:cNvPr id="25" name="Date Placeholder 24"/>
+            <a:pPr lvl="0"/>
+            <a:r>
+              <a:rPr lang="zh-TW" altLang="en-US" smtClean="0"/>
+              <a:t>按一下以編輯母片文字樣式</a:t>
+            </a:r>
+          </a:p>
+          <a:p>
+            <a:pPr lvl="1"/>
+            <a:r>
+              <a:rPr lang="zh-TW" altLang="en-US" smtClean="0"/>
+              <a:t>第二層</a:t>
+            </a:r>
+          </a:p>
+          <a:p>
+            <a:pPr lvl="2"/>
+            <a:r>
+              <a:rPr lang="zh-TW" altLang="en-US" smtClean="0"/>
+              <a:t>第三層</a:t>
+            </a:r>
+          </a:p>
+          <a:p>
+            <a:pPr lvl="3"/>
+            <a:r>
+              <a:rPr lang="zh-TW" altLang="en-US" smtClean="0"/>
+              <a:t>第四層</a:t>
+            </a:r>
+          </a:p>
+          <a:p>
+            <a:pPr lvl="4"/>
+            <a:r>
+              <a:rPr lang="zh-TW" altLang="en-US" smtClean="0"/>
+              <a:t>第五層</a:t>
+            </a:r>
+            <a:endParaRPr lang="zh-TW" altLang="en-US"/>
+          </a:p>
+        </p:txBody>
+      </p:sp>
+      <p:sp>
+        <p:nvSpPr>
+          <p:cNvPr id="4" name="文字版面配置區 3"/>
+          <p:cNvSpPr>
+            <a:spLocks noGrp="1"/>
+          </p:cNvSpPr>
+          <p:nvPr>
+            <p:ph type="body" sz="half" idx="2"/>
+          </p:nvPr>
+        </p:nvSpPr>
+        <p:spPr>
+          <a:xfrm>
+            <a:off x="457200" y="1435100"/>
+            <a:ext cx="3008313" cy="4691063"/>
+          </a:xfrm>
+        </p:spPr>
+        <p:txBody>
+          <a:bodyPr/>
+          <a:lstStyle>
+            <a:lvl1pPr marL="0" indent="0">
+              <a:buNone/>
+              <a:defRPr sz="1400"/>
+            </a:lvl1pPr>
+            <a:lvl2pPr marL="457200" indent="0">
+              <a:buNone/>
+              <a:defRPr sz="1200"/>
+            </a:lvl2pPr>
+            <a:lvl3pPr marL="914400" indent="0">
+              <a:buNone/>
+              <a:defRPr sz="1000"/>
+            </a:lvl3pPr>
+            <a:lvl4pPr marL="1371600" indent="0">
+              <a:buNone/>
+              <a:defRPr sz="900"/>
+            </a:lvl4pPr>
+            <a:lvl5pPr marL="1828800" indent="0">
+              <a:buNone/>
+              <a:defRPr sz="900"/>
+            </a:lvl5pPr>
+            <a:lvl6pPr marL="2286000" indent="0">
+              <a:buNone/>
+              <a:defRPr sz="900"/>
+            </a:lvl6pPr>
+            <a:lvl7pPr marL="2743200" indent="0">
+              <a:buNone/>
+              <a:defRPr sz="900"/>
+            </a:lvl7pPr>
+            <a:lvl8pPr marL="3200400" indent="0">
+              <a:buNone/>
+              <a:defRPr sz="900"/>
+            </a:lvl8pPr>
+            <a:lvl9pPr marL="3657600" indent="0">
+              <a:buNone/>
+              <a:defRPr sz="900"/>
+            </a:lvl9pPr>
+          </a:lstStyle>
+          <a:p>
+            <a:pPr lvl="0"/>
+            <a:r>
+              <a:rPr lang="zh-TW" altLang="en-US" smtClean="0"/>
+              <a:t>按一下以編輯母片文字樣式</a:t>
+            </a:r>
+          </a:p>
+        </p:txBody>
+      </p:sp>
+      <p:sp>
+        <p:nvSpPr>
+          <p:cNvPr id="5" name="日期版面配置區 4"/>
           <p:cNvSpPr>
             <a:spLocks noGrp="1"/>
           </p:cNvSpPr>
@@ -2265,7 +2228,8 @@
           <a:p>
             <a:fld id="{ECFD77D2-E44B-4CDA-8450-5F45A2DF05FB}" type="datetimeFigureOut">
               <a:rPr lang="en-US" smtClean="0"/>
-              <a:t>1/20/2013</a:t>
+              <a:pPr/>
+              <a:t>1/12/2019</a:t>
             </a:fld>
             <a:endParaRPr lang="en-US"/>
           </a:p>
@@ -2273,7 +2237,7 @@
       </p:sp>
       <p:sp>
         <p:nvSpPr>
-          <p:cNvPr id="29" name="Footer Placeholder 28"/>
+          <p:cNvPr id="6" name="頁尾版面配置區 5"/>
           <p:cNvSpPr>
             <a:spLocks noGrp="1"/>
           </p:cNvSpPr>
@@ -2292,7 +2256,7 @@
       </p:sp>
       <p:sp>
         <p:nvSpPr>
-          <p:cNvPr id="7" name="Slide Number Placeholder 6"/>
+          <p:cNvPr id="7" name="投影片編號版面配置區 6"/>
           <p:cNvSpPr>
             <a:spLocks noGrp="1"/>
           </p:cNvSpPr>
@@ -2307,6 +2271,7 @@
           <a:p>
             <a:fld id="{7699F0FE-D8AD-4FF0-86BF-50BD32CAAF86}" type="slidenum">
               <a:rPr lang="en-US" smtClean="0"/>
+              <a:pPr/>
               <a:t>‹#›</a:t>
             </a:fld>
             <a:endParaRPr lang="en-US"/>
@@ -2322,8 +2287,8 @@
 </file>
 
 <file path=ppt/slideLayouts/slideLayout9.xml><?xml version="1.0" encoding="utf-8"?>
-<p:sldLayout xmlns:a="http://schemas.openxmlformats.org/drawingml/2006/main" xmlns:r="http://schemas.openxmlformats.org/officeDocument/2006/relationships" xmlns:p="http://schemas.openxmlformats.org/presentationml/2006/main" showMasterSp="0" type="picTx" preserve="1">
-  <p:cSld name="Picture with Caption">
+<p:sldLayout xmlns:a="http://schemas.openxmlformats.org/drawingml/2006/main" xmlns:r="http://schemas.openxmlformats.org/officeDocument/2006/relationships" xmlns:p="http://schemas.openxmlformats.org/presentationml/2006/main" type="picTx" preserve="1">
+  <p:cSld name="含標題的圖片">
     <p:spTree>
       <p:nvGrpSpPr>
         <p:cNvPr id="1" name=""/>
@@ -2340,30 +2305,51 @@
       </p:grpSpPr>
       <p:sp>
         <p:nvSpPr>
-          <p:cNvPr id="13" name="Picture Placeholder 12"/>
-          <p:cNvSpPr>
-            <a:spLocks noGrp="1"/>
-          </p:cNvSpPr>
-          <p:nvPr>
-            <p:ph type="pic" idx="1"/>
+          <p:cNvPr id="2" name="標題 1"/>
+          <p:cNvSpPr>
+            <a:spLocks noGrp="1"/>
+          </p:cNvSpPr>
+          <p:nvPr>
+            <p:ph type="title"/>
           </p:nvPr>
         </p:nvSpPr>
         <p:spPr>
           <a:xfrm>
-            <a:off x="3505200" y="616634"/>
-            <a:ext cx="5029200" cy="3657600"/>
+            <a:off x="1792288" y="4800600"/>
+            <a:ext cx="5486400" cy="566738"/>
           </a:xfrm>
-          <a:solidFill>
-            <a:schemeClr val="bg1"/>
-          </a:solidFill>
-          <a:ln w="6350">
-            <a:solidFill>
-              <a:schemeClr val="accent1"/>
-            </a:solidFill>
-          </a:ln>
-          <a:effectLst>
-            <a:reflection blurRad="1000" stA="49000" endA="500" endPos="10000" dist="900" dir="5400000" sy="-90000" algn="bl" rotWithShape="0"/>
-          </a:effectLst>
+        </p:spPr>
+        <p:txBody>
+          <a:bodyPr anchor="b"/>
+          <a:lstStyle>
+            <a:lvl1pPr algn="l">
+              <a:defRPr sz="2000" b="1"/>
+            </a:lvl1pPr>
+          </a:lstStyle>
+          <a:p>
+            <a:r>
+              <a:rPr lang="zh-TW" altLang="en-US" smtClean="0"/>
+              <a:t>按一下以編輯母片標題樣式</a:t>
+            </a:r>
+            <a:endParaRPr lang="zh-TW" altLang="en-US"/>
+          </a:p>
+        </p:txBody>
+      </p:sp>
+      <p:sp>
+        <p:nvSpPr>
+          <p:cNvPr id="3" name="圖片版面配置區 2"/>
+          <p:cNvSpPr>
+            <a:spLocks noGrp="1"/>
+          </p:cNvSpPr>
+          <p:nvPr>
+            <p:ph type="pic" idx="1"/>
+          </p:nvPr>
+        </p:nvSpPr>
+        <p:spPr>
+          <a:xfrm>
+            <a:off x="1792288" y="612775"/>
+            <a:ext cx="5486400" cy="4114800"/>
+          </a:xfrm>
         </p:spPr>
         <p:txBody>
           <a:bodyPr/>
@@ -2372,19 +2358,116 @@
               <a:buNone/>
               <a:defRPr sz="3200"/>
             </a:lvl1pPr>
+            <a:lvl2pPr marL="457200" indent="0">
+              <a:buNone/>
+              <a:defRPr sz="2800"/>
+            </a:lvl2pPr>
+            <a:lvl3pPr marL="914400" indent="0">
+              <a:buNone/>
+              <a:defRPr sz="2400"/>
+            </a:lvl3pPr>
+            <a:lvl4pPr marL="1371600" indent="0">
+              <a:buNone/>
+              <a:defRPr sz="2000"/>
+            </a:lvl4pPr>
+            <a:lvl5pPr marL="1828800" indent="0">
+              <a:buNone/>
+              <a:defRPr sz="2000"/>
+            </a:lvl5pPr>
+            <a:lvl6pPr marL="2286000" indent="0">
+              <a:buNone/>
+              <a:defRPr sz="2000"/>
+            </a:lvl6pPr>
+            <a:lvl7pPr marL="2743200" indent="0">
+              <a:buNone/>
+              <a:defRPr sz="2000"/>
+            </a:lvl7pPr>
+            <a:lvl8pPr marL="3200400" indent="0">
+              <a:buNone/>
+              <a:defRPr sz="2000"/>
+            </a:lvl8pPr>
+            <a:lvl9pPr marL="3657600" indent="0">
+              <a:buNone/>
+              <a:defRPr sz="2000"/>
+            </a:lvl9pPr>
           </a:lstStyle>
           <a:p>
             <a:r>
-              <a:rPr kumimoji="0" lang="en-US" smtClean="0"/>
-              <a:t>Click icon to add picture</a:t>
-            </a:r>
-            <a:endParaRPr kumimoji="0" lang="en-US" dirty="0"/>
-          </a:p>
-        </p:txBody>
-      </p:sp>
-      <p:sp>
-        <p:nvSpPr>
-          <p:cNvPr id="7" name="Date Placeholder 6"/>
+              <a:rPr lang="zh-TW" altLang="en-US" smtClean="0"/>
+              <a:t>按一下圖示以新增圖片</a:t>
+            </a:r>
+            <a:endParaRPr lang="zh-TW" altLang="en-US"/>
+          </a:p>
+        </p:txBody>
+      </p:sp>
+      <p:sp>
+        <p:nvSpPr>
+          <p:cNvPr id="4" name="文字版面配置區 3"/>
+          <p:cNvSpPr>
+            <a:spLocks noGrp="1"/>
+          </p:cNvSpPr>
+          <p:nvPr>
+            <p:ph type="body" sz="half" idx="2"/>
+          </p:nvPr>
+        </p:nvSpPr>
+        <p:spPr>
+          <a:xfrm>
+            <a:off x="1792288" y="5367338"/>
+            <a:ext cx="5486400" cy="804862"/>
+          </a:xfrm>
+        </p:spPr>
+        <p:txBody>
+          <a:bodyPr/>
+          <a:lstStyle>
+            <a:lvl1pPr marL="0" indent="0">
+              <a:buNone/>
+              <a:defRPr sz="1400"/>
+            </a:lvl1pPr>
+            <a:lvl2pPr marL="457200" indent="0">
+              <a:buNone/>
+              <a:defRPr sz="1200"/>
+            </a:lvl2pPr>
+            <a:lvl3pPr marL="914400" indent="0">
+              <a:buNone/>
+              <a:defRPr sz="1000"/>
+            </a:lvl3pPr>
+            <a:lvl4pPr marL="1371600" indent="0">
+              <a:buNone/>
+              <a:defRPr sz="900"/>
+            </a:lvl4pPr>
+            <a:lvl5pPr marL="1828800" indent="0">
+              <a:buNone/>
+              <a:defRPr sz="900"/>
+            </a:lvl5pPr>
+            <a:lvl6pPr marL="2286000" indent="0">
+              <a:buNone/>
+              <a:defRPr sz="900"/>
+            </a:lvl6pPr>
+            <a:lvl7pPr marL="2743200" indent="0">
+              <a:buNone/>
+              <a:defRPr sz="900"/>
+            </a:lvl7pPr>
+            <a:lvl8pPr marL="3200400" indent="0">
+              <a:buNone/>
+              <a:defRPr sz="900"/>
+            </a:lvl8pPr>
+            <a:lvl9pPr marL="3657600" indent="0">
+              <a:buNone/>
+              <a:defRPr sz="900"/>
+            </a:lvl9pPr>
+          </a:lstStyle>
+          <a:p>
+            <a:pPr lvl="0"/>
+            <a:r>
+              <a:rPr lang="zh-TW" altLang="en-US" smtClean="0"/>
+              <a:t>按一下以編輯母片文字樣式</a:t>
+            </a:r>
+          </a:p>
+        </p:txBody>
+      </p:sp>
+      <p:sp>
+        <p:nvSpPr>
+          <p:cNvPr id="5" name="日期版面配置區 4"/>
           <p:cNvSpPr>
             <a:spLocks noGrp="1"/>
           </p:cNvSpPr>
@@ -2399,7 +2482,8 @@
           <a:p>
             <a:fld id="{ECFD77D2-E44B-4CDA-8450-5F45A2DF05FB}" type="datetimeFigureOut">
               <a:rPr lang="en-US" smtClean="0"/>
-              <a:t>1/20/2013</a:t>
+              <a:pPr/>
+              <a:t>1/12/2019</a:t>
             </a:fld>
             <a:endParaRPr lang="en-US"/>
           </a:p>
@@ -2407,7 +2491,7 @@
       </p:sp>
       <p:sp>
         <p:nvSpPr>
-          <p:cNvPr id="5" name="Footer Placeholder 4"/>
+          <p:cNvPr id="6" name="頁尾版面配置區 5"/>
           <p:cNvSpPr>
             <a:spLocks noGrp="1"/>
           </p:cNvSpPr>
@@ -2426,7 +2510,7 @@
       </p:sp>
       <p:sp>
         <p:nvSpPr>
-          <p:cNvPr id="31" name="Slide Number Placeholder 30"/>
+          <p:cNvPr id="7" name="投影片編號版面配置區 6"/>
           <p:cNvSpPr>
             <a:spLocks noGrp="1"/>
           </p:cNvSpPr>
@@ -2441,87 +2525,10 @@
           <a:p>
             <a:fld id="{7699F0FE-D8AD-4FF0-86BF-50BD32CAAF86}" type="slidenum">
               <a:rPr lang="en-US" smtClean="0"/>
+              <a:pPr/>
               <a:t>‹#›</a:t>
             </a:fld>
             <a:endParaRPr lang="en-US"/>
-          </a:p>
-        </p:txBody>
-      </p:sp>
-      <p:sp>
-        <p:nvSpPr>
-          <p:cNvPr id="17" name="Title 16"/>
-          <p:cNvSpPr>
-            <a:spLocks noGrp="1"/>
-          </p:cNvSpPr>
-          <p:nvPr>
-            <p:ph type="title"/>
-          </p:nvPr>
-        </p:nvSpPr>
-        <p:spPr>
-          <a:xfrm>
-            <a:off x="381000" y="4993760"/>
-            <a:ext cx="5867400" cy="522288"/>
-          </a:xfrm>
-        </p:spPr>
-        <p:txBody>
-          <a:bodyPr anchor="ctr"/>
-          <a:lstStyle>
-            <a:lvl1pPr algn="l">
-              <a:buNone/>
-              <a:defRPr sz="2000" b="1"/>
-            </a:lvl1pPr>
-          </a:lstStyle>
-          <a:p>
-            <a:r>
-              <a:rPr kumimoji="0" lang="en-US" smtClean="0"/>
-              <a:t>Click to edit Master title style</a:t>
-            </a:r>
-            <a:endParaRPr kumimoji="0" lang="en-US"/>
-          </a:p>
-        </p:txBody>
-      </p:sp>
-      <p:sp>
-        <p:nvSpPr>
-          <p:cNvPr id="26" name="Text Placeholder 25"/>
-          <p:cNvSpPr>
-            <a:spLocks noGrp="1"/>
-          </p:cNvSpPr>
-          <p:nvPr>
-            <p:ph type="body" sz="half" idx="2"/>
-          </p:nvPr>
-        </p:nvSpPr>
-        <p:spPr>
-          <a:xfrm>
-            <a:off x="381000" y="5533218"/>
-            <a:ext cx="5867400" cy="768350"/>
-          </a:xfrm>
-        </p:spPr>
-        <p:txBody>
-          <a:bodyPr lIns="109728" tIns="0"/>
-          <a:lstStyle>
-            <a:lvl1pPr marL="0" indent="0">
-              <a:buNone/>
-              <a:defRPr sz="1400"/>
-            </a:lvl1pPr>
-            <a:lvl2pPr>
-              <a:defRPr sz="1200"/>
-            </a:lvl2pPr>
-            <a:lvl3pPr>
-              <a:defRPr sz="1000"/>
-            </a:lvl3pPr>
-            <a:lvl4pPr>
-              <a:defRPr sz="900"/>
-            </a:lvl4pPr>
-            <a:lvl5pPr>
-              <a:defRPr sz="900"/>
-            </a:lvl5pPr>
-          </a:lstStyle>
-          <a:p>
-            <a:pPr lvl="0" eaLnBrk="1" latinLnBrk="0" hangingPunct="1"/>
-            <a:r>
-              <a:rPr kumimoji="0" lang="en-US" smtClean="0"/>
-              <a:t>Click to edit Master text styles</a:t>
-            </a:r>
           </a:p>
         </p:txBody>
       </p:sp>
@@ -2537,9 +2544,14 @@
 <p:sldMaster xmlns:a="http://schemas.openxmlformats.org/drawingml/2006/main" xmlns:r="http://schemas.openxmlformats.org/officeDocument/2006/relationships" xmlns:p="http://schemas.openxmlformats.org/presentationml/2006/main">
   <p:cSld>
     <p:bg>
-      <p:bgRef idx="1003">
-        <a:schemeClr val="bg2"/>
-      </p:bgRef>
+      <p:bgPr>
+        <a:blipFill dpi="0" rotWithShape="1">
+          <a:blip r:embed="rId13"/>
+          <a:srcRect/>
+          <a:tile tx="0" ty="0" sx="100000" sy="100000" flip="none" algn="tl"/>
+        </a:blipFill>
+        <a:effectLst/>
+      </p:bgPr>
     </p:bg>
     <p:spTree>
       <p:nvGrpSpPr>
@@ -2557,143 +2569,126 @@
       </p:grpSpPr>
       <p:sp>
         <p:nvSpPr>
-          <p:cNvPr id="7" name="Straight Connector 6"/>
-          <p:cNvSpPr>
-            <a:spLocks noChangeShapeType="1"/>
-          </p:cNvSpPr>
-          <p:nvPr/>
-        </p:nvSpPr>
-        <p:spPr bwMode="auto">
-          <a:xfrm>
-            <a:off x="514350" y="1050898"/>
-            <a:ext cx="8629650" cy="2381"/>
-          </a:xfrm>
-          <a:prstGeom prst="line">
-            <a:avLst/>
-          </a:prstGeom>
-          <a:noFill/>
-          <a:ln w="9525" cap="flat" cmpd="sng" algn="ctr">
-            <a:gradFill flip="none" rotWithShape="1">
-              <a:gsLst>
-                <a:gs pos="0">
-                  <a:schemeClr val="accent1">
-                    <a:alpha val="0"/>
-                  </a:schemeClr>
-                </a:gs>
-                <a:gs pos="17000">
-                  <a:schemeClr val="accent1"/>
-                </a:gs>
-                <a:gs pos="100000">
-                  <a:schemeClr val="accent1"/>
-                </a:gs>
-              </a:gsLst>
-              <a:lin ang="0" scaled="1"/>
-              <a:tileRect/>
-            </a:gradFill>
-            <a:prstDash val="solid"/>
-            <a:round/>
-            <a:headEnd type="none" w="med" len="med"/>
-            <a:tailEnd type="none" w="med" len="med"/>
-          </a:ln>
-          <a:effectLst/>
-        </p:spPr>
-        <p:txBody>
-          <a:bodyPr vert="horz" wrap="square" lIns="91440" tIns="45720" rIns="91440" bIns="45720" anchor="t" compatLnSpc="1"/>
-          <a:lstStyle/>
-          <a:p>
-            <a:endParaRPr kumimoji="0" lang="en-US"/>
-          </a:p>
-        </p:txBody>
-      </p:sp>
-      <p:sp>
-        <p:nvSpPr>
-          <p:cNvPr id="8" name="Text Placeholder 7"/>
-          <p:cNvSpPr>
-            <a:spLocks noGrp="1"/>
-          </p:cNvSpPr>
-          <p:nvPr>
-            <p:ph type="body" idx="1"/>
+          <p:cNvPr id="2" name="標題版面配置區 1"/>
+          <p:cNvSpPr>
+            <a:spLocks noGrp="1"/>
+          </p:cNvSpPr>
+          <p:nvPr>
+            <p:ph type="title"/>
           </p:nvPr>
         </p:nvSpPr>
         <p:spPr>
           <a:xfrm>
-            <a:off x="304800" y="1554162"/>
-            <a:ext cx="8686800" cy="4525963"/>
+            <a:off x="457200" y="274638"/>
+            <a:ext cx="8229600" cy="1143000"/>
           </a:xfrm>
           <a:prstGeom prst="rect">
             <a:avLst/>
           </a:prstGeom>
         </p:spPr>
         <p:txBody>
-          <a:bodyPr vert="horz">
+          <a:bodyPr vert="horz" lIns="91440" tIns="45720" rIns="91440" bIns="45720" rtlCol="0" anchor="ctr">
             <a:normAutofit/>
           </a:bodyPr>
           <a:lstStyle/>
           <a:p>
-            <a:pPr lvl="0" eaLnBrk="1" latinLnBrk="0" hangingPunct="1"/>
-            <a:r>
-              <a:rPr kumimoji="0" lang="en-US" smtClean="0"/>
-              <a:t>Click to edit Master text styles</a:t>
-            </a:r>
-          </a:p>
-          <a:p>
-            <a:pPr lvl="1" eaLnBrk="1" latinLnBrk="0" hangingPunct="1"/>
-            <a:r>
-              <a:rPr kumimoji="0" lang="en-US" smtClean="0"/>
-              <a:t>Second level</a:t>
-            </a:r>
-          </a:p>
-          <a:p>
-            <a:pPr lvl="2" eaLnBrk="1" latinLnBrk="0" hangingPunct="1"/>
-            <a:r>
-              <a:rPr kumimoji="0" lang="en-US" smtClean="0"/>
-              <a:t>Third level</a:t>
-            </a:r>
-          </a:p>
-          <a:p>
-            <a:pPr lvl="3" eaLnBrk="1" latinLnBrk="0" hangingPunct="1"/>
-            <a:r>
-              <a:rPr kumimoji="0" lang="en-US" smtClean="0"/>
-              <a:t>Fourth level</a:t>
-            </a:r>
-          </a:p>
-          <a:p>
-            <a:pPr lvl="4" eaLnBrk="1" latinLnBrk="0" hangingPunct="1"/>
-            <a:r>
-              <a:rPr kumimoji="0" lang="en-US" smtClean="0"/>
-              <a:t>Fifth level</a:t>
-            </a:r>
-            <a:endParaRPr kumimoji="0" lang="en-US"/>
-          </a:p>
-        </p:txBody>
-      </p:sp>
-      <p:sp>
-        <p:nvSpPr>
-          <p:cNvPr id="11" name="Date Placeholder 10"/>
-          <p:cNvSpPr>
-            <a:spLocks noGrp="1"/>
-          </p:cNvSpPr>
-          <p:nvPr>
-            <p:ph type="dt" sz="half" idx="2"/>
+            <a:r>
+              <a:rPr lang="zh-TW" altLang="en-US" smtClean="0"/>
+              <a:t>按一下以編輯母片標題樣式</a:t>
+            </a:r>
+            <a:endParaRPr lang="zh-TW" altLang="en-US"/>
+          </a:p>
+        </p:txBody>
+      </p:sp>
+      <p:sp>
+        <p:nvSpPr>
+          <p:cNvPr id="3" name="文字版面配置區 2"/>
+          <p:cNvSpPr>
+            <a:spLocks noGrp="1"/>
+          </p:cNvSpPr>
+          <p:nvPr>
+            <p:ph type="body" idx="1"/>
           </p:nvPr>
         </p:nvSpPr>
         <p:spPr>
           <a:xfrm>
-            <a:off x="6477000" y="76200"/>
-            <a:ext cx="2514600" cy="288925"/>
+            <a:off x="457200" y="1600200"/>
+            <a:ext cx="8229600" cy="4525963"/>
           </a:xfrm>
           <a:prstGeom prst="rect">
             <a:avLst/>
           </a:prstGeom>
         </p:spPr>
         <p:txBody>
-          <a:bodyPr vert="horz"/>
+          <a:bodyPr vert="horz" lIns="91440" tIns="45720" rIns="91440" bIns="45720" rtlCol="0">
+            <a:normAutofit/>
+          </a:bodyPr>
+          <a:lstStyle/>
+          <a:p>
+            <a:pPr lvl="0"/>
+            <a:r>
+              <a:rPr lang="zh-TW" altLang="en-US" smtClean="0"/>
+              <a:t>按一下以編輯母片文字樣式</a:t>
+            </a:r>
+          </a:p>
+          <a:p>
+            <a:pPr lvl="1"/>
+            <a:r>
+              <a:rPr lang="zh-TW" altLang="en-US" smtClean="0"/>
+              <a:t>第二層</a:t>
+            </a:r>
+          </a:p>
+          <a:p>
+            <a:pPr lvl="2"/>
+            <a:r>
+              <a:rPr lang="zh-TW" altLang="en-US" smtClean="0"/>
+              <a:t>第三層</a:t>
+            </a:r>
+          </a:p>
+          <a:p>
+            <a:pPr lvl="3"/>
+            <a:r>
+              <a:rPr lang="zh-TW" altLang="en-US" smtClean="0"/>
+              <a:t>第四層</a:t>
+            </a:r>
+          </a:p>
+          <a:p>
+            <a:pPr lvl="4"/>
+            <a:r>
+              <a:rPr lang="zh-TW" altLang="en-US" smtClean="0"/>
+              <a:t>第五層</a:t>
+            </a:r>
+            <a:endParaRPr lang="zh-TW" altLang="en-US"/>
+          </a:p>
+        </p:txBody>
+      </p:sp>
+      <p:sp>
+        <p:nvSpPr>
+          <p:cNvPr id="4" name="日期版面配置區 3"/>
+          <p:cNvSpPr>
+            <a:spLocks noGrp="1"/>
+          </p:cNvSpPr>
+          <p:nvPr>
+            <p:ph type="dt" sz="half" idx="2"/>
+          </p:nvPr>
+        </p:nvSpPr>
+        <p:spPr>
+          <a:xfrm>
+            <a:off x="457200" y="6356350"/>
+            <a:ext cx="2133600" cy="365125"/>
+          </a:xfrm>
+          <a:prstGeom prst="rect">
+            <a:avLst/>
+          </a:prstGeom>
+        </p:spPr>
+        <p:txBody>
+          <a:bodyPr vert="horz" lIns="91440" tIns="45720" rIns="91440" bIns="45720" rtlCol="0" anchor="ctr"/>
           <a:lstStyle>
-            <a:lvl1pPr algn="l" eaLnBrk="1" latinLnBrk="0" hangingPunct="1">
-              <a:defRPr kumimoji="0" sz="1200">
+            <a:lvl1pPr algn="l">
+              <a:defRPr sz="1200">
                 <a:solidFill>
-                  <a:schemeClr val="accent1">
-                    <a:shade val="75000"/>
+                  <a:schemeClr val="tx1">
+                    <a:tint val="75000"/>
                   </a:schemeClr>
                 </a:solidFill>
               </a:defRPr>
@@ -2702,7 +2697,8 @@
           <a:p>
             <a:fld id="{ECFD77D2-E44B-4CDA-8450-5F45A2DF05FB}" type="datetimeFigureOut">
               <a:rPr lang="en-US" smtClean="0"/>
-              <a:t>1/20/2013</a:t>
+              <a:pPr/>
+              <a:t>1/12/2019</a:t>
             </a:fld>
             <a:endParaRPr lang="en-US"/>
           </a:p>
@@ -2710,7 +2706,7 @@
       </p:sp>
       <p:sp>
         <p:nvSpPr>
-          <p:cNvPr id="28" name="Footer Placeholder 27"/>
+          <p:cNvPr id="5" name="頁尾版面配置區 4"/>
           <p:cNvSpPr>
             <a:spLocks noGrp="1"/>
           </p:cNvSpPr>
@@ -2720,21 +2716,21 @@
         </p:nvSpPr>
         <p:spPr>
           <a:xfrm>
-            <a:off x="3124200" y="76200"/>
-            <a:ext cx="3352800" cy="288925"/>
+            <a:off x="3124200" y="6356350"/>
+            <a:ext cx="2895600" cy="365125"/>
           </a:xfrm>
           <a:prstGeom prst="rect">
             <a:avLst/>
           </a:prstGeom>
         </p:spPr>
         <p:txBody>
-          <a:bodyPr vert="horz"/>
+          <a:bodyPr vert="horz" lIns="91440" tIns="45720" rIns="91440" bIns="45720" rtlCol="0" anchor="ctr"/>
           <a:lstStyle>
-            <a:lvl1pPr algn="r" eaLnBrk="1" latinLnBrk="0" hangingPunct="1">
-              <a:defRPr kumimoji="0" sz="1200">
+            <a:lvl1pPr algn="ctr">
+              <a:defRPr sz="1200">
                 <a:solidFill>
-                  <a:schemeClr val="accent1">
-                    <a:shade val="75000"/>
+                  <a:schemeClr val="tx1">
+                    <a:tint val="75000"/>
                   </a:schemeClr>
                 </a:solidFill>
               </a:defRPr>
@@ -2747,7 +2743,7 @@
       </p:sp>
       <p:sp>
         <p:nvSpPr>
-          <p:cNvPr id="5" name="Slide Number Placeholder 4"/>
+          <p:cNvPr id="6" name="投影片編號版面配置區 5"/>
           <p:cNvSpPr>
             <a:spLocks noGrp="1"/>
           </p:cNvSpPr>
@@ -2757,21 +2753,21 @@
         </p:nvSpPr>
         <p:spPr>
           <a:xfrm>
-            <a:off x="8229600" y="6477000"/>
-            <a:ext cx="762000" cy="244475"/>
+            <a:off x="6553200" y="6356350"/>
+            <a:ext cx="2133600" cy="365125"/>
           </a:xfrm>
           <a:prstGeom prst="rect">
             <a:avLst/>
           </a:prstGeom>
         </p:spPr>
         <p:txBody>
-          <a:bodyPr vert="horz"/>
+          <a:bodyPr vert="horz" lIns="91440" tIns="45720" rIns="91440" bIns="45720" rtlCol="0" anchor="ctr"/>
           <a:lstStyle>
-            <a:lvl1pPr algn="r" eaLnBrk="1" latinLnBrk="0" hangingPunct="1">
-              <a:defRPr kumimoji="0" sz="1200">
+            <a:lvl1pPr algn="r">
+              <a:defRPr sz="1200">
                 <a:solidFill>
-                  <a:schemeClr val="accent1">
-                    <a:shade val="75000"/>
+                  <a:schemeClr val="tx1">
+                    <a:tint val="75000"/>
                   </a:schemeClr>
                 </a:solidFill>
               </a:defRPr>
@@ -2780,142 +2776,10 @@
           <a:p>
             <a:fld id="{7699F0FE-D8AD-4FF0-86BF-50BD32CAAF86}" type="slidenum">
               <a:rPr lang="en-US" smtClean="0"/>
+              <a:pPr/>
               <a:t>‹#›</a:t>
             </a:fld>
             <a:endParaRPr lang="en-US"/>
-          </a:p>
-        </p:txBody>
-      </p:sp>
-      <p:sp>
-        <p:nvSpPr>
-          <p:cNvPr id="10" name="Title Placeholder 9"/>
-          <p:cNvSpPr>
-            <a:spLocks noGrp="1"/>
-          </p:cNvSpPr>
-          <p:nvPr>
-            <p:ph type="title"/>
-          </p:nvPr>
-        </p:nvSpPr>
-        <p:spPr>
-          <a:xfrm>
-            <a:off x="304800" y="457200"/>
-            <a:ext cx="8686800" cy="838200"/>
-          </a:xfrm>
-          <a:prstGeom prst="rect">
-            <a:avLst/>
-          </a:prstGeom>
-        </p:spPr>
-        <p:txBody>
-          <a:bodyPr vert="horz" anchor="ctr">
-            <a:normAutofit/>
-          </a:bodyPr>
-          <a:lstStyle/>
-          <a:p>
-            <a:r>
-              <a:rPr kumimoji="0" lang="en-US" smtClean="0"/>
-              <a:t>Click to edit Master title style</a:t>
-            </a:r>
-            <a:endParaRPr kumimoji="0" lang="en-US"/>
-          </a:p>
-        </p:txBody>
-      </p:sp>
-      <p:sp>
-        <p:nvSpPr>
-          <p:cNvPr id="9" name="Straight Connector 8"/>
-          <p:cNvSpPr>
-            <a:spLocks noChangeShapeType="1"/>
-          </p:cNvSpPr>
-          <p:nvPr/>
-        </p:nvSpPr>
-        <p:spPr bwMode="auto">
-          <a:xfrm>
-            <a:off x="514350" y="1050898"/>
-            <a:ext cx="8629650" cy="2381"/>
-          </a:xfrm>
-          <a:prstGeom prst="line">
-            <a:avLst/>
-          </a:prstGeom>
-          <a:noFill/>
-          <a:ln w="9525" cap="flat" cmpd="sng" algn="ctr">
-            <a:gradFill flip="none" rotWithShape="1">
-              <a:gsLst>
-                <a:gs pos="0">
-                  <a:schemeClr val="accent1">
-                    <a:alpha val="0"/>
-                  </a:schemeClr>
-                </a:gs>
-                <a:gs pos="17000">
-                  <a:schemeClr val="accent1"/>
-                </a:gs>
-                <a:gs pos="100000">
-                  <a:schemeClr val="accent1"/>
-                </a:gs>
-              </a:gsLst>
-              <a:lin ang="0" scaled="1"/>
-              <a:tileRect/>
-            </a:gradFill>
-            <a:prstDash val="solid"/>
-            <a:round/>
-            <a:headEnd type="none" w="med" len="med"/>
-            <a:tailEnd type="none" w="med" len="med"/>
-          </a:ln>
-          <a:effectLst/>
-        </p:spPr>
-        <p:txBody>
-          <a:bodyPr vert="horz" wrap="square" lIns="91440" tIns="45720" rIns="91440" bIns="45720" anchor="t" compatLnSpc="1"/>
-          <a:lstStyle/>
-          <a:p>
-            <a:endParaRPr kumimoji="0" lang="en-US"/>
-          </a:p>
-        </p:txBody>
-      </p:sp>
-      <p:sp>
-        <p:nvSpPr>
-          <p:cNvPr id="12" name="Straight Connector 11"/>
-          <p:cNvSpPr>
-            <a:spLocks noChangeShapeType="1"/>
-          </p:cNvSpPr>
-          <p:nvPr/>
-        </p:nvSpPr>
-        <p:spPr bwMode="auto">
-          <a:xfrm>
-            <a:off x="514350" y="1057986"/>
-            <a:ext cx="8629650" cy="2381"/>
-          </a:xfrm>
-          <a:prstGeom prst="line">
-            <a:avLst/>
-          </a:prstGeom>
-          <a:noFill/>
-          <a:ln w="9525" cap="flat" cmpd="sng" algn="ctr">
-            <a:gradFill flip="none" rotWithShape="1">
-              <a:gsLst>
-                <a:gs pos="0">
-                  <a:schemeClr val="accent1">
-                    <a:alpha val="0"/>
-                  </a:schemeClr>
-                </a:gs>
-                <a:gs pos="17000">
-                  <a:schemeClr val="accent1"/>
-                </a:gs>
-                <a:gs pos="100000">
-                  <a:schemeClr val="accent1"/>
-                </a:gs>
-              </a:gsLst>
-              <a:lin ang="0" scaled="1"/>
-              <a:tileRect/>
-            </a:gradFill>
-            <a:prstDash val="solid"/>
-            <a:round/>
-            <a:headEnd type="none" w="med" len="med"/>
-            <a:tailEnd type="none" w="med" len="med"/>
-          </a:ln>
-          <a:effectLst/>
-        </p:spPr>
-        <p:txBody>
-          <a:bodyPr vert="horz" wrap="square" lIns="91440" tIns="45720" rIns="91440" bIns="45720" anchor="t" compatLnSpc="1"/>
-          <a:lstStyle/>
-          <a:p>
-            <a:endParaRPr kumimoji="0" lang="en-US"/>
           </a:p>
         </p:txBody>
       </p:sp>
@@ -2923,32 +2787,29 @@
   </p:cSld>
   <p:clrMap bg1="lt1" tx1="dk1" bg2="lt2" tx2="dk2" accent1="accent1" accent2="accent2" accent3="accent3" accent4="accent4" accent5="accent5" accent6="accent6" hlink="hlink" folHlink="folHlink"/>
   <p:sldLayoutIdLst>
-    <p:sldLayoutId id="2147483661" r:id="rId1"/>
-    <p:sldLayoutId id="2147483662" r:id="rId2"/>
-    <p:sldLayoutId id="2147483663" r:id="rId3"/>
-    <p:sldLayoutId id="2147483664" r:id="rId4"/>
-    <p:sldLayoutId id="2147483665" r:id="rId5"/>
-    <p:sldLayoutId id="2147483666" r:id="rId6"/>
-    <p:sldLayoutId id="2147483667" r:id="rId7"/>
-    <p:sldLayoutId id="2147483668" r:id="rId8"/>
-    <p:sldLayoutId id="2147483669" r:id="rId9"/>
-    <p:sldLayoutId id="2147483670" r:id="rId10"/>
-    <p:sldLayoutId id="2147483671" r:id="rId11"/>
+    <p:sldLayoutId id="2147483673" r:id="rId1"/>
+    <p:sldLayoutId id="2147483674" r:id="rId2"/>
+    <p:sldLayoutId id="2147483675" r:id="rId3"/>
+    <p:sldLayoutId id="2147483676" r:id="rId4"/>
+    <p:sldLayoutId id="2147483677" r:id="rId5"/>
+    <p:sldLayoutId id="2147483678" r:id="rId6"/>
+    <p:sldLayoutId id="2147483679" r:id="rId7"/>
+    <p:sldLayoutId id="2147483680" r:id="rId8"/>
+    <p:sldLayoutId id="2147483681" r:id="rId9"/>
+    <p:sldLayoutId id="2147483682" r:id="rId10"/>
+    <p:sldLayoutId id="2147483683" r:id="rId11"/>
   </p:sldLayoutIdLst>
   <p:txStyles>
     <p:titleStyle>
-      <a:lvl1pPr algn="l" rtl="0" eaLnBrk="1" latinLnBrk="0" hangingPunct="1">
+      <a:lvl1pPr algn="ctr" defTabSz="914400" rtl="0" eaLnBrk="1" latinLnBrk="0" hangingPunct="1">
         <a:spcBef>
           <a:spcPct val="0"/>
         </a:spcBef>
         <a:buNone/>
-        <a:defRPr kumimoji="0" sz="3600" kern="1200" cap="all" baseline="0">
+        <a:defRPr sz="4400" kern="1200">
           <a:solidFill>
-            <a:schemeClr val="tx2"/>
+            <a:schemeClr val="tx1"/>
           </a:solidFill>
-          <a:effectLst>
-            <a:reflection blurRad="12700" stA="48000" endA="300" endPos="55000" dir="5400000" sy="-90000" algn="bl" rotWithShape="0"/>
-          </a:effectLst>
           <a:latin typeface="+mj-lt"/>
           <a:ea typeface="+mj-ea"/>
           <a:cs typeface="+mj-cs"/>
@@ -2956,171 +2817,135 @@
       </a:lvl1pPr>
     </p:titleStyle>
     <p:bodyStyle>
-      <a:lvl1pPr marL="342900" indent="-342900" algn="l" rtl="0" eaLnBrk="1" latinLnBrk="0" hangingPunct="1">
+      <a:lvl1pPr marL="342900" indent="-342900" algn="l" defTabSz="914400" rtl="0" eaLnBrk="1" latinLnBrk="0" hangingPunct="1">
         <a:spcBef>
           <a:spcPct val="20000"/>
         </a:spcBef>
-        <a:buClr>
-          <a:schemeClr val="accent1"/>
-        </a:buClr>
-        <a:buSzPct val="70000"/>
-        <a:buFont typeface="Wingdings 2"/>
-        <a:buChar char=""/>
-        <a:defRPr kumimoji="0" sz="3200" kern="1200">
+        <a:buFont typeface="Arial" pitchFamily="34" charset="0"/>
+        <a:buChar char="•"/>
+        <a:defRPr sz="3200" kern="1200">
           <a:solidFill>
-            <a:schemeClr val="tx2"/>
+            <a:schemeClr val="tx1"/>
           </a:solidFill>
           <a:latin typeface="+mn-lt"/>
           <a:ea typeface="+mn-ea"/>
           <a:cs typeface="+mn-cs"/>
         </a:defRPr>
       </a:lvl1pPr>
-      <a:lvl2pPr marL="742950" indent="-285750" algn="l" rtl="0" eaLnBrk="1" latinLnBrk="0" hangingPunct="1">
+      <a:lvl2pPr marL="742950" indent="-285750" algn="l" defTabSz="914400" rtl="0" eaLnBrk="1" latinLnBrk="0" hangingPunct="1">
         <a:spcBef>
           <a:spcPct val="20000"/>
         </a:spcBef>
-        <a:buClr>
-          <a:schemeClr val="accent1"/>
-        </a:buClr>
-        <a:buSzPct val="70000"/>
-        <a:buFont typeface="Wingdings 2"/>
-        <a:buChar char=""/>
-        <a:defRPr kumimoji="0" sz="2800" kern="1200">
+        <a:buFont typeface="Arial" pitchFamily="34" charset="0"/>
+        <a:buChar char="–"/>
+        <a:defRPr sz="2800" kern="1200">
           <a:solidFill>
-            <a:schemeClr val="tx2"/>
+            <a:schemeClr val="tx1"/>
           </a:solidFill>
           <a:latin typeface="+mn-lt"/>
           <a:ea typeface="+mn-ea"/>
           <a:cs typeface="+mn-cs"/>
         </a:defRPr>
       </a:lvl2pPr>
-      <a:lvl3pPr marL="1143000" indent="-228600" algn="l" rtl="0" eaLnBrk="1" latinLnBrk="0" hangingPunct="1">
+      <a:lvl3pPr marL="1143000" indent="-228600" algn="l" defTabSz="914400" rtl="0" eaLnBrk="1" latinLnBrk="0" hangingPunct="1">
         <a:spcBef>
           <a:spcPct val="20000"/>
         </a:spcBef>
-        <a:buClr>
-          <a:schemeClr val="accent1"/>
-        </a:buClr>
-        <a:buSzPct val="70000"/>
-        <a:buFont typeface="Wingdings 2"/>
-        <a:buChar char=""/>
-        <a:defRPr kumimoji="0" sz="2400" kern="1200">
+        <a:buFont typeface="Arial" pitchFamily="34" charset="0"/>
+        <a:buChar char="•"/>
+        <a:defRPr sz="2400" kern="1200">
           <a:solidFill>
-            <a:schemeClr val="tx2"/>
+            <a:schemeClr val="tx1"/>
           </a:solidFill>
           <a:latin typeface="+mn-lt"/>
           <a:ea typeface="+mn-ea"/>
           <a:cs typeface="+mn-cs"/>
         </a:defRPr>
       </a:lvl3pPr>
-      <a:lvl4pPr marL="1600200" indent="-228600" algn="l" rtl="0" eaLnBrk="1" latinLnBrk="0" hangingPunct="1">
+      <a:lvl4pPr marL="1600200" indent="-228600" algn="l" defTabSz="914400" rtl="0" eaLnBrk="1" latinLnBrk="0" hangingPunct="1">
         <a:spcBef>
           <a:spcPct val="20000"/>
         </a:spcBef>
-        <a:buClr>
-          <a:schemeClr val="accent1"/>
-        </a:buClr>
-        <a:buSzPct val="70000"/>
-        <a:buFont typeface="Wingdings 2"/>
-        <a:buChar char=""/>
-        <a:defRPr kumimoji="0" sz="2000" kern="1200">
+        <a:buFont typeface="Arial" pitchFamily="34" charset="0"/>
+        <a:buChar char="–"/>
+        <a:defRPr sz="2000" kern="1200">
           <a:solidFill>
-            <a:schemeClr val="tx2"/>
+            <a:schemeClr val="tx1"/>
           </a:solidFill>
           <a:latin typeface="+mn-lt"/>
           <a:ea typeface="+mn-ea"/>
           <a:cs typeface="+mn-cs"/>
         </a:defRPr>
       </a:lvl4pPr>
-      <a:lvl5pPr marL="2057400" indent="-228600" algn="l" rtl="0" eaLnBrk="1" latinLnBrk="0" hangingPunct="1">
+      <a:lvl5pPr marL="2057400" indent="-228600" algn="l" defTabSz="914400" rtl="0" eaLnBrk="1" latinLnBrk="0" hangingPunct="1">
         <a:spcBef>
           <a:spcPct val="20000"/>
         </a:spcBef>
-        <a:buClr>
-          <a:schemeClr val="accent1"/>
-        </a:buClr>
-        <a:buSzPct val="60000"/>
-        <a:buFont typeface="Wingdings 2"/>
-        <a:buChar char=""/>
-        <a:defRPr kumimoji="0" sz="1800" kern="1200">
+        <a:buFont typeface="Arial" pitchFamily="34" charset="0"/>
+        <a:buChar char="»"/>
+        <a:defRPr sz="2000" kern="1200">
           <a:solidFill>
-            <a:schemeClr val="tx2"/>
+            <a:schemeClr val="tx1"/>
           </a:solidFill>
           <a:latin typeface="+mn-lt"/>
           <a:ea typeface="+mn-ea"/>
           <a:cs typeface="+mn-cs"/>
         </a:defRPr>
       </a:lvl5pPr>
-      <a:lvl6pPr marL="2514600" indent="-228600" algn="l" rtl="0" eaLnBrk="1" latinLnBrk="0" hangingPunct="1">
+      <a:lvl6pPr marL="2514600" indent="-228600" algn="l" defTabSz="914400" rtl="0" eaLnBrk="1" latinLnBrk="0" hangingPunct="1">
         <a:spcBef>
           <a:spcPct val="20000"/>
         </a:spcBef>
-        <a:buClr>
-          <a:schemeClr val="accent1"/>
-        </a:buClr>
-        <a:buSzPct val="60000"/>
-        <a:buFont typeface="Wingdings 2"/>
-        <a:buChar char=""/>
-        <a:defRPr kumimoji="0" sz="1800" kern="1200">
+        <a:buFont typeface="Arial" pitchFamily="34" charset="0"/>
+        <a:buChar char="•"/>
+        <a:defRPr sz="2000" kern="1200">
           <a:solidFill>
-            <a:schemeClr val="tx2"/>
+            <a:schemeClr val="tx1"/>
           </a:solidFill>
           <a:latin typeface="+mn-lt"/>
           <a:ea typeface="+mn-ea"/>
           <a:cs typeface="+mn-cs"/>
         </a:defRPr>
       </a:lvl6pPr>
-      <a:lvl7pPr marL="2971800" indent="-228600" algn="l" rtl="0" eaLnBrk="1" latinLnBrk="0" hangingPunct="1">
+      <a:lvl7pPr marL="2971800" indent="-228600" algn="l" defTabSz="914400" rtl="0" eaLnBrk="1" latinLnBrk="0" hangingPunct="1">
         <a:spcBef>
           <a:spcPct val="20000"/>
         </a:spcBef>
-        <a:buClr>
-          <a:schemeClr val="accent1"/>
-        </a:buClr>
-        <a:buSzPct val="60000"/>
-        <a:buFont typeface="Wingdings 2"/>
-        <a:buChar char=""/>
-        <a:defRPr kumimoji="0" sz="1600" kern="1200">
+        <a:buFont typeface="Arial" pitchFamily="34" charset="0"/>
+        <a:buChar char="•"/>
+        <a:defRPr sz="2000" kern="1200">
           <a:solidFill>
-            <a:schemeClr val="tx2"/>
+            <a:schemeClr val="tx1"/>
           </a:solidFill>
           <a:latin typeface="+mn-lt"/>
           <a:ea typeface="+mn-ea"/>
           <a:cs typeface="+mn-cs"/>
         </a:defRPr>
       </a:lvl7pPr>
-      <a:lvl8pPr marL="3429000" indent="-228600" algn="l" rtl="0" eaLnBrk="1" latinLnBrk="0" hangingPunct="1">
+      <a:lvl8pPr marL="3429000" indent="-228600" algn="l" defTabSz="914400" rtl="0" eaLnBrk="1" latinLnBrk="0" hangingPunct="1">
         <a:spcBef>
           <a:spcPct val="20000"/>
         </a:spcBef>
-        <a:buClr>
-          <a:schemeClr val="accent1"/>
-        </a:buClr>
-        <a:buSzPct val="60000"/>
-        <a:buFont typeface="Wingdings 2"/>
-        <a:buChar char=""/>
-        <a:defRPr kumimoji="0" sz="1600" kern="1200" baseline="0">
+        <a:buFont typeface="Arial" pitchFamily="34" charset="0"/>
+        <a:buChar char="•"/>
+        <a:defRPr sz="2000" kern="1200">
           <a:solidFill>
-            <a:schemeClr val="tx2"/>
+            <a:schemeClr val="tx1"/>
           </a:solidFill>
           <a:latin typeface="+mn-lt"/>
           <a:ea typeface="+mn-ea"/>
           <a:cs typeface="+mn-cs"/>
         </a:defRPr>
       </a:lvl8pPr>
-      <a:lvl9pPr marL="3886200" indent="-228600" algn="l" rtl="0" eaLnBrk="1" latinLnBrk="0" hangingPunct="1">
+      <a:lvl9pPr marL="3886200" indent="-228600" algn="l" defTabSz="914400" rtl="0" eaLnBrk="1" latinLnBrk="0" hangingPunct="1">
         <a:spcBef>
           <a:spcPct val="20000"/>
         </a:spcBef>
-        <a:buClr>
-          <a:schemeClr val="accent1"/>
-        </a:buClr>
-        <a:buSzPct val="60000"/>
-        <a:buFont typeface="Wingdings 2"/>
-        <a:buChar char=""/>
-        <a:defRPr kumimoji="0" sz="1400" kern="1200" baseline="0">
+        <a:buFont typeface="Arial" pitchFamily="34" charset="0"/>
+        <a:buChar char="•"/>
+        <a:defRPr sz="2000" kern="1200">
           <a:solidFill>
-            <a:schemeClr val="tx2"/>
+            <a:schemeClr val="tx1"/>
           </a:solidFill>
           <a:latin typeface="+mn-lt"/>
           <a:ea typeface="+mn-ea"/>
@@ -3129,8 +2954,11 @@
       </a:lvl9pPr>
     </p:bodyStyle>
     <p:otherStyle>
-      <a:lvl1pPr marL="0" algn="l" rtl="0" eaLnBrk="1" latinLnBrk="0" hangingPunct="1">
-        <a:defRPr kumimoji="0" kern="1200">
+      <a:defPPr>
+        <a:defRPr lang="zh-TW"/>
+      </a:defPPr>
+      <a:lvl1pPr marL="0" algn="l" defTabSz="914400" rtl="0" eaLnBrk="1" latinLnBrk="0" hangingPunct="1">
+        <a:defRPr sz="1800" kern="1200">
           <a:solidFill>
             <a:schemeClr val="tx1"/>
           </a:solidFill>
@@ -3139,8 +2967,8 @@
           <a:cs typeface="+mn-cs"/>
         </a:defRPr>
       </a:lvl1pPr>
-      <a:lvl2pPr marL="457200" algn="l" rtl="0" eaLnBrk="1" latinLnBrk="0" hangingPunct="1">
-        <a:defRPr kumimoji="0" kern="1200">
+      <a:lvl2pPr marL="457200" algn="l" defTabSz="914400" rtl="0" eaLnBrk="1" latinLnBrk="0" hangingPunct="1">
+        <a:defRPr sz="1800" kern="1200">
           <a:solidFill>
             <a:schemeClr val="tx1"/>
           </a:solidFill>
@@ -3149,8 +2977,8 @@
           <a:cs typeface="+mn-cs"/>
         </a:defRPr>
       </a:lvl2pPr>
-      <a:lvl3pPr marL="914400" algn="l" rtl="0" eaLnBrk="1" latinLnBrk="0" hangingPunct="1">
-        <a:defRPr kumimoji="0" kern="1200">
+      <a:lvl3pPr marL="914400" algn="l" defTabSz="914400" rtl="0" eaLnBrk="1" latinLnBrk="0" hangingPunct="1">
+        <a:defRPr sz="1800" kern="1200">
           <a:solidFill>
             <a:schemeClr val="tx1"/>
           </a:solidFill>
@@ -3159,8 +2987,8 @@
           <a:cs typeface="+mn-cs"/>
         </a:defRPr>
       </a:lvl3pPr>
-      <a:lvl4pPr marL="1371600" algn="l" rtl="0" eaLnBrk="1" latinLnBrk="0" hangingPunct="1">
-        <a:defRPr kumimoji="0" kern="1200">
+      <a:lvl4pPr marL="1371600" algn="l" defTabSz="914400" rtl="0" eaLnBrk="1" latinLnBrk="0" hangingPunct="1">
+        <a:defRPr sz="1800" kern="1200">
           <a:solidFill>
             <a:schemeClr val="tx1"/>
           </a:solidFill>
@@ -3169,8 +2997,8 @@
           <a:cs typeface="+mn-cs"/>
         </a:defRPr>
       </a:lvl4pPr>
-      <a:lvl5pPr marL="1828800" algn="l" rtl="0" eaLnBrk="1" latinLnBrk="0" hangingPunct="1">
-        <a:defRPr kumimoji="0" kern="1200">
+      <a:lvl5pPr marL="1828800" algn="l" defTabSz="914400" rtl="0" eaLnBrk="1" latinLnBrk="0" hangingPunct="1">
+        <a:defRPr sz="1800" kern="1200">
           <a:solidFill>
             <a:schemeClr val="tx1"/>
           </a:solidFill>
@@ -3179,8 +3007,8 @@
           <a:cs typeface="+mn-cs"/>
         </a:defRPr>
       </a:lvl5pPr>
-      <a:lvl6pPr marL="2286000" algn="l" rtl="0" eaLnBrk="1" latinLnBrk="0" hangingPunct="1">
-        <a:defRPr kumimoji="0" kern="1200">
+      <a:lvl6pPr marL="2286000" algn="l" defTabSz="914400" rtl="0" eaLnBrk="1" latinLnBrk="0" hangingPunct="1">
+        <a:defRPr sz="1800" kern="1200">
           <a:solidFill>
             <a:schemeClr val="tx1"/>
           </a:solidFill>
@@ -3189,8 +3017,8 @@
           <a:cs typeface="+mn-cs"/>
         </a:defRPr>
       </a:lvl6pPr>
-      <a:lvl7pPr marL="2743200" algn="l" rtl="0" eaLnBrk="1" latinLnBrk="0" hangingPunct="1">
-        <a:defRPr kumimoji="0" kern="1200">
+      <a:lvl7pPr marL="2743200" algn="l" defTabSz="914400" rtl="0" eaLnBrk="1" latinLnBrk="0" hangingPunct="1">
+        <a:defRPr sz="1800" kern="1200">
           <a:solidFill>
             <a:schemeClr val="tx1"/>
           </a:solidFill>
@@ -3199,8 +3027,8 @@
           <a:cs typeface="+mn-cs"/>
         </a:defRPr>
       </a:lvl7pPr>
-      <a:lvl8pPr marL="3200400" algn="l" rtl="0" eaLnBrk="1" latinLnBrk="0" hangingPunct="1">
-        <a:defRPr kumimoji="0" kern="1200">
+      <a:lvl8pPr marL="3200400" algn="l" defTabSz="914400" rtl="0" eaLnBrk="1" latinLnBrk="0" hangingPunct="1">
+        <a:defRPr sz="1800" kern="1200">
           <a:solidFill>
             <a:schemeClr val="tx1"/>
           </a:solidFill>
@@ -3209,8 +3037,8 @@
           <a:cs typeface="+mn-cs"/>
         </a:defRPr>
       </a:lvl8pPr>
-      <a:lvl9pPr marL="3657600" algn="l" rtl="0" eaLnBrk="1" latinLnBrk="0" hangingPunct="1">
-        <a:defRPr kumimoji="0" kern="1200">
+      <a:lvl9pPr marL="3657600" algn="l" defTabSz="914400" rtl="0" eaLnBrk="1" latinLnBrk="0" hangingPunct="1">
+        <a:defRPr sz="1800" kern="1200">
           <a:solidFill>
             <a:schemeClr val="tx1"/>
           </a:solidFill>
@@ -3259,14 +3087,22 @@
           <a:lstStyle/>
           <a:p>
             <a:r>
-              <a:rPr lang="zh-TW" altLang="en-US" b="1" i="1" dirty="0" smtClean="0"/>
-              <a:t>如鹿切慕溪</a:t>
-            </a:r>
-            <a:r>
-              <a:rPr lang="zh-TW" altLang="en-US" b="1" i="1" dirty="0" smtClean="0"/>
-              <a:t>水</a:t>
-            </a:r>
-            <a:endParaRPr lang="en-US" b="1" i="1" dirty="0"/>
+              <a:rPr lang="zh-TW" altLang="en-US" b="1" dirty="0" smtClean="0">
+                <a:solidFill>
+                  <a:srgbClr val="000066"/>
+                </a:solidFill>
+                <a:latin typeface="微軟正黑體" pitchFamily="34" charset="-120"/>
+                <a:ea typeface="微軟正黑體" pitchFamily="34" charset="-120"/>
+              </a:rPr>
+              <a:t>如鹿切慕溪水</a:t>
+            </a:r>
+            <a:endParaRPr lang="en-US" b="1" dirty="0">
+              <a:solidFill>
+                <a:srgbClr val="000066"/>
+              </a:solidFill>
+              <a:latin typeface="微軟正黑體" pitchFamily="34" charset="-120"/>
+              <a:ea typeface="微軟正黑體" pitchFamily="34" charset="-120"/>
+            </a:endParaRPr>
           </a:p>
         </p:txBody>
       </p:sp>
@@ -3291,72 +3127,88 @@
               <a:buNone/>
             </a:pPr>
             <a:r>
-              <a:rPr lang="zh-TW" altLang="en-US" sz="5400" dirty="0" smtClean="0"/>
-              <a:t>神</a:t>
-            </a:r>
-            <a:r>
-              <a:rPr lang="zh-TW" altLang="en-US" sz="5400" dirty="0" smtClean="0"/>
-              <a:t>啊  我</a:t>
-            </a:r>
-            <a:r>
-              <a:rPr lang="zh-TW" altLang="en-US" sz="5400" dirty="0" smtClean="0"/>
-              <a:t>的心切慕</a:t>
-            </a:r>
-            <a:r>
-              <a:rPr lang="zh-TW" altLang="en-US" sz="5400" dirty="0" smtClean="0"/>
-              <a:t>你</a:t>
-            </a:r>
-            <a:endParaRPr lang="en-US" altLang="zh-TW" sz="5400" dirty="0" smtClean="0"/>
+              <a:rPr lang="zh-TW" altLang="en-US" sz="5400" b="1" dirty="0" smtClean="0">
+                <a:solidFill>
+                  <a:srgbClr val="000066"/>
+                </a:solidFill>
+                <a:latin typeface="微軟正黑體" pitchFamily="34" charset="-120"/>
+                <a:ea typeface="微軟正黑體" pitchFamily="34" charset="-120"/>
+              </a:rPr>
+              <a:t>神啊  我的心切慕你</a:t>
+            </a:r>
+            <a:endParaRPr lang="en-US" altLang="zh-TW" sz="5400" b="1" dirty="0" smtClean="0">
+              <a:solidFill>
+                <a:srgbClr val="000066"/>
+              </a:solidFill>
+              <a:latin typeface="微軟正黑體" pitchFamily="34" charset="-120"/>
+              <a:ea typeface="微軟正黑體" pitchFamily="34" charset="-120"/>
+            </a:endParaRPr>
           </a:p>
           <a:p>
             <a:pPr algn="ctr">
               <a:buNone/>
             </a:pPr>
             <a:r>
-              <a:rPr lang="zh-TW" altLang="en-US" sz="5400" dirty="0" smtClean="0"/>
-              <a:t>如</a:t>
-            </a:r>
-            <a:r>
-              <a:rPr lang="zh-TW" altLang="en-US" sz="5400" dirty="0" smtClean="0"/>
-              <a:t>鹿切慕溪</a:t>
-            </a:r>
-            <a:r>
-              <a:rPr lang="zh-TW" altLang="en-US" sz="5400" dirty="0" smtClean="0"/>
-              <a:t>水</a:t>
-            </a:r>
-            <a:endParaRPr lang="en-US" altLang="zh-TW" sz="5400" dirty="0" smtClean="0"/>
+              <a:rPr lang="zh-TW" altLang="en-US" sz="5400" b="1" dirty="0" smtClean="0">
+                <a:solidFill>
+                  <a:srgbClr val="000066"/>
+                </a:solidFill>
+                <a:latin typeface="微軟正黑體" pitchFamily="34" charset="-120"/>
+                <a:ea typeface="微軟正黑體" pitchFamily="34" charset="-120"/>
+              </a:rPr>
+              <a:t>如鹿切慕溪水</a:t>
+            </a:r>
+            <a:endParaRPr lang="en-US" altLang="zh-TW" sz="5400" b="1" dirty="0" smtClean="0">
+              <a:solidFill>
+                <a:srgbClr val="000066"/>
+              </a:solidFill>
+              <a:latin typeface="微軟正黑體" pitchFamily="34" charset="-120"/>
+              <a:ea typeface="微軟正黑體" pitchFamily="34" charset="-120"/>
+            </a:endParaRPr>
           </a:p>
           <a:p>
             <a:pPr algn="ctr">
               <a:buNone/>
             </a:pPr>
             <a:r>
-              <a:rPr lang="zh-TW" altLang="en-US" sz="5400" dirty="0" smtClean="0"/>
-              <a:t>惟</a:t>
-            </a:r>
-            <a:r>
-              <a:rPr lang="zh-TW" altLang="en-US" sz="5400" dirty="0" smtClean="0"/>
-              <a:t>有你是我心所</a:t>
-            </a:r>
-            <a:r>
-              <a:rPr lang="zh-TW" altLang="en-US" sz="5400" dirty="0" smtClean="0"/>
-              <a:t>愛</a:t>
-            </a:r>
-            <a:endParaRPr lang="en-US" altLang="zh-TW" sz="5400" dirty="0" smtClean="0"/>
+              <a:rPr lang="zh-TW" altLang="en-US" sz="5400" b="1" dirty="0" smtClean="0">
+                <a:solidFill>
+                  <a:srgbClr val="000066"/>
+                </a:solidFill>
+                <a:latin typeface="微軟正黑體" pitchFamily="34" charset="-120"/>
+                <a:ea typeface="微軟正黑體" pitchFamily="34" charset="-120"/>
+              </a:rPr>
+              <a:t>惟有你是我心所愛</a:t>
+            </a:r>
+            <a:endParaRPr lang="en-US" altLang="zh-TW" sz="5400" b="1" dirty="0" smtClean="0">
+              <a:solidFill>
+                <a:srgbClr val="000066"/>
+              </a:solidFill>
+              <a:latin typeface="微軟正黑體" pitchFamily="34" charset="-120"/>
+              <a:ea typeface="微軟正黑體" pitchFamily="34" charset="-120"/>
+            </a:endParaRPr>
           </a:p>
           <a:p>
             <a:pPr algn="ctr">
               <a:buNone/>
             </a:pPr>
             <a:r>
-              <a:rPr lang="zh-TW" altLang="en-US" sz="5400" dirty="0" smtClean="0"/>
-              <a:t>我</a:t>
-            </a:r>
-            <a:r>
-              <a:rPr lang="zh-TW" altLang="en-US" sz="5400" dirty="0" smtClean="0"/>
-              <a:t>渴慕來敬拜你</a:t>
-            </a:r>
-            <a:endParaRPr lang="en-US" sz="5400" dirty="0"/>
+              <a:rPr lang="zh-TW" altLang="en-US" sz="5400" b="1" dirty="0" smtClean="0">
+                <a:solidFill>
+                  <a:srgbClr val="000066"/>
+                </a:solidFill>
+                <a:latin typeface="微軟正黑體" pitchFamily="34" charset="-120"/>
+                <a:ea typeface="微軟正黑體" pitchFamily="34" charset="-120"/>
+              </a:rPr>
+              <a:t>我渴慕來敬拜你</a:t>
+            </a:r>
+            <a:endParaRPr lang="en-US" sz="5400" b="1" dirty="0">
+              <a:solidFill>
+                <a:srgbClr val="000066"/>
+              </a:solidFill>
+              <a:latin typeface="微軟正黑體" pitchFamily="34" charset="-120"/>
+              <a:ea typeface="微軟正黑體" pitchFamily="34" charset="-120"/>
+            </a:endParaRPr>
           </a:p>
         </p:txBody>
       </p:sp>
@@ -3403,14 +3255,22 @@
           <a:lstStyle/>
           <a:p>
             <a:r>
-              <a:rPr lang="zh-TW" altLang="en-US" b="1" i="1" dirty="0" smtClean="0"/>
-              <a:t>如鹿切慕溪</a:t>
-            </a:r>
-            <a:r>
-              <a:rPr lang="zh-TW" altLang="en-US" b="1" i="1" dirty="0" smtClean="0"/>
-              <a:t>水</a:t>
-            </a:r>
-            <a:endParaRPr lang="en-US" b="1" i="1" dirty="0"/>
+              <a:rPr lang="zh-TW" altLang="en-US" b="1" dirty="0" smtClean="0">
+                <a:solidFill>
+                  <a:srgbClr val="000066"/>
+                </a:solidFill>
+                <a:latin typeface="微軟正黑體" pitchFamily="34" charset="-120"/>
+                <a:ea typeface="微軟正黑體" pitchFamily="34" charset="-120"/>
+              </a:rPr>
+              <a:t>如鹿切慕溪水</a:t>
+            </a:r>
+            <a:endParaRPr lang="en-US" b="1" dirty="0">
+              <a:solidFill>
+                <a:srgbClr val="000066"/>
+              </a:solidFill>
+              <a:latin typeface="微軟正黑體" pitchFamily="34" charset="-120"/>
+              <a:ea typeface="微軟正黑體" pitchFamily="34" charset="-120"/>
+            </a:endParaRPr>
           </a:p>
         </p:txBody>
       </p:sp>
@@ -3435,64 +3295,88 @@
               <a:buNone/>
             </a:pPr>
             <a:r>
-              <a:rPr lang="zh-TW" altLang="en-US" sz="5400" dirty="0" smtClean="0"/>
-              <a:t>你是我的力量盾</a:t>
-            </a:r>
-            <a:r>
-              <a:rPr lang="zh-TW" altLang="en-US" sz="5400" dirty="0" smtClean="0"/>
-              <a:t>牌</a:t>
-            </a:r>
-            <a:endParaRPr lang="en-US" altLang="zh-TW" sz="5400" dirty="0" smtClean="0"/>
+              <a:rPr lang="zh-TW" altLang="en-US" sz="5400" b="1" dirty="0" smtClean="0">
+                <a:solidFill>
+                  <a:srgbClr val="000066"/>
+                </a:solidFill>
+                <a:latin typeface="微軟正黑體" pitchFamily="34" charset="-120"/>
+                <a:ea typeface="微軟正黑體" pitchFamily="34" charset="-120"/>
+              </a:rPr>
+              <a:t>你是我的力量盾牌</a:t>
+            </a:r>
+            <a:endParaRPr lang="en-US" altLang="zh-TW" sz="5400" b="1" dirty="0" smtClean="0">
+              <a:solidFill>
+                <a:srgbClr val="000066"/>
+              </a:solidFill>
+              <a:latin typeface="微軟正黑體" pitchFamily="34" charset="-120"/>
+              <a:ea typeface="微軟正黑體" pitchFamily="34" charset="-120"/>
+            </a:endParaRPr>
           </a:p>
           <a:p>
             <a:pPr algn="ctr">
               <a:buNone/>
             </a:pPr>
             <a:r>
-              <a:rPr lang="zh-TW" altLang="en-US" sz="5400" dirty="0" smtClean="0"/>
-              <a:t>我</a:t>
-            </a:r>
-            <a:r>
-              <a:rPr lang="zh-TW" altLang="en-US" sz="5400" dirty="0" smtClean="0"/>
-              <a:t>靈單單降服於</a:t>
-            </a:r>
-            <a:r>
-              <a:rPr lang="zh-TW" altLang="en-US" sz="5400" dirty="0" smtClean="0"/>
-              <a:t>你</a:t>
-            </a:r>
-            <a:endParaRPr lang="en-US" altLang="zh-TW" sz="5400" dirty="0" smtClean="0"/>
+              <a:rPr lang="zh-TW" altLang="en-US" sz="5400" b="1" dirty="0" smtClean="0">
+                <a:solidFill>
+                  <a:srgbClr val="000066"/>
+                </a:solidFill>
+                <a:latin typeface="微軟正黑體" pitchFamily="34" charset="-120"/>
+                <a:ea typeface="微軟正黑體" pitchFamily="34" charset="-120"/>
+              </a:rPr>
+              <a:t>我靈單單降服於你</a:t>
+            </a:r>
+            <a:endParaRPr lang="en-US" altLang="zh-TW" sz="5400" b="1" dirty="0" smtClean="0">
+              <a:solidFill>
+                <a:srgbClr val="000066"/>
+              </a:solidFill>
+              <a:latin typeface="微軟正黑體" pitchFamily="34" charset="-120"/>
+              <a:ea typeface="微軟正黑體" pitchFamily="34" charset="-120"/>
+            </a:endParaRPr>
           </a:p>
           <a:p>
             <a:pPr algn="ctr">
               <a:buNone/>
             </a:pPr>
             <a:r>
-              <a:rPr lang="zh-TW" altLang="en-US" sz="5400" dirty="0" smtClean="0"/>
-              <a:t>惟</a:t>
-            </a:r>
-            <a:r>
-              <a:rPr lang="zh-TW" altLang="en-US" sz="5400" dirty="0" smtClean="0"/>
-              <a:t>有你是我心所</a:t>
-            </a:r>
-            <a:r>
-              <a:rPr lang="zh-TW" altLang="en-US" sz="5400" dirty="0" smtClean="0"/>
-              <a:t>愛</a:t>
-            </a:r>
-            <a:endParaRPr lang="en-US" altLang="zh-TW" sz="5400" dirty="0" smtClean="0"/>
+              <a:rPr lang="zh-TW" altLang="en-US" sz="5400" b="1" dirty="0" smtClean="0">
+                <a:solidFill>
+                  <a:srgbClr val="000066"/>
+                </a:solidFill>
+                <a:latin typeface="微軟正黑體" pitchFamily="34" charset="-120"/>
+                <a:ea typeface="微軟正黑體" pitchFamily="34" charset="-120"/>
+              </a:rPr>
+              <a:t>惟有你是我心所愛</a:t>
+            </a:r>
+            <a:endParaRPr lang="en-US" altLang="zh-TW" sz="5400" b="1" dirty="0" smtClean="0">
+              <a:solidFill>
+                <a:srgbClr val="000066"/>
+              </a:solidFill>
+              <a:latin typeface="微軟正黑體" pitchFamily="34" charset="-120"/>
+              <a:ea typeface="微軟正黑體" pitchFamily="34" charset="-120"/>
+            </a:endParaRPr>
           </a:p>
           <a:p>
             <a:pPr algn="ctr">
               <a:buNone/>
             </a:pPr>
             <a:r>
-              <a:rPr lang="zh-TW" altLang="en-US" sz="5400" dirty="0" smtClean="0"/>
-              <a:t>我</a:t>
-            </a:r>
-            <a:r>
-              <a:rPr lang="zh-TW" altLang="en-US" sz="5400" dirty="0" smtClean="0"/>
-              <a:t>渴慕來敬拜你</a:t>
-            </a:r>
-            <a:endParaRPr lang="en-US" sz="5400" dirty="0"/>
+              <a:rPr lang="zh-TW" altLang="en-US" sz="5400" b="1" dirty="0" smtClean="0">
+                <a:solidFill>
+                  <a:srgbClr val="000066"/>
+                </a:solidFill>
+                <a:latin typeface="微軟正黑體" pitchFamily="34" charset="-120"/>
+                <a:ea typeface="微軟正黑體" pitchFamily="34" charset="-120"/>
+              </a:rPr>
+              <a:t>我渴慕來敬拜你</a:t>
+            </a:r>
+            <a:endParaRPr lang="en-US" sz="5400" b="1" dirty="0">
+              <a:solidFill>
+                <a:srgbClr val="000066"/>
+              </a:solidFill>
+              <a:latin typeface="微軟正黑體" pitchFamily="34" charset="-120"/>
+              <a:ea typeface="微軟正黑體" pitchFamily="34" charset="-120"/>
+            </a:endParaRPr>
           </a:p>
         </p:txBody>
       </p:sp>
@@ -3505,9 +3389,9 @@
 </file>
 
 <file path=ppt/theme/theme1.xml><?xml version="1.0" encoding="utf-8"?>
-<a:theme xmlns:a="http://schemas.openxmlformats.org/drawingml/2006/main" name="Trek">
+<a:theme xmlns:a="http://schemas.openxmlformats.org/drawingml/2006/main" name="佈景主題1">
   <a:themeElements>
-    <a:clrScheme name="Trek">
+    <a:clrScheme name="Office">
       <a:dk1>
         <a:sysClr val="windowText" lastClr="000000"/>
       </a:dk1>
@@ -3515,48 +3399,82 @@
         <a:sysClr val="window" lastClr="FFFFFF"/>
       </a:lt1>
       <a:dk2>
-        <a:srgbClr val="4E3B30"/>
+        <a:srgbClr val="1F497D"/>
       </a:dk2>
       <a:lt2>
-        <a:srgbClr val="FBEEC9"/>
+        <a:srgbClr val="EEECE1"/>
       </a:lt2>
       <a:accent1>
-        <a:srgbClr val="F0A22E"/>
+        <a:srgbClr val="4F81BD"/>
       </a:accent1>
       <a:accent2>
-        <a:srgbClr val="A5644E"/>
+        <a:srgbClr val="C0504D"/>
       </a:accent2>
       <a:accent3>
-        <a:srgbClr val="B58B80"/>
+        <a:srgbClr val="9BBB59"/>
       </a:accent3>
       <a:accent4>
-        <a:srgbClr val="C3986D"/>
+        <a:srgbClr val="8064A2"/>
       </a:accent4>
       <a:accent5>
-        <a:srgbClr val="A19574"/>
+        <a:srgbClr val="4BACC6"/>
       </a:accent5>
       <a:accent6>
-        <a:srgbClr val="C17529"/>
+        <a:srgbClr val="F79646"/>
       </a:accent6>
       <a:hlink>
-        <a:srgbClr val="AD1F1F"/>
+        <a:srgbClr val="0000FF"/>
       </a:hlink>
       <a:folHlink>
-        <a:srgbClr val="FFC42F"/>
+        <a:srgbClr val="800080"/>
       </a:folHlink>
     </a:clrScheme>
-    <a:fontScheme name="Trek">
+    <a:fontScheme name="Office">
       <a:majorFont>
-        <a:latin typeface="Franklin Gothic Medium"/>
+        <a:latin typeface="Calibri"/>
         <a:ea typeface=""/>
         <a:cs typeface=""/>
-        <a:font script="Jpan" typeface="HG創英角ｺﾞｼｯｸUB"/>
-        <a:font script="Hang" typeface="돋움"/>
-        <a:font script="Hans" typeface="隶书"/>
-        <a:font script="Hant" typeface="微軟正黑體"/>
-        <a:font script="Arab" typeface="Tahoma"/>
-        <a:font script="Hebr" typeface="Aharoni"/>
-        <a:font script="Thai" typeface="LilyUPC"/>
+        <a:font script="Jpan" typeface="ＭＳ Ｐゴシック"/>
+        <a:font script="Hang" typeface="맑은 고딕"/>
+        <a:font script="Hans" typeface="宋体"/>
+        <a:font script="Hant" typeface="新細明體"/>
+        <a:font script="Arab" typeface="Times New Roman"/>
+        <a:font script="Hebr" typeface="Times New Roman"/>
+        <a:font script="Thai" typeface="Angsana New"/>
+        <a:font script="Ethi" typeface="Nyala"/>
+        <a:font script="Beng" typeface="Vrinda"/>
+        <a:font script="Gujr" typeface="Shruti"/>
+        <a:font script="Khmr" typeface="MoolBoran"/>
+        <a:font script="Knda" typeface="Tunga"/>
+        <a:font script="Guru" typeface="Raavi"/>
+        <a:font script="Cans" typeface="Euphemia"/>
+        <a:font script="Cher" typeface="Plantagenet Cherokee"/>
+        <a:font script="Yiii" typeface="Microsoft Yi Baiti"/>
+        <a:font script="Tibt" typeface="Microsoft Himalaya"/>
+        <a:font script="Thaa" typeface="MV Boli"/>
+        <a:font script="Deva" typeface="Mangal"/>
+        <a:font script="Telu" typeface="Gautami"/>
+        <a:font script="Taml" typeface="Latha"/>
+        <a:font script="Syrc" typeface="Estrangelo Edessa"/>
+        <a:font script="Orya" typeface="Kalinga"/>
+        <a:font script="Mlym" typeface="Kartika"/>
+        <a:font script="Laoo" typeface="DokChampa"/>
+        <a:font script="Sinh" typeface="Iskoola Pota"/>
+        <a:font script="Mong" typeface="Mongolian Baiti"/>
+        <a:font script="Viet" typeface="Times New Roman"/>
+        <a:font script="Uigh" typeface="Microsoft Uighur"/>
+      </a:majorFont>
+      <a:minorFont>
+        <a:latin typeface="Calibri"/>
+        <a:ea typeface=""/>
+        <a:cs typeface=""/>
+        <a:font script="Jpan" typeface="ＭＳ Ｐゴシック"/>
+        <a:font script="Hang" typeface="맑은 고딕"/>
+        <a:font script="Hans" typeface="宋体"/>
+        <a:font script="Hant" typeface="新細明體"/>
+        <a:font script="Arab" typeface="Arial"/>
+        <a:font script="Hebr" typeface="Arial"/>
+        <a:font script="Thai" typeface="Cordia New"/>
         <a:font script="Ethi" typeface="Nyala"/>
         <a:font script="Beng" typeface="Vrinda"/>
         <a:font script="Gujr" typeface="Shruti"/>
@@ -3579,43 +3497,9 @@
         <a:font script="Mong" typeface="Mongolian Baiti"/>
         <a:font script="Viet" typeface="Arial"/>
         <a:font script="Uigh" typeface="Microsoft Uighur"/>
-      </a:majorFont>
-      <a:minorFont>
-        <a:latin typeface="Franklin Gothic Book"/>
-        <a:ea typeface=""/>
-        <a:cs typeface=""/>
-        <a:font script="Jpan" typeface="HGｺﾞｼｯｸE"/>
-        <a:font script="Hang" typeface="돋움"/>
-        <a:font script="Hans" typeface="华文楷体"/>
-        <a:font script="Hant" typeface="微軟正黑體"/>
-        <a:font script="Arab" typeface="Tahoma"/>
-        <a:font script="Hebr" typeface="Aharoni"/>
-        <a:font script="Thai" typeface="LilyUPC"/>
-        <a:font script="Ethi" typeface="Nyala"/>
-        <a:font script="Beng" typeface="Vrinda"/>
-        <a:font script="Gujr" typeface="Shruti"/>
-        <a:font script="Khmr" typeface="DaunPenh"/>
-        <a:font script="Knda" typeface="Tunga"/>
-        <a:font script="Guru" typeface="Raavi"/>
-        <a:font script="Cans" typeface="Euphemia"/>
-        <a:font script="Cher" typeface="Plantagenet Cherokee"/>
-        <a:font script="Yiii" typeface="Microsoft Yi Baiti"/>
-        <a:font script="Tibt" typeface="Microsoft Himalaya"/>
-        <a:font script="Thaa" typeface="MV Boli"/>
-        <a:font script="Deva" typeface="Mangal"/>
-        <a:font script="Telu" typeface="Gautami"/>
-        <a:font script="Taml" typeface="Latha"/>
-        <a:font script="Syrc" typeface="Estrangelo Edessa"/>
-        <a:font script="Orya" typeface="Kalinga"/>
-        <a:font script="Mlym" typeface="Kartika"/>
-        <a:font script="Laoo" typeface="DokChampa"/>
-        <a:font script="Sinh" typeface="Iskoola Pota"/>
-        <a:font script="Mong" typeface="Mongolian Baiti"/>
-        <a:font script="Viet" typeface="Tahoma"/>
-        <a:font script="Uigh" typeface="Microsoft Uighur"/>
       </a:minorFont>
     </a:fontScheme>
-    <a:fmtScheme name="Trek">
+    <a:fmtScheme name="Office">
       <a:fillStyleLst>
         <a:solidFill>
           <a:schemeClr val="phClr"/>
@@ -3624,77 +3508,56 @@
           <a:gsLst>
             <a:gs pos="0">
               <a:schemeClr val="phClr">
-                <a:tint val="30000"/>
-                <a:satMod val="250000"/>
+                <a:tint val="50000"/>
+                <a:satMod val="300000"/>
               </a:schemeClr>
             </a:gs>
-            <a:gs pos="72000">
+            <a:gs pos="35000">
               <a:schemeClr val="phClr">
-                <a:tint val="75000"/>
-                <a:satMod val="210000"/>
+                <a:tint val="37000"/>
+                <a:satMod val="300000"/>
               </a:schemeClr>
             </a:gs>
             <a:gs pos="100000">
               <a:schemeClr val="phClr">
-                <a:tint val="85000"/>
-                <a:satMod val="210000"/>
+                <a:tint val="15000"/>
+                <a:satMod val="350000"/>
               </a:schemeClr>
             </a:gs>
           </a:gsLst>
-          <a:lin ang="5400000" scaled="1"/>
+          <a:lin ang="16200000" scaled="1"/>
         </a:gradFill>
         <a:gradFill rotWithShape="1">
           <a:gsLst>
             <a:gs pos="0">
               <a:schemeClr val="phClr">
-                <a:tint val="75000"/>
-                <a:shade val="85000"/>
-                <a:satMod val="230000"/>
-              </a:schemeClr>
-            </a:gs>
-            <a:gs pos="25000">
-              <a:schemeClr val="phClr">
-                <a:tint val="90000"/>
-                <a:shade val="70000"/>
-                <a:satMod val="220000"/>
-              </a:schemeClr>
-            </a:gs>
-            <a:gs pos="50000">
-              <a:schemeClr val="phClr">
-                <a:tint val="90000"/>
-                <a:shade val="58000"/>
-                <a:satMod val="225000"/>
-              </a:schemeClr>
-            </a:gs>
-            <a:gs pos="65000">
-              <a:schemeClr val="phClr">
-                <a:tint val="90000"/>
-                <a:shade val="58000"/>
-                <a:satMod val="225000"/>
+                <a:shade val="51000"/>
+                <a:satMod val="130000"/>
               </a:schemeClr>
             </a:gs>
             <a:gs pos="80000">
               <a:schemeClr val="phClr">
-                <a:tint val="90000"/>
-                <a:shade val="69000"/>
-                <a:satMod val="220000"/>
+                <a:shade val="93000"/>
+                <a:satMod val="130000"/>
               </a:schemeClr>
             </a:gs>
             <a:gs pos="100000">
               <a:schemeClr val="phClr">
-                <a:tint val="77000"/>
-                <a:shade val="80000"/>
-                <a:satMod val="230000"/>
+                <a:shade val="94000"/>
+                <a:satMod val="135000"/>
               </a:schemeClr>
             </a:gs>
           </a:gsLst>
-          <a:lin ang="5400000" scaled="1"/>
+          <a:lin ang="16200000" scaled="0"/>
         </a:gradFill>
       </a:fillStyleLst>
       <a:lnStyleLst>
-        <a:ln w="10000" cap="flat" cmpd="sng" algn="ctr">
+        <a:ln w="9525" cap="flat" cmpd="sng" algn="ctr">
           <a:solidFill>
-            <a:schemeClr val="phClr"/>
+            <a:schemeClr val="phClr">
+              <a:shade val="95000"/>
+              <a:satMod val="105000"/>
+            </a:schemeClr>
           </a:solidFill>
           <a:prstDash val="solid"/>
         </a:ln>
@@ -3714,18 +3577,27 @@
       <a:effectStyleLst>
         <a:effectStyle>
           <a:effectLst>
-            <a:outerShdw blurRad="76200" dist="50800" dir="5400000" rotWithShape="0">
-              <a:srgbClr val="4E3B30">
-                <a:alpha val="60000"/>
+            <a:outerShdw blurRad="40000" dist="20000" dir="5400000" rotWithShape="0">
+              <a:srgbClr val="000000">
+                <a:alpha val="38000"/>
               </a:srgbClr>
             </a:outerShdw>
           </a:effectLst>
         </a:effectStyle>
         <a:effectStyle>
           <a:effectLst>
-            <a:outerShdw blurRad="76200" dist="50800" dir="5400000" rotWithShape="0">
-              <a:srgbClr val="4E3B30">
-                <a:alpha val="60000"/>
+            <a:outerShdw blurRad="40000" dist="23000" dir="5400000" rotWithShape="0">
+              <a:srgbClr val="000000">
+                <a:alpha val="35000"/>
+              </a:srgbClr>
+            </a:outerShdw>
+          </a:effectLst>
+        </a:effectStyle>
+        <a:effectStyle>
+          <a:effectLst>
+            <a:outerShdw blurRad="40000" dist="23000" dir="5400000" rotWithShape="0">
+              <a:srgbClr val="000000">
+                <a:alpha val="35000"/>
               </a:srgbClr>
             </a:outerShdw>
           </a:effectLst>
@@ -3733,38 +3605,12 @@
             <a:camera prst="orthographicFront">
               <a:rot lat="0" lon="0" rev="0"/>
             </a:camera>
-            <a:lightRig rig="threePt" dir="tl">
-              <a:rot lat="0" lon="0" rev="0"/>
+            <a:lightRig rig="threePt" dir="t">
+              <a:rot lat="0" lon="0" rev="1200000"/>
             </a:lightRig>
           </a:scene3d>
-          <a:sp3d prstMaterial="metal">
-            <a:bevelT w="10000" h="10000"/>
-          </a:sp3d>
-        </a:effectStyle>
-        <a:effectStyle>
-          <a:effectLst>
-            <a:outerShdw blurRad="76200" dist="50800" dir="5400000" rotWithShape="0">
-              <a:srgbClr val="4E3B30">
-                <a:alpha val="60000"/>
-              </a:srgbClr>
-            </a:outerShdw>
-          </a:effectLst>
-          <a:scene3d>
-            <a:camera prst="obliqueTopLeft" fov="600000">
-              <a:rot lat="0" lon="0" rev="0"/>
-            </a:camera>
-            <a:lightRig rig="balanced" dir="t">
-              <a:rot lat="0" lon="0" rev="19200000"/>
-            </a:lightRig>
-          </a:scene3d>
-          <a:sp3d contourW="12700" prstMaterial="matte">
-            <a:bevelT w="60000" h="50800"/>
-            <a:contourClr>
-              <a:schemeClr val="phClr">
-                <a:shade val="60000"/>
-                <a:satMod val="110000"/>
-              </a:schemeClr>
-            </a:contourClr>
+          <a:sp3d>
+            <a:bevelT w="63500" h="25400"/>
           </a:sp3d>
         </a:effectStyle>
       </a:effectStyleLst>
@@ -3772,38 +3618,51 @@
         <a:solidFill>
           <a:schemeClr val="phClr"/>
         </a:solidFill>
-        <a:blipFill>
-          <a:blip xmlns:r="http://schemas.openxmlformats.org/officeDocument/2006/relationships" r:embed="rId1">
-            <a:duotone>
+        <a:gradFill rotWithShape="1">
+          <a:gsLst>
+            <a:gs pos="0">
               <a:schemeClr val="phClr">
-                <a:shade val="90000"/>
-                <a:satMod val="150000"/>
+                <a:tint val="40000"/>
+                <a:satMod val="350000"/>
               </a:schemeClr>
+            </a:gs>
+            <a:gs pos="40000">
               <a:schemeClr val="phClr">
-                <a:tint val="88000"/>
-                <a:satMod val="105000"/>
+                <a:tint val="45000"/>
+                <a:shade val="99000"/>
+                <a:satMod val="350000"/>
               </a:schemeClr>
-            </a:duotone>
-          </a:blip>
-          <a:tile tx="0" ty="0" sx="95000" sy="95000" flip="none" algn="t"/>
-        </a:blipFill>
-        <a:blipFill>
-          <a:blip xmlns:r="http://schemas.openxmlformats.org/officeDocument/2006/relationships" r:embed="rId2">
-            <a:duotone>
+            </a:gs>
+            <a:gs pos="100000">
+              <a:schemeClr val="phClr">
+                <a:shade val="20000"/>
+                <a:satMod val="255000"/>
+              </a:schemeClr>
+            </a:gs>
+          </a:gsLst>
+          <a:path path="circle">
+            <a:fillToRect l="50000" t="-80000" r="50000" b="180000"/>
+          </a:path>
+        </a:gradFill>
+        <a:gradFill rotWithShape="1">
+          <a:gsLst>
+            <a:gs pos="0">
+              <a:schemeClr val="phClr">
+                <a:tint val="80000"/>
+                <a:satMod val="300000"/>
+              </a:schemeClr>
+            </a:gs>
+            <a:gs pos="100000">
               <a:schemeClr val="phClr">
                 <a:shade val="30000"/>
-                <a:satMod val="455000"/>
+                <a:satMod val="200000"/>
               </a:schemeClr>
-              <a:schemeClr val="phClr">
-                <a:tint val="95000"/>
-                <a:satMod val="120000"/>
-              </a:schemeClr>
-            </a:duotone>
-          </a:blip>
-          <a:stretch>
-            <a:fillRect/>
-          </a:stretch>
-        </a:blipFill>
+            </a:gs>
+          </a:gsLst>
+          <a:path path="circle">
+            <a:fillToRect l="50000" t="50000" r="50000" b="50000"/>
+          </a:path>
+        </a:gradFill>
       </a:bgFillStyleLst>
     </a:fmtScheme>
   </a:themeElements>

--- a/如鹿切慕溪水.pptx
+++ b/如鹿切慕溪水.pptx
@@ -8,7 +8,7 @@
     <p:sldId id="256" r:id="rId2"/>
     <p:sldId id="257" r:id="rId3"/>
   </p:sldIdLst>
-  <p:sldSz cx="9144000" cy="6858000" type="screen4x3"/>
+  <p:sldSz cx="12192000" cy="6858000"/>
   <p:notesSz cx="6858000" cy="9144000"/>
   <p:defaultTextStyle>
     <a:defPPr>
@@ -105,6 +105,22 @@
       </a:defRPr>
     </a:lvl9pPr>
   </p:defaultTextStyle>
+  <p:extLst>
+    <p:ext uri="{EFAFB233-063F-42B5-8137-9DF3F51BA10A}">
+      <p15:sldGuideLst xmlns:p15="http://schemas.microsoft.com/office/powerpoint/2012/main">
+        <p15:guide id="1" orient="horz" pos="2160" userDrawn="1">
+          <p15:clr>
+            <a:srgbClr val="A4A3A4"/>
+          </p15:clr>
+        </p15:guide>
+        <p15:guide id="2" pos="3840" userDrawn="1">
+          <p15:clr>
+            <a:srgbClr val="A4A3A4"/>
+          </p15:clr>
+        </p15:guide>
+      </p15:sldGuideLst>
+    </p:ext>
+  </p:extLst>
 </p:presentation>
 </file>
 
@@ -137,8 +153,8 @@
         </p:nvSpPr>
         <p:spPr>
           <a:xfrm>
-            <a:off x="685800" y="2130425"/>
-            <a:ext cx="7772400" cy="1470025"/>
+            <a:off x="914400" y="2130426"/>
+            <a:ext cx="10363200" cy="1470025"/>
           </a:xfrm>
         </p:spPr>
         <p:txBody>
@@ -165,8 +181,8 @@
         </p:nvSpPr>
         <p:spPr>
           <a:xfrm>
-            <a:off x="1371600" y="3886200"/>
-            <a:ext cx="6400800" cy="1752600"/>
+            <a:off x="1828800" y="3886200"/>
+            <a:ext cx="8534400" cy="1752600"/>
           </a:xfrm>
         </p:spPr>
         <p:txBody>
@@ -290,7 +306,7 @@
             <a:fld id="{ECFD77D2-E44B-4CDA-8450-5F45A2DF05FB}" type="datetimeFigureOut">
               <a:rPr lang="en-US" smtClean="0"/>
               <a:pPr/>
-              <a:t>1/12/2019</a:t>
+              <a:t>11/16/2019</a:t>
             </a:fld>
             <a:endParaRPr lang="en-US"/>
           </a:p>
@@ -457,7 +473,7 @@
             <a:fld id="{ECFD77D2-E44B-4CDA-8450-5F45A2DF05FB}" type="datetimeFigureOut">
               <a:rPr lang="en-US" smtClean="0"/>
               <a:pPr/>
-              <a:t>1/12/2019</a:t>
+              <a:t>11/16/2019</a:t>
             </a:fld>
             <a:endParaRPr lang="en-US"/>
           </a:p>
@@ -543,8 +559,8 @@
         </p:nvSpPr>
         <p:spPr>
           <a:xfrm>
-            <a:off x="6629400" y="274638"/>
-            <a:ext cx="2057400" cy="5851525"/>
+            <a:off x="8839200" y="274639"/>
+            <a:ext cx="2743200" cy="5851525"/>
           </a:xfrm>
         </p:spPr>
         <p:txBody>
@@ -571,8 +587,8 @@
         </p:nvSpPr>
         <p:spPr>
           <a:xfrm>
-            <a:off x="457200" y="274638"/>
-            <a:ext cx="6019800" cy="5851525"/>
+            <a:off x="609600" y="274639"/>
+            <a:ext cx="8026400" cy="5851525"/>
           </a:xfrm>
         </p:spPr>
         <p:txBody>
@@ -634,7 +650,7 @@
             <a:fld id="{ECFD77D2-E44B-4CDA-8450-5F45A2DF05FB}" type="datetimeFigureOut">
               <a:rPr lang="en-US" smtClean="0"/>
               <a:pPr/>
-              <a:t>1/12/2019</a:t>
+              <a:t>11/16/2019</a:t>
             </a:fld>
             <a:endParaRPr lang="en-US"/>
           </a:p>
@@ -801,7 +817,7 @@
             <a:fld id="{ECFD77D2-E44B-4CDA-8450-5F45A2DF05FB}" type="datetimeFigureOut">
               <a:rPr lang="en-US" smtClean="0"/>
               <a:pPr/>
-              <a:t>1/12/2019</a:t>
+              <a:t>11/16/2019</a:t>
             </a:fld>
             <a:endParaRPr lang="en-US"/>
           </a:p>
@@ -887,8 +903,8 @@
         </p:nvSpPr>
         <p:spPr>
           <a:xfrm>
-            <a:off x="722313" y="4406900"/>
-            <a:ext cx="7772400" cy="1362075"/>
+            <a:off x="963084" y="4406901"/>
+            <a:ext cx="10363200" cy="1362075"/>
           </a:xfrm>
         </p:spPr>
         <p:txBody>
@@ -919,8 +935,8 @@
         </p:nvSpPr>
         <p:spPr>
           <a:xfrm>
-            <a:off x="722313" y="2906713"/>
-            <a:ext cx="7772400" cy="1500187"/>
+            <a:off x="963084" y="2906713"/>
+            <a:ext cx="10363200" cy="1500187"/>
           </a:xfrm>
         </p:spPr>
         <p:txBody>
@@ -1044,7 +1060,7 @@
             <a:fld id="{ECFD77D2-E44B-4CDA-8450-5F45A2DF05FB}" type="datetimeFigureOut">
               <a:rPr lang="en-US" smtClean="0"/>
               <a:pPr/>
-              <a:t>1/12/2019</a:t>
+              <a:t>11/16/2019</a:t>
             </a:fld>
             <a:endParaRPr lang="en-US"/>
           </a:p>
@@ -1153,8 +1169,8 @@
         </p:nvSpPr>
         <p:spPr>
           <a:xfrm>
-            <a:off x="457200" y="1600200"/>
-            <a:ext cx="4038600" cy="4525963"/>
+            <a:off x="609600" y="1600201"/>
+            <a:ext cx="5384800" cy="4525963"/>
           </a:xfrm>
         </p:spPr>
         <p:txBody>
@@ -1238,8 +1254,8 @@
         </p:nvSpPr>
         <p:spPr>
           <a:xfrm>
-            <a:off x="4648200" y="1600200"/>
-            <a:ext cx="4038600" cy="4525963"/>
+            <a:off x="6197600" y="1600201"/>
+            <a:ext cx="5384800" cy="4525963"/>
           </a:xfrm>
         </p:spPr>
         <p:txBody>
@@ -1329,7 +1345,7 @@
             <a:fld id="{ECFD77D2-E44B-4CDA-8450-5F45A2DF05FB}" type="datetimeFigureOut">
               <a:rPr lang="en-US" smtClean="0"/>
               <a:pPr/>
-              <a:t>1/12/2019</a:t>
+              <a:t>11/16/2019</a:t>
             </a:fld>
             <a:endParaRPr lang="en-US"/>
           </a:p>
@@ -1442,8 +1458,8 @@
         </p:nvSpPr>
         <p:spPr>
           <a:xfrm>
-            <a:off x="457200" y="1535113"/>
-            <a:ext cx="4040188" cy="639762"/>
+            <a:off x="609600" y="1535113"/>
+            <a:ext cx="5386917" cy="639762"/>
           </a:xfrm>
         </p:spPr>
         <p:txBody>
@@ -1507,8 +1523,8 @@
         </p:nvSpPr>
         <p:spPr>
           <a:xfrm>
-            <a:off x="457200" y="2174875"/>
-            <a:ext cx="4040188" cy="3951288"/>
+            <a:off x="609600" y="2174875"/>
+            <a:ext cx="5386917" cy="3951288"/>
           </a:xfrm>
         </p:spPr>
         <p:txBody>
@@ -1592,8 +1608,8 @@
         </p:nvSpPr>
         <p:spPr>
           <a:xfrm>
-            <a:off x="4645025" y="1535113"/>
-            <a:ext cx="4041775" cy="639762"/>
+            <a:off x="6193368" y="1535113"/>
+            <a:ext cx="5389033" cy="639762"/>
           </a:xfrm>
         </p:spPr>
         <p:txBody>
@@ -1657,8 +1673,8 @@
         </p:nvSpPr>
         <p:spPr>
           <a:xfrm>
-            <a:off x="4645025" y="2174875"/>
-            <a:ext cx="4041775" cy="3951288"/>
+            <a:off x="6193368" y="2174875"/>
+            <a:ext cx="5389033" cy="3951288"/>
           </a:xfrm>
         </p:spPr>
         <p:txBody>
@@ -1748,7 +1764,7 @@
             <a:fld id="{ECFD77D2-E44B-4CDA-8450-5F45A2DF05FB}" type="datetimeFigureOut">
               <a:rPr lang="en-US" smtClean="0"/>
               <a:pPr/>
-              <a:t>1/12/2019</a:t>
+              <a:t>11/16/2019</a:t>
             </a:fld>
             <a:endParaRPr lang="en-US"/>
           </a:p>
@@ -1863,7 +1879,7 @@
             <a:fld id="{ECFD77D2-E44B-4CDA-8450-5F45A2DF05FB}" type="datetimeFigureOut">
               <a:rPr lang="en-US" smtClean="0"/>
               <a:pPr/>
-              <a:t>1/12/2019</a:t>
+              <a:t>11/16/2019</a:t>
             </a:fld>
             <a:endParaRPr lang="en-US"/>
           </a:p>
@@ -1955,7 +1971,7 @@
             <a:fld id="{ECFD77D2-E44B-4CDA-8450-5F45A2DF05FB}" type="datetimeFigureOut">
               <a:rPr lang="en-US" smtClean="0"/>
               <a:pPr/>
-              <a:t>1/12/2019</a:t>
+              <a:t>11/16/2019</a:t>
             </a:fld>
             <a:endParaRPr lang="en-US"/>
           </a:p>
@@ -2041,8 +2057,8 @@
         </p:nvSpPr>
         <p:spPr>
           <a:xfrm>
-            <a:off x="457200" y="273050"/>
-            <a:ext cx="3008313" cy="1162050"/>
+            <a:off x="609601" y="273050"/>
+            <a:ext cx="4011084" cy="1162050"/>
           </a:xfrm>
         </p:spPr>
         <p:txBody>
@@ -2073,8 +2089,8 @@
         </p:nvSpPr>
         <p:spPr>
           <a:xfrm>
-            <a:off x="3575050" y="273050"/>
-            <a:ext cx="5111750" cy="5853113"/>
+            <a:off x="4766733" y="273051"/>
+            <a:ext cx="6815667" cy="5853113"/>
           </a:xfrm>
         </p:spPr>
         <p:txBody>
@@ -2158,8 +2174,8 @@
         </p:nvSpPr>
         <p:spPr>
           <a:xfrm>
-            <a:off x="457200" y="1435100"/>
-            <a:ext cx="3008313" cy="4691063"/>
+            <a:off x="609601" y="1435101"/>
+            <a:ext cx="4011084" cy="4691063"/>
           </a:xfrm>
         </p:spPr>
         <p:txBody>
@@ -2229,7 +2245,7 @@
             <a:fld id="{ECFD77D2-E44B-4CDA-8450-5F45A2DF05FB}" type="datetimeFigureOut">
               <a:rPr lang="en-US" smtClean="0"/>
               <a:pPr/>
-              <a:t>1/12/2019</a:t>
+              <a:t>11/16/2019</a:t>
             </a:fld>
             <a:endParaRPr lang="en-US"/>
           </a:p>
@@ -2315,8 +2331,8 @@
         </p:nvSpPr>
         <p:spPr>
           <a:xfrm>
-            <a:off x="1792288" y="4800600"/>
-            <a:ext cx="5486400" cy="566738"/>
+            <a:off x="2389717" y="4800600"/>
+            <a:ext cx="7315200" cy="566738"/>
           </a:xfrm>
         </p:spPr>
         <p:txBody>
@@ -2347,8 +2363,8 @@
         </p:nvSpPr>
         <p:spPr>
           <a:xfrm>
-            <a:off x="1792288" y="612775"/>
-            <a:ext cx="5486400" cy="4114800"/>
+            <a:off x="2389717" y="612775"/>
+            <a:ext cx="7315200" cy="4114800"/>
           </a:xfrm>
         </p:spPr>
         <p:txBody>
@@ -2412,8 +2428,8 @@
         </p:nvSpPr>
         <p:spPr>
           <a:xfrm>
-            <a:off x="1792288" y="5367338"/>
-            <a:ext cx="5486400" cy="804862"/>
+            <a:off x="2389717" y="5367338"/>
+            <a:ext cx="7315200" cy="804862"/>
           </a:xfrm>
         </p:spPr>
         <p:txBody>
@@ -2483,7 +2499,7 @@
             <a:fld id="{ECFD77D2-E44B-4CDA-8450-5F45A2DF05FB}" type="datetimeFigureOut">
               <a:rPr lang="en-US" smtClean="0"/>
               <a:pPr/>
-              <a:t>1/12/2019</a:t>
+              <a:t>11/16/2019</a:t>
             </a:fld>
             <a:endParaRPr lang="en-US"/>
           </a:p>
@@ -2579,8 +2595,8 @@
         </p:nvSpPr>
         <p:spPr>
           <a:xfrm>
-            <a:off x="457200" y="274638"/>
-            <a:ext cx="8229600" cy="1143000"/>
+            <a:off x="609600" y="274638"/>
+            <a:ext cx="10972800" cy="1143000"/>
           </a:xfrm>
           <a:prstGeom prst="rect">
             <a:avLst/>
@@ -2612,8 +2628,8 @@
         </p:nvSpPr>
         <p:spPr>
           <a:xfrm>
-            <a:off x="457200" y="1600200"/>
-            <a:ext cx="8229600" cy="4525963"/>
+            <a:off x="609600" y="1600201"/>
+            <a:ext cx="10972800" cy="4525963"/>
           </a:xfrm>
           <a:prstGeom prst="rect">
             <a:avLst/>
@@ -2674,8 +2690,8 @@
         </p:nvSpPr>
         <p:spPr>
           <a:xfrm>
-            <a:off x="457200" y="6356350"/>
-            <a:ext cx="2133600" cy="365125"/>
+            <a:off x="609600" y="6356351"/>
+            <a:ext cx="2844800" cy="365125"/>
           </a:xfrm>
           <a:prstGeom prst="rect">
             <a:avLst/>
@@ -2698,7 +2714,7 @@
             <a:fld id="{ECFD77D2-E44B-4CDA-8450-5F45A2DF05FB}" type="datetimeFigureOut">
               <a:rPr lang="en-US" smtClean="0"/>
               <a:pPr/>
-              <a:t>1/12/2019</a:t>
+              <a:t>11/16/2019</a:t>
             </a:fld>
             <a:endParaRPr lang="en-US"/>
           </a:p>
@@ -2716,8 +2732,8 @@
         </p:nvSpPr>
         <p:spPr>
           <a:xfrm>
-            <a:off x="3124200" y="6356350"/>
-            <a:ext cx="2895600" cy="365125"/>
+            <a:off x="4165600" y="6356351"/>
+            <a:ext cx="3860800" cy="365125"/>
           </a:xfrm>
           <a:prstGeom prst="rect">
             <a:avLst/>
@@ -2753,8 +2769,8 @@
         </p:nvSpPr>
         <p:spPr>
           <a:xfrm>
-            <a:off x="6553200" y="6356350"/>
-            <a:ext cx="2133600" cy="365125"/>
+            <a:off x="8737600" y="6356351"/>
+            <a:ext cx="2844800" cy="365125"/>
           </a:xfrm>
           <a:prstGeom prst="rect">
             <a:avLst/>
@@ -3127,7 +3143,7 @@
               <a:buNone/>
             </a:pPr>
             <a:r>
-              <a:rPr lang="zh-TW" altLang="en-US" sz="5400" b="1" dirty="0" smtClean="0">
+              <a:rPr lang="zh-TW" altLang="en-US" sz="5400" b="1" dirty="0">
                 <a:solidFill>
                   <a:srgbClr val="000066"/>
                 </a:solidFill>
@@ -3136,7 +3152,7 @@
               </a:rPr>
               <a:t>神啊  我的心切慕你</a:t>
             </a:r>
-            <a:endParaRPr lang="en-US" altLang="zh-TW" sz="5400" b="1" dirty="0" smtClean="0">
+            <a:endParaRPr lang="en-US" altLang="zh-TW" sz="5400" b="1" dirty="0">
               <a:solidFill>
                 <a:srgbClr val="000066"/>
               </a:solidFill>
@@ -3149,7 +3165,7 @@
               <a:buNone/>
             </a:pPr>
             <a:r>
-              <a:rPr lang="zh-TW" altLang="en-US" sz="5400" b="1" dirty="0" smtClean="0">
+              <a:rPr lang="zh-TW" altLang="en-US" sz="5400" b="1" dirty="0">
                 <a:solidFill>
                   <a:srgbClr val="000066"/>
                 </a:solidFill>
@@ -3158,7 +3174,7 @@
               </a:rPr>
               <a:t>如鹿切慕溪水</a:t>
             </a:r>
-            <a:endParaRPr lang="en-US" altLang="zh-TW" sz="5400" b="1" dirty="0" smtClean="0">
+            <a:endParaRPr lang="en-US" altLang="zh-TW" sz="5400" b="1" dirty="0">
               <a:solidFill>
                 <a:srgbClr val="000066"/>
               </a:solidFill>
@@ -3171,7 +3187,7 @@
               <a:buNone/>
             </a:pPr>
             <a:r>
-              <a:rPr lang="zh-TW" altLang="en-US" sz="5400" b="1" dirty="0" smtClean="0">
+              <a:rPr lang="zh-TW" altLang="en-US" sz="5400" b="1" dirty="0">
                 <a:solidFill>
                   <a:srgbClr val="000066"/>
                 </a:solidFill>
@@ -3180,7 +3196,7 @@
               </a:rPr>
               <a:t>惟有你是我心所愛</a:t>
             </a:r>
-            <a:endParaRPr lang="en-US" altLang="zh-TW" sz="5400" b="1" dirty="0" smtClean="0">
+            <a:endParaRPr lang="en-US" altLang="zh-TW" sz="5400" b="1" dirty="0">
               <a:solidFill>
                 <a:srgbClr val="000066"/>
               </a:solidFill>
@@ -3193,7 +3209,7 @@
               <a:buNone/>
             </a:pPr>
             <a:r>
-              <a:rPr lang="zh-TW" altLang="en-US" sz="5400" b="1" dirty="0" smtClean="0">
+              <a:rPr lang="zh-TW" altLang="en-US" sz="5400" b="1" dirty="0">
                 <a:solidFill>
                   <a:srgbClr val="000066"/>
                 </a:solidFill>
@@ -3295,7 +3311,7 @@
               <a:buNone/>
             </a:pPr>
             <a:r>
-              <a:rPr lang="zh-TW" altLang="en-US" sz="5400" b="1" dirty="0" smtClean="0">
+              <a:rPr lang="zh-TW" altLang="en-US" sz="5400" b="1" dirty="0">
                 <a:solidFill>
                   <a:srgbClr val="000066"/>
                 </a:solidFill>
@@ -3304,7 +3320,7 @@
               </a:rPr>
               <a:t>你是我的力量盾牌</a:t>
             </a:r>
-            <a:endParaRPr lang="en-US" altLang="zh-TW" sz="5400" b="1" dirty="0" smtClean="0">
+            <a:endParaRPr lang="en-US" altLang="zh-TW" sz="5400" b="1" dirty="0">
               <a:solidFill>
                 <a:srgbClr val="000066"/>
               </a:solidFill>
@@ -3317,7 +3333,7 @@
               <a:buNone/>
             </a:pPr>
             <a:r>
-              <a:rPr lang="zh-TW" altLang="en-US" sz="5400" b="1" dirty="0" smtClean="0">
+              <a:rPr lang="zh-TW" altLang="en-US" sz="5400" b="1" dirty="0">
                 <a:solidFill>
                   <a:srgbClr val="000066"/>
                 </a:solidFill>
@@ -3326,7 +3342,7 @@
               </a:rPr>
               <a:t>我靈單單降服於你</a:t>
             </a:r>
-            <a:endParaRPr lang="en-US" altLang="zh-TW" sz="5400" b="1" dirty="0" smtClean="0">
+            <a:endParaRPr lang="en-US" altLang="zh-TW" sz="5400" b="1" dirty="0">
               <a:solidFill>
                 <a:srgbClr val="000066"/>
               </a:solidFill>
@@ -3339,7 +3355,7 @@
               <a:buNone/>
             </a:pPr>
             <a:r>
-              <a:rPr lang="zh-TW" altLang="en-US" sz="5400" b="1" dirty="0" smtClean="0">
+              <a:rPr lang="zh-TW" altLang="en-US" sz="5400" b="1" dirty="0">
                 <a:solidFill>
                   <a:srgbClr val="000066"/>
                 </a:solidFill>
@@ -3348,7 +3364,7 @@
               </a:rPr>
               <a:t>惟有你是我心所愛</a:t>
             </a:r>
-            <a:endParaRPr lang="en-US" altLang="zh-TW" sz="5400" b="1" dirty="0" smtClean="0">
+            <a:endParaRPr lang="en-US" altLang="zh-TW" sz="5400" b="1" dirty="0">
               <a:solidFill>
                 <a:srgbClr val="000066"/>
               </a:solidFill>
@@ -3361,7 +3377,7 @@
               <a:buNone/>
             </a:pPr>
             <a:r>
-              <a:rPr lang="zh-TW" altLang="en-US" sz="5400" b="1" dirty="0" smtClean="0">
+              <a:rPr lang="zh-TW" altLang="en-US" sz="5400" b="1" dirty="0">
                 <a:solidFill>
                   <a:srgbClr val="000066"/>
                 </a:solidFill>

--- a/如鹿切慕溪水.pptx
+++ b/如鹿切慕溪水.pptx
@@ -5,8 +5,11 @@
     <p:sldMasterId id="2147483672" r:id="rId1"/>
   </p:sldMasterIdLst>
   <p:sldIdLst>
-    <p:sldId id="256" r:id="rId2"/>
-    <p:sldId id="257" r:id="rId3"/>
+    <p:sldId id="258" r:id="rId2"/>
+    <p:sldId id="259" r:id="rId3"/>
+    <p:sldId id="260" r:id="rId4"/>
+    <p:sldId id="261" r:id="rId5"/>
+    <p:sldId id="262" r:id="rId6"/>
   </p:sldIdLst>
   <p:sldSz cx="12192000" cy="6858000"/>
   <p:notesSz cx="6858000" cy="9144000"/>
@@ -306,7 +309,7 @@
             <a:fld id="{ECFD77D2-E44B-4CDA-8450-5F45A2DF05FB}" type="datetimeFigureOut">
               <a:rPr lang="en-US" smtClean="0"/>
               <a:pPr/>
-              <a:t>11/16/2019</a:t>
+              <a:t>5/22/2021</a:t>
             </a:fld>
             <a:endParaRPr lang="en-US"/>
           </a:p>
@@ -473,7 +476,7 @@
             <a:fld id="{ECFD77D2-E44B-4CDA-8450-5F45A2DF05FB}" type="datetimeFigureOut">
               <a:rPr lang="en-US" smtClean="0"/>
               <a:pPr/>
-              <a:t>11/16/2019</a:t>
+              <a:t>5/22/2021</a:t>
             </a:fld>
             <a:endParaRPr lang="en-US"/>
           </a:p>
@@ -650,7 +653,7 @@
             <a:fld id="{ECFD77D2-E44B-4CDA-8450-5F45A2DF05FB}" type="datetimeFigureOut">
               <a:rPr lang="en-US" smtClean="0"/>
               <a:pPr/>
-              <a:t>11/16/2019</a:t>
+              <a:t>5/22/2021</a:t>
             </a:fld>
             <a:endParaRPr lang="en-US"/>
           </a:p>
@@ -817,7 +820,7 @@
             <a:fld id="{ECFD77D2-E44B-4CDA-8450-5F45A2DF05FB}" type="datetimeFigureOut">
               <a:rPr lang="en-US" smtClean="0"/>
               <a:pPr/>
-              <a:t>11/16/2019</a:t>
+              <a:t>5/22/2021</a:t>
             </a:fld>
             <a:endParaRPr lang="en-US"/>
           </a:p>
@@ -1060,7 +1063,7 @@
             <a:fld id="{ECFD77D2-E44B-4CDA-8450-5F45A2DF05FB}" type="datetimeFigureOut">
               <a:rPr lang="en-US" smtClean="0"/>
               <a:pPr/>
-              <a:t>11/16/2019</a:t>
+              <a:t>5/22/2021</a:t>
             </a:fld>
             <a:endParaRPr lang="en-US"/>
           </a:p>
@@ -1345,7 +1348,7 @@
             <a:fld id="{ECFD77D2-E44B-4CDA-8450-5F45A2DF05FB}" type="datetimeFigureOut">
               <a:rPr lang="en-US" smtClean="0"/>
               <a:pPr/>
-              <a:t>11/16/2019</a:t>
+              <a:t>5/22/2021</a:t>
             </a:fld>
             <a:endParaRPr lang="en-US"/>
           </a:p>
@@ -1764,7 +1767,7 @@
             <a:fld id="{ECFD77D2-E44B-4CDA-8450-5F45A2DF05FB}" type="datetimeFigureOut">
               <a:rPr lang="en-US" smtClean="0"/>
               <a:pPr/>
-              <a:t>11/16/2019</a:t>
+              <a:t>5/22/2021</a:t>
             </a:fld>
             <a:endParaRPr lang="en-US"/>
           </a:p>
@@ -1879,7 +1882,7 @@
             <a:fld id="{ECFD77D2-E44B-4CDA-8450-5F45A2DF05FB}" type="datetimeFigureOut">
               <a:rPr lang="en-US" smtClean="0"/>
               <a:pPr/>
-              <a:t>11/16/2019</a:t>
+              <a:t>5/22/2021</a:t>
             </a:fld>
             <a:endParaRPr lang="en-US"/>
           </a:p>
@@ -1971,7 +1974,7 @@
             <a:fld id="{ECFD77D2-E44B-4CDA-8450-5F45A2DF05FB}" type="datetimeFigureOut">
               <a:rPr lang="en-US" smtClean="0"/>
               <a:pPr/>
-              <a:t>11/16/2019</a:t>
+              <a:t>5/22/2021</a:t>
             </a:fld>
             <a:endParaRPr lang="en-US"/>
           </a:p>
@@ -2245,7 +2248,7 @@
             <a:fld id="{ECFD77D2-E44B-4CDA-8450-5F45A2DF05FB}" type="datetimeFigureOut">
               <a:rPr lang="en-US" smtClean="0"/>
               <a:pPr/>
-              <a:t>11/16/2019</a:t>
+              <a:t>5/22/2021</a:t>
             </a:fld>
             <a:endParaRPr lang="en-US"/>
           </a:p>
@@ -2499,7 +2502,7 @@
             <a:fld id="{ECFD77D2-E44B-4CDA-8450-5F45A2DF05FB}" type="datetimeFigureOut">
               <a:rPr lang="en-US" smtClean="0"/>
               <a:pPr/>
-              <a:t>11/16/2019</a:t>
+              <a:t>5/22/2021</a:t>
             </a:fld>
             <a:endParaRPr lang="en-US"/>
           </a:p>
@@ -2714,7 +2717,7 @@
             <a:fld id="{ECFD77D2-E44B-4CDA-8450-5F45A2DF05FB}" type="datetimeFigureOut">
               <a:rPr lang="en-US" smtClean="0"/>
               <a:pPr/>
-              <a:t>11/16/2019</a:t>
+              <a:t>5/22/2021</a:t>
             </a:fld>
             <a:endParaRPr lang="en-US"/>
           </a:p>
@@ -3087,7 +3090,7 @@
       </p:grpSpPr>
       <p:sp>
         <p:nvSpPr>
-          <p:cNvPr id="4" name="Title 3"/>
+          <p:cNvPr id="4" name="標題 3"/>
           <p:cNvSpPr>
             <a:spLocks noGrp="1"/>
           </p:cNvSpPr>
@@ -3095,140 +3098,61 @@
             <p:ph type="title"/>
           </p:nvPr>
         </p:nvSpPr>
-        <p:spPr/>
+        <p:spPr>
+          <a:xfrm>
+            <a:off x="0" y="2660915"/>
+            <a:ext cx="12192000" cy="1143000"/>
+          </a:xfrm>
+        </p:spPr>
         <p:txBody>
           <a:bodyPr>
-            <a:normAutofit/>
+            <a:noAutofit/>
           </a:bodyPr>
           <a:lstStyle/>
           <a:p>
             <a:r>
-              <a:rPr lang="zh-TW" altLang="en-US" b="1" dirty="0" smtClean="0">
+              <a:rPr lang="zh-TW" altLang="en-US" sz="7200" b="1" i="1" dirty="0">
                 <a:solidFill>
-                  <a:srgbClr val="000066"/>
+                  <a:srgbClr val="660033"/>
                 </a:solidFill>
+                <a:effectLst>
+                  <a:outerShdw blurRad="38100" dist="38100" dir="2700000" algn="tl">
+                    <a:srgbClr val="000000">
+                      <a:alpha val="43137"/>
+                    </a:srgbClr>
+                  </a:outerShdw>
+                </a:effectLst>
                 <a:latin typeface="微軟正黑體" pitchFamily="34" charset="-120"/>
                 <a:ea typeface="微軟正黑體" pitchFamily="34" charset="-120"/>
               </a:rPr>
-              <a:t>如鹿切慕溪水</a:t>
-            </a:r>
-            <a:endParaRPr lang="en-US" b="1" dirty="0">
-              <a:solidFill>
-                <a:srgbClr val="000066"/>
-              </a:solidFill>
-              <a:latin typeface="微軟正黑體" pitchFamily="34" charset="-120"/>
-              <a:ea typeface="微軟正黑體" pitchFamily="34" charset="-120"/>
-            </a:endParaRPr>
-          </a:p>
-        </p:txBody>
-      </p:sp>
-      <p:sp>
-        <p:nvSpPr>
-          <p:cNvPr id="5" name="Content Placeholder 4"/>
-          <p:cNvSpPr>
-            <a:spLocks noGrp="1"/>
-          </p:cNvSpPr>
-          <p:nvPr>
-            <p:ph idx="1"/>
-          </p:nvPr>
-        </p:nvSpPr>
-        <p:spPr/>
-        <p:txBody>
-          <a:bodyPr>
-            <a:normAutofit/>
-          </a:bodyPr>
-          <a:lstStyle/>
-          <a:p>
-            <a:pPr algn="ctr">
-              <a:buNone/>
-            </a:pPr>
-            <a:r>
-              <a:rPr lang="zh-TW" altLang="en-US" sz="5400" b="1" dirty="0">
+              <a:t>如</a:t>
+            </a:r>
+            <a:r>
+              <a:rPr lang="zh-TW" altLang="en-US" sz="7200" b="1" i="1" dirty="0">
                 <a:solidFill>
-                  <a:srgbClr val="000066"/>
+                  <a:srgbClr val="660033"/>
                 </a:solidFill>
+                <a:effectLst>
+                  <a:outerShdw blurRad="38100" dist="38100" dir="2700000" algn="tl">
+                    <a:srgbClr val="000000">
+                      <a:alpha val="43137"/>
+                    </a:srgbClr>
+                  </a:outerShdw>
+                </a:effectLst>
                 <a:latin typeface="微軟正黑體" pitchFamily="34" charset="-120"/>
                 <a:ea typeface="微軟正黑體" pitchFamily="34" charset="-120"/>
               </a:rPr>
-              <a:t>神啊  我的心切慕你</a:t>
-            </a:r>
-            <a:endParaRPr lang="en-US" altLang="zh-TW" sz="5400" b="1" dirty="0">
-              <a:solidFill>
-                <a:srgbClr val="000066"/>
-              </a:solidFill>
-              <a:latin typeface="微軟正黑體" pitchFamily="34" charset="-120"/>
-              <a:ea typeface="微軟正黑體" pitchFamily="34" charset="-120"/>
-            </a:endParaRPr>
-          </a:p>
-          <a:p>
-            <a:pPr algn="ctr">
-              <a:buNone/>
-            </a:pPr>
-            <a:r>
-              <a:rPr lang="zh-TW" altLang="en-US" sz="5400" b="1" dirty="0">
-                <a:solidFill>
-                  <a:srgbClr val="000066"/>
-                </a:solidFill>
-                <a:latin typeface="微軟正黑體" pitchFamily="34" charset="-120"/>
-                <a:ea typeface="微軟正黑體" pitchFamily="34" charset="-120"/>
-              </a:rPr>
-              <a:t>如鹿切慕溪水</a:t>
-            </a:r>
-            <a:endParaRPr lang="en-US" altLang="zh-TW" sz="5400" b="1" dirty="0">
-              <a:solidFill>
-                <a:srgbClr val="000066"/>
-              </a:solidFill>
-              <a:latin typeface="微軟正黑體" pitchFamily="34" charset="-120"/>
-              <a:ea typeface="微軟正黑體" pitchFamily="34" charset="-120"/>
-            </a:endParaRPr>
-          </a:p>
-          <a:p>
-            <a:pPr algn="ctr">
-              <a:buNone/>
-            </a:pPr>
-            <a:r>
-              <a:rPr lang="zh-TW" altLang="en-US" sz="5400" b="1" dirty="0">
-                <a:solidFill>
-                  <a:srgbClr val="000066"/>
-                </a:solidFill>
-                <a:latin typeface="微軟正黑體" pitchFamily="34" charset="-120"/>
-                <a:ea typeface="微軟正黑體" pitchFamily="34" charset="-120"/>
-              </a:rPr>
-              <a:t>惟有你是我心所愛</a:t>
-            </a:r>
-            <a:endParaRPr lang="en-US" altLang="zh-TW" sz="5400" b="1" dirty="0">
-              <a:solidFill>
-                <a:srgbClr val="000066"/>
-              </a:solidFill>
-              <a:latin typeface="微軟正黑體" pitchFamily="34" charset="-120"/>
-              <a:ea typeface="微軟正黑體" pitchFamily="34" charset="-120"/>
-            </a:endParaRPr>
-          </a:p>
-          <a:p>
-            <a:pPr algn="ctr">
-              <a:buNone/>
-            </a:pPr>
-            <a:r>
-              <a:rPr lang="zh-TW" altLang="en-US" sz="5400" b="1" dirty="0">
-                <a:solidFill>
-                  <a:srgbClr val="000066"/>
-                </a:solidFill>
-                <a:latin typeface="微軟正黑體" pitchFamily="34" charset="-120"/>
-                <a:ea typeface="微軟正黑體" pitchFamily="34" charset="-120"/>
-              </a:rPr>
-              <a:t>我渴慕來敬拜你</a:t>
-            </a:r>
-            <a:endParaRPr lang="en-US" sz="5400" b="1" dirty="0">
-              <a:solidFill>
-                <a:srgbClr val="000066"/>
-              </a:solidFill>
-              <a:latin typeface="微軟正黑體" pitchFamily="34" charset="-120"/>
-              <a:ea typeface="微軟正黑體" pitchFamily="34" charset="-120"/>
-            </a:endParaRPr>
+              <a:t>鹿切慕溪水</a:t>
+            </a:r>
           </a:p>
         </p:txBody>
       </p:sp>
     </p:spTree>
+    <p:extLst>
+      <p:ext uri="{BB962C8B-B14F-4D97-AF65-F5344CB8AC3E}">
+        <p14:creationId xmlns:p14="http://schemas.microsoft.com/office/powerpoint/2010/main" val="625843023"/>
+      </p:ext>
+    </p:extLst>
   </p:cSld>
   <p:clrMapOvr>
     <a:masterClrMapping/>
@@ -3255,34 +3179,74 @@
       </p:grpSpPr>
       <p:sp>
         <p:nvSpPr>
-          <p:cNvPr id="4" name="Title 3"/>
-          <p:cNvSpPr>
-            <a:spLocks noGrp="1"/>
-          </p:cNvSpPr>
-          <p:nvPr>
-            <p:ph type="title"/>
-          </p:nvPr>
-        </p:nvSpPr>
-        <p:spPr/>
-        <p:txBody>
-          <a:bodyPr>
+          <p:cNvPr id="5" name="內容版面配置區 4"/>
+          <p:cNvSpPr>
+            <a:spLocks noGrp="1"/>
+          </p:cNvSpPr>
+          <p:nvPr>
+            <p:ph idx="1"/>
+          </p:nvPr>
+        </p:nvSpPr>
+        <p:spPr>
+          <a:xfrm>
+            <a:off x="0" y="2084851"/>
+            <a:ext cx="12192000" cy="2404863"/>
+          </a:xfrm>
+        </p:spPr>
+        <p:txBody>
+          <a:bodyPr anchor="ctr">
             <a:normAutofit/>
           </a:bodyPr>
           <a:lstStyle/>
           <a:p>
-            <a:r>
-              <a:rPr lang="zh-TW" altLang="en-US" b="1" dirty="0" smtClean="0">
+            <a:pPr algn="ctr">
+              <a:buNone/>
+            </a:pPr>
+            <a:r>
+              <a:rPr lang="zh-TW" altLang="en-US" sz="6400" b="1" dirty="0">
                 <a:solidFill>
-                  <a:srgbClr val="000066"/>
+                  <a:srgbClr val="660033"/>
+                </a:solidFill>
+                <a:latin typeface="微軟正黑體" pitchFamily="34" charset="-120"/>
+                <a:ea typeface="微軟正黑體" pitchFamily="34" charset="-120"/>
+              </a:rPr>
+              <a:t>神啊  我的心切慕</a:t>
+            </a:r>
+            <a:r>
+              <a:rPr lang="zh-CN" altLang="en-US" sz="6400" b="1" dirty="0">
+                <a:solidFill>
+                  <a:srgbClr val="660033"/>
+                </a:solidFill>
+                <a:latin typeface="微軟正黑體" pitchFamily="34" charset="-120"/>
+                <a:ea typeface="微軟正黑體" pitchFamily="34" charset="-120"/>
+              </a:rPr>
+              <a:t>袮</a:t>
+            </a:r>
+            <a:endParaRPr lang="en-US" altLang="zh-TW" sz="6400" b="1" dirty="0">
+              <a:solidFill>
+                <a:srgbClr val="660033"/>
+              </a:solidFill>
+              <a:latin typeface="微軟正黑體" pitchFamily="34" charset="-120"/>
+              <a:ea typeface="微軟正黑體" pitchFamily="34" charset="-120"/>
+            </a:endParaRPr>
+          </a:p>
+          <a:p>
+            <a:pPr algn="ctr">
+              <a:buNone/>
+            </a:pPr>
+            <a:r>
+              <a:rPr lang="zh-TW" altLang="en-US" sz="6400" b="1" dirty="0">
+                <a:solidFill>
+                  <a:srgbClr val="660033"/>
                 </a:solidFill>
                 <a:latin typeface="微軟正黑體" pitchFamily="34" charset="-120"/>
                 <a:ea typeface="微軟正黑體" pitchFamily="34" charset="-120"/>
               </a:rPr>
               <a:t>如鹿切慕溪水</a:t>
             </a:r>
-            <a:endParaRPr lang="en-US" b="1" dirty="0">
+            <a:endParaRPr lang="en-US" altLang="zh-TW" sz="6400" b="1" dirty="0">
               <a:solidFill>
-                <a:srgbClr val="000066"/>
+                <a:srgbClr val="660033"/>
               </a:solidFill>
               <a:latin typeface="微軟正黑體" pitchFamily="34" charset="-120"/>
               <a:ea typeface="微軟正黑體" pitchFamily="34" charset="-120"/>
@@ -3290,9 +3254,39 @@
           </a:p>
         </p:txBody>
       </p:sp>
-      <p:sp>
-        <p:nvSpPr>
-          <p:cNvPr id="5" name="Content Placeholder 4"/>
+    </p:spTree>
+    <p:extLst>
+      <p:ext uri="{BB962C8B-B14F-4D97-AF65-F5344CB8AC3E}">
+        <p14:creationId xmlns:p14="http://schemas.microsoft.com/office/powerpoint/2010/main" val="853246733"/>
+      </p:ext>
+    </p:extLst>
+  </p:cSld>
+  <p:clrMapOvr>
+    <a:masterClrMapping/>
+  </p:clrMapOvr>
+</p:sld>
+</file>
+
+<file path=ppt/slides/slide3.xml><?xml version="1.0" encoding="utf-8"?>
+<p:sld xmlns:a="http://schemas.openxmlformats.org/drawingml/2006/main" xmlns:r="http://schemas.openxmlformats.org/officeDocument/2006/relationships" xmlns:p="http://schemas.openxmlformats.org/presentationml/2006/main">
+  <p:cSld>
+    <p:spTree>
+      <p:nvGrpSpPr>
+        <p:cNvPr id="1" name=""/>
+        <p:cNvGrpSpPr/>
+        <p:nvPr/>
+      </p:nvGrpSpPr>
+      <p:grpSpPr>
+        <a:xfrm>
+          <a:off x="0" y="0"/>
+          <a:ext cx="0" cy="0"/>
+          <a:chOff x="0" y="0"/>
+          <a:chExt cx="0" cy="0"/>
+        </a:xfrm>
+      </p:grpSpPr>
+      <p:sp>
+        <p:nvSpPr>
+          <p:cNvPr id="5" name="內容版面配置區 4"/>
           <p:cNvSpPr>
             <a:spLocks noGrp="1"/>
           </p:cNvSpPr>
@@ -3300,9 +3294,14 @@
             <p:ph idx="1"/>
           </p:nvPr>
         </p:nvSpPr>
-        <p:spPr/>
-        <p:txBody>
-          <a:bodyPr>
+        <p:spPr>
+          <a:xfrm>
+            <a:off x="0" y="2084851"/>
+            <a:ext cx="12192000" cy="2404863"/>
+          </a:xfrm>
+        </p:spPr>
+        <p:txBody>
+          <a:bodyPr anchor="ctr">
             <a:normAutofit/>
           </a:bodyPr>
           <a:lstStyle/>
@@ -3311,18 +3310,38 @@
               <a:buNone/>
             </a:pPr>
             <a:r>
-              <a:rPr lang="zh-TW" altLang="en-US" sz="5400" b="1" dirty="0">
+              <a:rPr lang="zh-TW" altLang="en-US" sz="6400" b="1" dirty="0">
                 <a:solidFill>
-                  <a:srgbClr val="000066"/>
+                  <a:srgbClr val="660033"/>
                 </a:solidFill>
                 <a:latin typeface="微軟正黑體" pitchFamily="34" charset="-120"/>
                 <a:ea typeface="微軟正黑體" pitchFamily="34" charset="-120"/>
               </a:rPr>
-              <a:t>你是我的力量盾牌</a:t>
-            </a:r>
-            <a:endParaRPr lang="en-US" altLang="zh-TW" sz="5400" b="1" dirty="0">
+              <a:t>惟有</a:t>
+            </a:r>
+            <a:r>
+              <a:rPr lang="zh-CN" altLang="en-US" sz="6400" b="1" dirty="0">
+                <a:solidFill>
+                  <a:srgbClr val="660033"/>
+                </a:solidFill>
+                <a:latin typeface="微軟正黑體" pitchFamily="34" charset="-120"/>
+                <a:ea typeface="微軟正黑體" pitchFamily="34" charset="-120"/>
+              </a:rPr>
+              <a:t>袮</a:t>
+            </a:r>
+            <a:r>
+              <a:rPr lang="zh-TW" altLang="en-US" sz="6400" b="1" dirty="0">
+                <a:solidFill>
+                  <a:srgbClr val="660033"/>
+                </a:solidFill>
+                <a:latin typeface="微軟正黑體" pitchFamily="34" charset="-120"/>
+                <a:ea typeface="微軟正黑體" pitchFamily="34" charset="-120"/>
+              </a:rPr>
+              <a:t>是我心所愛</a:t>
+            </a:r>
+            <a:endParaRPr lang="en-US" altLang="zh-TW" sz="6400" b="1" dirty="0">
               <a:solidFill>
-                <a:srgbClr val="000066"/>
+                <a:srgbClr val="660033"/>
               </a:solidFill>
               <a:latin typeface="微軟正黑體" pitchFamily="34" charset="-120"/>
               <a:ea typeface="微軟正黑體" pitchFamily="34" charset="-120"/>
@@ -3333,40 +3352,113 @@
               <a:buNone/>
             </a:pPr>
             <a:r>
-              <a:rPr lang="zh-TW" altLang="en-US" sz="5400" b="1" dirty="0">
+              <a:rPr lang="zh-TW" altLang="en-US" sz="6400" b="1" dirty="0">
                 <a:solidFill>
-                  <a:srgbClr val="000066"/>
+                  <a:srgbClr val="660033"/>
                 </a:solidFill>
                 <a:latin typeface="微軟正黑體" pitchFamily="34" charset="-120"/>
                 <a:ea typeface="微軟正黑體" pitchFamily="34" charset="-120"/>
               </a:rPr>
-              <a:t>我靈單單降服於你</a:t>
-            </a:r>
-            <a:endParaRPr lang="en-US" altLang="zh-TW" sz="5400" b="1" dirty="0">
+              <a:t>我渴慕來敬拜</a:t>
+            </a:r>
+            <a:r>
+              <a:rPr lang="zh-CN" altLang="en-US" sz="6400" b="1" dirty="0">
+                <a:solidFill>
+                  <a:srgbClr val="660033"/>
+                </a:solidFill>
+                <a:latin typeface="微軟正黑體" pitchFamily="34" charset="-120"/>
+                <a:ea typeface="微軟正黑體" pitchFamily="34" charset="-120"/>
+              </a:rPr>
+              <a:t>袮</a:t>
+            </a:r>
+            <a:endParaRPr lang="en-US" sz="6400" b="1" dirty="0">
               <a:solidFill>
-                <a:srgbClr val="000066"/>
+                <a:srgbClr val="660033"/>
               </a:solidFill>
               <a:latin typeface="微軟正黑體" pitchFamily="34" charset="-120"/>
               <a:ea typeface="微軟正黑體" pitchFamily="34" charset="-120"/>
             </a:endParaRPr>
           </a:p>
+        </p:txBody>
+      </p:sp>
+    </p:spTree>
+    <p:extLst>
+      <p:ext uri="{BB962C8B-B14F-4D97-AF65-F5344CB8AC3E}">
+        <p14:creationId xmlns:p14="http://schemas.microsoft.com/office/powerpoint/2010/main" val="3014340095"/>
+      </p:ext>
+    </p:extLst>
+  </p:cSld>
+  <p:clrMapOvr>
+    <a:masterClrMapping/>
+  </p:clrMapOvr>
+</p:sld>
+</file>
+
+<file path=ppt/slides/slide4.xml><?xml version="1.0" encoding="utf-8"?>
+<p:sld xmlns:a="http://schemas.openxmlformats.org/drawingml/2006/main" xmlns:r="http://schemas.openxmlformats.org/officeDocument/2006/relationships" xmlns:p="http://schemas.openxmlformats.org/presentationml/2006/main">
+  <p:cSld>
+    <p:spTree>
+      <p:nvGrpSpPr>
+        <p:cNvPr id="1" name=""/>
+        <p:cNvGrpSpPr/>
+        <p:nvPr/>
+      </p:nvGrpSpPr>
+      <p:grpSpPr>
+        <a:xfrm>
+          <a:off x="0" y="0"/>
+          <a:ext cx="0" cy="0"/>
+          <a:chOff x="0" y="0"/>
+          <a:chExt cx="0" cy="0"/>
+        </a:xfrm>
+      </p:grpSpPr>
+      <p:sp>
+        <p:nvSpPr>
+          <p:cNvPr id="5" name="內容版面配置區 4"/>
+          <p:cNvSpPr>
+            <a:spLocks noGrp="1"/>
+          </p:cNvSpPr>
+          <p:nvPr>
+            <p:ph idx="1"/>
+          </p:nvPr>
+        </p:nvSpPr>
+        <p:spPr>
+          <a:xfrm>
+            <a:off x="0" y="2084851"/>
+            <a:ext cx="12192000" cy="2404863"/>
+          </a:xfrm>
+        </p:spPr>
+        <p:txBody>
+          <a:bodyPr anchor="ctr">
+            <a:normAutofit/>
+          </a:bodyPr>
+          <a:lstStyle/>
           <a:p>
             <a:pPr algn="ctr">
               <a:buNone/>
             </a:pPr>
             <a:r>
-              <a:rPr lang="zh-TW" altLang="en-US" sz="5400" b="1" dirty="0">
+              <a:rPr lang="zh-CN" altLang="en-US" sz="6400" b="1" dirty="0">
                 <a:solidFill>
-                  <a:srgbClr val="000066"/>
+                  <a:srgbClr val="660033"/>
                 </a:solidFill>
                 <a:latin typeface="微軟正黑體" pitchFamily="34" charset="-120"/>
                 <a:ea typeface="微軟正黑體" pitchFamily="34" charset="-120"/>
               </a:rPr>
-              <a:t>惟有你是我心所愛</a:t>
-            </a:r>
-            <a:endParaRPr lang="en-US" altLang="zh-TW" sz="5400" b="1" dirty="0">
+              <a:t>袮</a:t>
+            </a:r>
+            <a:r>
+              <a:rPr lang="zh-TW" altLang="en-US" sz="6400" b="1" dirty="0">
+                <a:solidFill>
+                  <a:srgbClr val="660033"/>
+                </a:solidFill>
+                <a:latin typeface="微軟正黑體" pitchFamily="34" charset="-120"/>
+                <a:ea typeface="微軟正黑體" pitchFamily="34" charset="-120"/>
+              </a:rPr>
+              <a:t>是我的力量盾牌</a:t>
+            </a:r>
+            <a:endParaRPr lang="en-US" altLang="zh-TW" sz="6400" b="1" dirty="0">
               <a:solidFill>
-                <a:srgbClr val="000066"/>
+                <a:srgbClr val="660033"/>
               </a:solidFill>
               <a:latin typeface="微軟正黑體" pitchFamily="34" charset="-120"/>
               <a:ea typeface="微軟正黑體" pitchFamily="34" charset="-120"/>
@@ -3377,18 +3469,28 @@
               <a:buNone/>
             </a:pPr>
             <a:r>
-              <a:rPr lang="zh-TW" altLang="en-US" sz="5400" b="1" dirty="0">
+              <a:rPr lang="zh-TW" altLang="en-US" sz="6400" b="1" dirty="0">
                 <a:solidFill>
-                  <a:srgbClr val="000066"/>
+                  <a:srgbClr val="660033"/>
                 </a:solidFill>
                 <a:latin typeface="微軟正黑體" pitchFamily="34" charset="-120"/>
                 <a:ea typeface="微軟正黑體" pitchFamily="34" charset="-120"/>
               </a:rPr>
-              <a:t>我渴慕來敬拜你</a:t>
-            </a:r>
-            <a:endParaRPr lang="en-US" sz="5400" b="1" dirty="0">
+              <a:t>我靈單單降服於</a:t>
+            </a:r>
+            <a:r>
+              <a:rPr lang="zh-CN" altLang="en-US" sz="6400" b="1" dirty="0">
+                <a:solidFill>
+                  <a:srgbClr val="660033"/>
+                </a:solidFill>
+                <a:latin typeface="微軟正黑體" pitchFamily="34" charset="-120"/>
+                <a:ea typeface="微軟正黑體" pitchFamily="34" charset="-120"/>
+              </a:rPr>
+              <a:t>袮</a:t>
+            </a:r>
+            <a:endParaRPr lang="en-US" altLang="zh-TW" sz="6400" b="1" dirty="0">
               <a:solidFill>
-                <a:srgbClr val="000066"/>
+                <a:srgbClr val="660033"/>
               </a:solidFill>
               <a:latin typeface="微軟正黑體" pitchFamily="34" charset="-120"/>
               <a:ea typeface="微軟正黑體" pitchFamily="34" charset="-120"/>
@@ -3397,6 +3499,138 @@
         </p:txBody>
       </p:sp>
     </p:spTree>
+    <p:extLst>
+      <p:ext uri="{BB962C8B-B14F-4D97-AF65-F5344CB8AC3E}">
+        <p14:creationId xmlns:p14="http://schemas.microsoft.com/office/powerpoint/2010/main" val="3662380673"/>
+      </p:ext>
+    </p:extLst>
+  </p:cSld>
+  <p:clrMapOvr>
+    <a:masterClrMapping/>
+  </p:clrMapOvr>
+</p:sld>
+</file>
+
+<file path=ppt/slides/slide5.xml><?xml version="1.0" encoding="utf-8"?>
+<p:sld xmlns:a="http://schemas.openxmlformats.org/drawingml/2006/main" xmlns:r="http://schemas.openxmlformats.org/officeDocument/2006/relationships" xmlns:p="http://schemas.openxmlformats.org/presentationml/2006/main">
+  <p:cSld>
+    <p:spTree>
+      <p:nvGrpSpPr>
+        <p:cNvPr id="1" name=""/>
+        <p:cNvGrpSpPr/>
+        <p:nvPr/>
+      </p:nvGrpSpPr>
+      <p:grpSpPr>
+        <a:xfrm>
+          <a:off x="0" y="0"/>
+          <a:ext cx="0" cy="0"/>
+          <a:chOff x="0" y="0"/>
+          <a:chExt cx="0" cy="0"/>
+        </a:xfrm>
+      </p:grpSpPr>
+      <p:sp>
+        <p:nvSpPr>
+          <p:cNvPr id="5" name="內容版面配置區 4"/>
+          <p:cNvSpPr>
+            <a:spLocks noGrp="1"/>
+          </p:cNvSpPr>
+          <p:nvPr>
+            <p:ph idx="1"/>
+          </p:nvPr>
+        </p:nvSpPr>
+        <p:spPr>
+          <a:xfrm>
+            <a:off x="0" y="2084851"/>
+            <a:ext cx="12192000" cy="2404863"/>
+          </a:xfrm>
+        </p:spPr>
+        <p:txBody>
+          <a:bodyPr anchor="ctr">
+            <a:normAutofit/>
+          </a:bodyPr>
+          <a:lstStyle/>
+          <a:p>
+            <a:pPr algn="ctr">
+              <a:buNone/>
+            </a:pPr>
+            <a:r>
+              <a:rPr lang="zh-TW" altLang="en-US" sz="6400" b="1" dirty="0">
+                <a:solidFill>
+                  <a:srgbClr val="660033"/>
+                </a:solidFill>
+                <a:latin typeface="微軟正黑體" pitchFamily="34" charset="-120"/>
+                <a:ea typeface="微軟正黑體" pitchFamily="34" charset="-120"/>
+              </a:rPr>
+              <a:t>惟有</a:t>
+            </a:r>
+            <a:r>
+              <a:rPr lang="zh-CN" altLang="en-US" sz="6400" b="1" dirty="0">
+                <a:solidFill>
+                  <a:srgbClr val="660033"/>
+                </a:solidFill>
+                <a:latin typeface="微軟正黑體" pitchFamily="34" charset="-120"/>
+                <a:ea typeface="微軟正黑體" pitchFamily="34" charset="-120"/>
+              </a:rPr>
+              <a:t>袮</a:t>
+            </a:r>
+            <a:r>
+              <a:rPr lang="zh-TW" altLang="en-US" sz="6400" b="1" dirty="0">
+                <a:solidFill>
+                  <a:srgbClr val="660033"/>
+                </a:solidFill>
+                <a:latin typeface="微軟正黑體" pitchFamily="34" charset="-120"/>
+                <a:ea typeface="微軟正黑體" pitchFamily="34" charset="-120"/>
+              </a:rPr>
+              <a:t>是我心所愛</a:t>
+            </a:r>
+            <a:endParaRPr lang="en-US" altLang="zh-TW" sz="6400" b="1" dirty="0">
+              <a:solidFill>
+                <a:srgbClr val="660033"/>
+              </a:solidFill>
+              <a:latin typeface="微軟正黑體" pitchFamily="34" charset="-120"/>
+              <a:ea typeface="微軟正黑體" pitchFamily="34" charset="-120"/>
+            </a:endParaRPr>
+          </a:p>
+          <a:p>
+            <a:pPr algn="ctr">
+              <a:buNone/>
+            </a:pPr>
+            <a:r>
+              <a:rPr lang="zh-TW" altLang="en-US" sz="6400" b="1" dirty="0">
+                <a:solidFill>
+                  <a:srgbClr val="660033"/>
+                </a:solidFill>
+                <a:latin typeface="微軟正黑體" pitchFamily="34" charset="-120"/>
+                <a:ea typeface="微軟正黑體" pitchFamily="34" charset="-120"/>
+              </a:rPr>
+              <a:t>我渴慕來敬拜</a:t>
+            </a:r>
+            <a:r>
+              <a:rPr lang="zh-CN" altLang="en-US" sz="6400" b="1" dirty="0">
+                <a:solidFill>
+                  <a:srgbClr val="660033"/>
+                </a:solidFill>
+                <a:latin typeface="微軟正黑體" pitchFamily="34" charset="-120"/>
+                <a:ea typeface="微軟正黑體" pitchFamily="34" charset="-120"/>
+              </a:rPr>
+              <a:t>袮</a:t>
+            </a:r>
+            <a:endParaRPr lang="en-US" sz="6400" b="1" dirty="0">
+              <a:solidFill>
+                <a:srgbClr val="660033"/>
+              </a:solidFill>
+              <a:latin typeface="微軟正黑體" pitchFamily="34" charset="-120"/>
+              <a:ea typeface="微軟正黑體" pitchFamily="34" charset="-120"/>
+            </a:endParaRPr>
+          </a:p>
+        </p:txBody>
+      </p:sp>
+    </p:spTree>
+    <p:extLst>
+      <p:ext uri="{BB962C8B-B14F-4D97-AF65-F5344CB8AC3E}">
+        <p14:creationId xmlns:p14="http://schemas.microsoft.com/office/powerpoint/2010/main" val="2001760677"/>
+      </p:ext>
+    </p:extLst>
   </p:cSld>
   <p:clrMapOvr>
     <a:masterClrMapping/>

--- a/如鹿切慕溪水.pptx
+++ b/如鹿切慕溪水.pptx
@@ -5,11 +5,11 @@
     <p:sldMasterId id="2147483672" r:id="rId1"/>
   </p:sldMasterIdLst>
   <p:sldIdLst>
-    <p:sldId id="258" r:id="rId2"/>
-    <p:sldId id="259" r:id="rId3"/>
-    <p:sldId id="260" r:id="rId4"/>
-    <p:sldId id="261" r:id="rId5"/>
-    <p:sldId id="262" r:id="rId6"/>
+    <p:sldId id="256" r:id="rId2"/>
+    <p:sldId id="257" r:id="rId3"/>
+    <p:sldId id="258" r:id="rId4"/>
+    <p:sldId id="259" r:id="rId5"/>
+    <p:sldId id="260" r:id="rId6"/>
   </p:sldIdLst>
   <p:sldSz cx="12192000" cy="6858000"/>
   <p:notesSz cx="6858000" cy="9144000"/>
@@ -309,7 +309,7 @@
             <a:fld id="{ECFD77D2-E44B-4CDA-8450-5F45A2DF05FB}" type="datetimeFigureOut">
               <a:rPr lang="en-US" smtClean="0"/>
               <a:pPr/>
-              <a:t>5/22/2021</a:t>
+              <a:t>3/25/2022</a:t>
             </a:fld>
             <a:endParaRPr lang="en-US"/>
           </a:p>
@@ -476,7 +476,7 @@
             <a:fld id="{ECFD77D2-E44B-4CDA-8450-5F45A2DF05FB}" type="datetimeFigureOut">
               <a:rPr lang="en-US" smtClean="0"/>
               <a:pPr/>
-              <a:t>5/22/2021</a:t>
+              <a:t>3/25/2022</a:t>
             </a:fld>
             <a:endParaRPr lang="en-US"/>
           </a:p>
@@ -653,7 +653,7 @@
             <a:fld id="{ECFD77D2-E44B-4CDA-8450-5F45A2DF05FB}" type="datetimeFigureOut">
               <a:rPr lang="en-US" smtClean="0"/>
               <a:pPr/>
-              <a:t>5/22/2021</a:t>
+              <a:t>3/25/2022</a:t>
             </a:fld>
             <a:endParaRPr lang="en-US"/>
           </a:p>
@@ -820,7 +820,7 @@
             <a:fld id="{ECFD77D2-E44B-4CDA-8450-5F45A2DF05FB}" type="datetimeFigureOut">
               <a:rPr lang="en-US" smtClean="0"/>
               <a:pPr/>
-              <a:t>5/22/2021</a:t>
+              <a:t>3/25/2022</a:t>
             </a:fld>
             <a:endParaRPr lang="en-US"/>
           </a:p>
@@ -1063,7 +1063,7 @@
             <a:fld id="{ECFD77D2-E44B-4CDA-8450-5F45A2DF05FB}" type="datetimeFigureOut">
               <a:rPr lang="en-US" smtClean="0"/>
               <a:pPr/>
-              <a:t>5/22/2021</a:t>
+              <a:t>3/25/2022</a:t>
             </a:fld>
             <a:endParaRPr lang="en-US"/>
           </a:p>
@@ -1348,7 +1348,7 @@
             <a:fld id="{ECFD77D2-E44B-4CDA-8450-5F45A2DF05FB}" type="datetimeFigureOut">
               <a:rPr lang="en-US" smtClean="0"/>
               <a:pPr/>
-              <a:t>5/22/2021</a:t>
+              <a:t>3/25/2022</a:t>
             </a:fld>
             <a:endParaRPr lang="en-US"/>
           </a:p>
@@ -1767,7 +1767,7 @@
             <a:fld id="{ECFD77D2-E44B-4CDA-8450-5F45A2DF05FB}" type="datetimeFigureOut">
               <a:rPr lang="en-US" smtClean="0"/>
               <a:pPr/>
-              <a:t>5/22/2021</a:t>
+              <a:t>3/25/2022</a:t>
             </a:fld>
             <a:endParaRPr lang="en-US"/>
           </a:p>
@@ -1882,7 +1882,7 @@
             <a:fld id="{ECFD77D2-E44B-4CDA-8450-5F45A2DF05FB}" type="datetimeFigureOut">
               <a:rPr lang="en-US" smtClean="0"/>
               <a:pPr/>
-              <a:t>5/22/2021</a:t>
+              <a:t>3/25/2022</a:t>
             </a:fld>
             <a:endParaRPr lang="en-US"/>
           </a:p>
@@ -1974,7 +1974,7 @@
             <a:fld id="{ECFD77D2-E44B-4CDA-8450-5F45A2DF05FB}" type="datetimeFigureOut">
               <a:rPr lang="en-US" smtClean="0"/>
               <a:pPr/>
-              <a:t>5/22/2021</a:t>
+              <a:t>3/25/2022</a:t>
             </a:fld>
             <a:endParaRPr lang="en-US"/>
           </a:p>
@@ -2248,7 +2248,7 @@
             <a:fld id="{ECFD77D2-E44B-4CDA-8450-5F45A2DF05FB}" type="datetimeFigureOut">
               <a:rPr lang="en-US" smtClean="0"/>
               <a:pPr/>
-              <a:t>5/22/2021</a:t>
+              <a:t>3/25/2022</a:t>
             </a:fld>
             <a:endParaRPr lang="en-US"/>
           </a:p>
@@ -2502,7 +2502,7 @@
             <a:fld id="{ECFD77D2-E44B-4CDA-8450-5F45A2DF05FB}" type="datetimeFigureOut">
               <a:rPr lang="en-US" smtClean="0"/>
               <a:pPr/>
-              <a:t>5/22/2021</a:t>
+              <a:t>3/25/2022</a:t>
             </a:fld>
             <a:endParaRPr lang="en-US"/>
           </a:p>
@@ -2717,7 +2717,7 @@
             <a:fld id="{ECFD77D2-E44B-4CDA-8450-5F45A2DF05FB}" type="datetimeFigureOut">
               <a:rPr lang="en-US" smtClean="0"/>
               <a:pPr/>
-              <a:t>5/22/2021</a:t>
+              <a:t>3/25/2022</a:t>
             </a:fld>
             <a:endParaRPr lang="en-US"/>
           </a:p>
@@ -3125,24 +3125,7 @@
                 <a:latin typeface="微軟正黑體" pitchFamily="34" charset="-120"/>
                 <a:ea typeface="微軟正黑體" pitchFamily="34" charset="-120"/>
               </a:rPr>
-              <a:t>如</a:t>
-            </a:r>
-            <a:r>
-              <a:rPr lang="zh-TW" altLang="en-US" sz="7200" b="1" i="1" dirty="0">
-                <a:solidFill>
-                  <a:srgbClr val="660033"/>
-                </a:solidFill>
-                <a:effectLst>
-                  <a:outerShdw blurRad="38100" dist="38100" dir="2700000" algn="tl">
-                    <a:srgbClr val="000000">
-                      <a:alpha val="43137"/>
-                    </a:srgbClr>
-                  </a:outerShdw>
-                </a:effectLst>
-                <a:latin typeface="微軟正黑體" pitchFamily="34" charset="-120"/>
-                <a:ea typeface="微軟正黑體" pitchFamily="34" charset="-120"/>
-              </a:rPr>
-              <a:t>鹿切慕溪水</a:t>
+              <a:t>如鹿切慕溪水</a:t>
             </a:r>
           </a:p>
         </p:txBody>
@@ -3150,7 +3133,7 @@
     </p:spTree>
     <p:extLst>
       <p:ext uri="{BB962C8B-B14F-4D97-AF65-F5344CB8AC3E}">
-        <p14:creationId xmlns:p14="http://schemas.microsoft.com/office/powerpoint/2010/main" val="625843023"/>
+        <p14:creationId xmlns:p14="http://schemas.microsoft.com/office/powerpoint/2010/main" val="430331623"/>
       </p:ext>
     </p:extLst>
   </p:cSld>
@@ -3189,7 +3172,7 @@
         </p:nvSpPr>
         <p:spPr>
           <a:xfrm>
-            <a:off x="0" y="2084851"/>
+            <a:off x="0" y="2084853"/>
             <a:ext cx="12192000" cy="2404863"/>
           </a:xfrm>
         </p:spPr>
@@ -3254,10 +3237,88 @@
           </a:p>
         </p:txBody>
       </p:sp>
+      <p:sp>
+        <p:nvSpPr>
+          <p:cNvPr id="3" name="TextBox 2"/>
+          <p:cNvSpPr txBox="1"/>
+          <p:nvPr/>
+        </p:nvSpPr>
+        <p:spPr>
+          <a:xfrm>
+            <a:off x="178" y="5373218"/>
+            <a:ext cx="12191823" cy="769441"/>
+          </a:xfrm>
+          <a:prstGeom prst="rect">
+            <a:avLst/>
+          </a:prstGeom>
+          <a:noFill/>
+        </p:spPr>
+        <p:txBody>
+          <a:bodyPr wrap="square" rtlCol="0" anchor="ctr">
+            <a:spAutoFit/>
+          </a:bodyPr>
+          <a:lstStyle/>
+          <a:p>
+            <a:pPr algn="ctr"/>
+            <a:r>
+              <a:rPr lang="en-US" sz="4400" b="1" dirty="0">
+                <a:solidFill>
+                  <a:srgbClr val="660033"/>
+                </a:solidFill>
+                <a:effectLst/>
+                <a:latin typeface="Microsoft JhengHei" panose="020B0604030504040204" pitchFamily="34" charset="-120"/>
+                <a:ea typeface="Microsoft JhengHei" panose="020B0604030504040204" pitchFamily="34" charset="-120"/>
+              </a:rPr>
+              <a:t>( </a:t>
+            </a:r>
+            <a:r>
+              <a:rPr lang="zh-CN" altLang="en-US" sz="4400" b="1" dirty="0">
+                <a:solidFill>
+                  <a:srgbClr val="660033"/>
+                </a:solidFill>
+                <a:effectLst/>
+                <a:latin typeface="Microsoft JhengHei" panose="020B0604030504040204" pitchFamily="34" charset="-120"/>
+                <a:ea typeface="Microsoft JhengHei" panose="020B0604030504040204" pitchFamily="34" charset="-120"/>
+              </a:rPr>
+              <a:t>正</a:t>
+            </a:r>
+            <a:r>
+              <a:rPr lang="en-US" sz="4400" b="1" dirty="0">
+                <a:solidFill>
+                  <a:srgbClr val="660033"/>
+                </a:solidFill>
+                <a:effectLst/>
+                <a:latin typeface="Microsoft JhengHei" panose="020B0604030504040204" pitchFamily="34" charset="-120"/>
+                <a:ea typeface="Microsoft JhengHei" panose="020B0604030504040204" pitchFamily="34" charset="-120"/>
+              </a:rPr>
+              <a:t> </a:t>
+            </a:r>
+            <a:r>
+              <a:rPr lang="en-US" sz="4400" b="1" dirty="0">
+                <a:solidFill>
+                  <a:srgbClr val="660033"/>
+                </a:solidFill>
+                <a:effectLst/>
+                <a:latin typeface="Microsoft JhengHei" panose="020B0604030504040204" pitchFamily="34" charset="-120"/>
+                <a:ea typeface="Microsoft JhengHei" panose="020B0604030504040204" pitchFamily="34" charset="-120"/>
+              </a:rPr>
+              <a:t>)</a:t>
+            </a:r>
+            <a:endParaRPr lang="vi-VN" sz="4400" b="1" dirty="0">
+              <a:solidFill>
+                <a:srgbClr val="660033"/>
+              </a:solidFill>
+              <a:effectLst/>
+              <a:latin typeface="Microsoft JhengHei" panose="020B0604030504040204" pitchFamily="34" charset="-120"/>
+              <a:ea typeface="Microsoft JhengHei" panose="020B0604030504040204" pitchFamily="34" charset="-120"/>
+            </a:endParaRPr>
+          </a:p>
+        </p:txBody>
+      </p:sp>
     </p:spTree>
     <p:extLst>
       <p:ext uri="{BB962C8B-B14F-4D97-AF65-F5344CB8AC3E}">
-        <p14:creationId xmlns:p14="http://schemas.microsoft.com/office/powerpoint/2010/main" val="853246733"/>
+        <p14:creationId xmlns:p14="http://schemas.microsoft.com/office/powerpoint/2010/main" val="2097571432"/>
       </p:ext>
     </p:extLst>
   </p:cSld>
@@ -3296,7 +3357,7 @@
         </p:nvSpPr>
         <p:spPr>
           <a:xfrm>
-            <a:off x="0" y="2084851"/>
+            <a:off x="0" y="2084853"/>
             <a:ext cx="12192000" cy="2404863"/>
           </a:xfrm>
         </p:spPr>
@@ -3381,10 +3442,88 @@
           </a:p>
         </p:txBody>
       </p:sp>
+      <p:sp>
+        <p:nvSpPr>
+          <p:cNvPr id="3" name="TextBox 2"/>
+          <p:cNvSpPr txBox="1"/>
+          <p:nvPr/>
+        </p:nvSpPr>
+        <p:spPr>
+          <a:xfrm>
+            <a:off x="178" y="5373218"/>
+            <a:ext cx="12191823" cy="769441"/>
+          </a:xfrm>
+          <a:prstGeom prst="rect">
+            <a:avLst/>
+          </a:prstGeom>
+          <a:noFill/>
+        </p:spPr>
+        <p:txBody>
+          <a:bodyPr wrap="square" rtlCol="0" anchor="ctr">
+            <a:spAutoFit/>
+          </a:bodyPr>
+          <a:lstStyle/>
+          <a:p>
+            <a:pPr algn="ctr"/>
+            <a:r>
+              <a:rPr lang="en-US" sz="4400" b="1" dirty="0">
+                <a:solidFill>
+                  <a:srgbClr val="660033"/>
+                </a:solidFill>
+                <a:effectLst/>
+                <a:latin typeface="Microsoft JhengHei" panose="020B0604030504040204" pitchFamily="34" charset="-120"/>
+                <a:ea typeface="Microsoft JhengHei" panose="020B0604030504040204" pitchFamily="34" charset="-120"/>
+              </a:rPr>
+              <a:t>( </a:t>
+            </a:r>
+            <a:r>
+              <a:rPr lang="zh-CN" altLang="en-US" sz="4400" b="1" dirty="0">
+                <a:solidFill>
+                  <a:srgbClr val="660033"/>
+                </a:solidFill>
+                <a:effectLst/>
+                <a:latin typeface="Microsoft JhengHei" panose="020B0604030504040204" pitchFamily="34" charset="-120"/>
+                <a:ea typeface="Microsoft JhengHei" panose="020B0604030504040204" pitchFamily="34" charset="-120"/>
+              </a:rPr>
+              <a:t>正</a:t>
+            </a:r>
+            <a:r>
+              <a:rPr lang="en-US" sz="4400" b="1" dirty="0">
+                <a:solidFill>
+                  <a:srgbClr val="660033"/>
+                </a:solidFill>
+                <a:effectLst/>
+                <a:latin typeface="Microsoft JhengHei" panose="020B0604030504040204" pitchFamily="34" charset="-120"/>
+                <a:ea typeface="Microsoft JhengHei" panose="020B0604030504040204" pitchFamily="34" charset="-120"/>
+              </a:rPr>
+              <a:t> </a:t>
+            </a:r>
+            <a:r>
+              <a:rPr lang="en-US" sz="4400" b="1" dirty="0">
+                <a:solidFill>
+                  <a:srgbClr val="660033"/>
+                </a:solidFill>
+                <a:effectLst/>
+                <a:latin typeface="Microsoft JhengHei" panose="020B0604030504040204" pitchFamily="34" charset="-120"/>
+                <a:ea typeface="Microsoft JhengHei" panose="020B0604030504040204" pitchFamily="34" charset="-120"/>
+              </a:rPr>
+              <a:t>)</a:t>
+            </a:r>
+            <a:endParaRPr lang="vi-VN" sz="4400" b="1" dirty="0">
+              <a:solidFill>
+                <a:srgbClr val="660033"/>
+              </a:solidFill>
+              <a:effectLst/>
+              <a:latin typeface="Microsoft JhengHei" panose="020B0604030504040204" pitchFamily="34" charset="-120"/>
+              <a:ea typeface="Microsoft JhengHei" panose="020B0604030504040204" pitchFamily="34" charset="-120"/>
+            </a:endParaRPr>
+          </a:p>
+        </p:txBody>
+      </p:sp>
     </p:spTree>
     <p:extLst>
       <p:ext uri="{BB962C8B-B14F-4D97-AF65-F5344CB8AC3E}">
-        <p14:creationId xmlns:p14="http://schemas.microsoft.com/office/powerpoint/2010/main" val="3014340095"/>
+        <p14:creationId xmlns:p14="http://schemas.microsoft.com/office/powerpoint/2010/main" val="2968408098"/>
       </p:ext>
     </p:extLst>
   </p:cSld>
@@ -3423,7 +3562,7 @@
         </p:nvSpPr>
         <p:spPr>
           <a:xfrm>
-            <a:off x="0" y="2084851"/>
+            <a:off x="0" y="2084853"/>
             <a:ext cx="12192000" cy="2404863"/>
           </a:xfrm>
         </p:spPr>
@@ -3498,10 +3637,88 @@
           </a:p>
         </p:txBody>
       </p:sp>
+      <p:sp>
+        <p:nvSpPr>
+          <p:cNvPr id="3" name="TextBox 2"/>
+          <p:cNvSpPr txBox="1"/>
+          <p:nvPr/>
+        </p:nvSpPr>
+        <p:spPr>
+          <a:xfrm>
+            <a:off x="178" y="5373218"/>
+            <a:ext cx="12191823" cy="769441"/>
+          </a:xfrm>
+          <a:prstGeom prst="rect">
+            <a:avLst/>
+          </a:prstGeom>
+          <a:noFill/>
+        </p:spPr>
+        <p:txBody>
+          <a:bodyPr wrap="square" rtlCol="0" anchor="ctr">
+            <a:spAutoFit/>
+          </a:bodyPr>
+          <a:lstStyle/>
+          <a:p>
+            <a:pPr algn="ctr"/>
+            <a:r>
+              <a:rPr lang="en-US" sz="4400" b="1" dirty="0">
+                <a:solidFill>
+                  <a:srgbClr val="660033"/>
+                </a:solidFill>
+                <a:effectLst/>
+                <a:latin typeface="Microsoft JhengHei" panose="020B0604030504040204" pitchFamily="34" charset="-120"/>
+                <a:ea typeface="Microsoft JhengHei" panose="020B0604030504040204" pitchFamily="34" charset="-120"/>
+              </a:rPr>
+              <a:t>( </a:t>
+            </a:r>
+            <a:r>
+              <a:rPr lang="zh-CN" altLang="en-US" sz="4400" b="1" dirty="0">
+                <a:solidFill>
+                  <a:srgbClr val="660033"/>
+                </a:solidFill>
+                <a:effectLst/>
+                <a:latin typeface="Microsoft JhengHei" panose="020B0604030504040204" pitchFamily="34" charset="-120"/>
+                <a:ea typeface="Microsoft JhengHei" panose="020B0604030504040204" pitchFamily="34" charset="-120"/>
+              </a:rPr>
+              <a:t>副</a:t>
+            </a:r>
+            <a:r>
+              <a:rPr lang="en-US" sz="4400" b="1" dirty="0">
+                <a:solidFill>
+                  <a:srgbClr val="660033"/>
+                </a:solidFill>
+                <a:effectLst/>
+                <a:latin typeface="Microsoft JhengHei" panose="020B0604030504040204" pitchFamily="34" charset="-120"/>
+                <a:ea typeface="Microsoft JhengHei" panose="020B0604030504040204" pitchFamily="34" charset="-120"/>
+              </a:rPr>
+              <a:t> </a:t>
+            </a:r>
+            <a:r>
+              <a:rPr lang="en-US" sz="4400" b="1" dirty="0">
+                <a:solidFill>
+                  <a:srgbClr val="660033"/>
+                </a:solidFill>
+                <a:effectLst/>
+                <a:latin typeface="Microsoft JhengHei" panose="020B0604030504040204" pitchFamily="34" charset="-120"/>
+                <a:ea typeface="Microsoft JhengHei" panose="020B0604030504040204" pitchFamily="34" charset="-120"/>
+              </a:rPr>
+              <a:t>)</a:t>
+            </a:r>
+            <a:endParaRPr lang="vi-VN" sz="4400" b="1" dirty="0">
+              <a:solidFill>
+                <a:srgbClr val="660033"/>
+              </a:solidFill>
+              <a:effectLst/>
+              <a:latin typeface="Microsoft JhengHei" panose="020B0604030504040204" pitchFamily="34" charset="-120"/>
+              <a:ea typeface="Microsoft JhengHei" panose="020B0604030504040204" pitchFamily="34" charset="-120"/>
+            </a:endParaRPr>
+          </a:p>
+        </p:txBody>
+      </p:sp>
     </p:spTree>
     <p:extLst>
       <p:ext uri="{BB962C8B-B14F-4D97-AF65-F5344CB8AC3E}">
-        <p14:creationId xmlns:p14="http://schemas.microsoft.com/office/powerpoint/2010/main" val="3662380673"/>
+        <p14:creationId xmlns:p14="http://schemas.microsoft.com/office/powerpoint/2010/main" val="397624469"/>
       </p:ext>
     </p:extLst>
   </p:cSld>
@@ -3540,7 +3757,7 @@
         </p:nvSpPr>
         <p:spPr>
           <a:xfrm>
-            <a:off x="0" y="2084851"/>
+            <a:off x="0" y="2084853"/>
             <a:ext cx="12192000" cy="2404863"/>
           </a:xfrm>
         </p:spPr>
@@ -3625,10 +3842,88 @@
           </a:p>
         </p:txBody>
       </p:sp>
+      <p:sp>
+        <p:nvSpPr>
+          <p:cNvPr id="3" name="TextBox 2"/>
+          <p:cNvSpPr txBox="1"/>
+          <p:nvPr/>
+        </p:nvSpPr>
+        <p:spPr>
+          <a:xfrm>
+            <a:off x="178" y="5373218"/>
+            <a:ext cx="12191823" cy="769441"/>
+          </a:xfrm>
+          <a:prstGeom prst="rect">
+            <a:avLst/>
+          </a:prstGeom>
+          <a:noFill/>
+        </p:spPr>
+        <p:txBody>
+          <a:bodyPr wrap="square" rtlCol="0" anchor="ctr">
+            <a:spAutoFit/>
+          </a:bodyPr>
+          <a:lstStyle/>
+          <a:p>
+            <a:pPr algn="ctr"/>
+            <a:r>
+              <a:rPr lang="en-US" sz="4400" b="1" dirty="0">
+                <a:solidFill>
+                  <a:srgbClr val="660033"/>
+                </a:solidFill>
+                <a:effectLst/>
+                <a:latin typeface="Microsoft JhengHei" panose="020B0604030504040204" pitchFamily="34" charset="-120"/>
+                <a:ea typeface="Microsoft JhengHei" panose="020B0604030504040204" pitchFamily="34" charset="-120"/>
+              </a:rPr>
+              <a:t>( </a:t>
+            </a:r>
+            <a:r>
+              <a:rPr lang="zh-CN" altLang="en-US" sz="4400" b="1" dirty="0">
+                <a:solidFill>
+                  <a:srgbClr val="660033"/>
+                </a:solidFill>
+                <a:effectLst/>
+                <a:latin typeface="Microsoft JhengHei" panose="020B0604030504040204" pitchFamily="34" charset="-120"/>
+                <a:ea typeface="Microsoft JhengHei" panose="020B0604030504040204" pitchFamily="34" charset="-120"/>
+              </a:rPr>
+              <a:t>副</a:t>
+            </a:r>
+            <a:r>
+              <a:rPr lang="en-US" sz="4400" b="1" dirty="0">
+                <a:solidFill>
+                  <a:srgbClr val="660033"/>
+                </a:solidFill>
+                <a:effectLst/>
+                <a:latin typeface="Microsoft JhengHei" panose="020B0604030504040204" pitchFamily="34" charset="-120"/>
+                <a:ea typeface="Microsoft JhengHei" panose="020B0604030504040204" pitchFamily="34" charset="-120"/>
+              </a:rPr>
+              <a:t> </a:t>
+            </a:r>
+            <a:r>
+              <a:rPr lang="en-US" sz="4400" b="1" dirty="0">
+                <a:solidFill>
+                  <a:srgbClr val="660033"/>
+                </a:solidFill>
+                <a:effectLst/>
+                <a:latin typeface="Microsoft JhengHei" panose="020B0604030504040204" pitchFamily="34" charset="-120"/>
+                <a:ea typeface="Microsoft JhengHei" panose="020B0604030504040204" pitchFamily="34" charset="-120"/>
+              </a:rPr>
+              <a:t>)</a:t>
+            </a:r>
+            <a:endParaRPr lang="vi-VN" sz="4400" b="1" dirty="0">
+              <a:solidFill>
+                <a:srgbClr val="660033"/>
+              </a:solidFill>
+              <a:effectLst/>
+              <a:latin typeface="Microsoft JhengHei" panose="020B0604030504040204" pitchFamily="34" charset="-120"/>
+              <a:ea typeface="Microsoft JhengHei" panose="020B0604030504040204" pitchFamily="34" charset="-120"/>
+            </a:endParaRPr>
+          </a:p>
+        </p:txBody>
+      </p:sp>
     </p:spTree>
     <p:extLst>
       <p:ext uri="{BB962C8B-B14F-4D97-AF65-F5344CB8AC3E}">
-        <p14:creationId xmlns:p14="http://schemas.microsoft.com/office/powerpoint/2010/main" val="2001760677"/>
+        <p14:creationId xmlns:p14="http://schemas.microsoft.com/office/powerpoint/2010/main" val="3323902952"/>
       </p:ext>
     </p:extLst>
   </p:cSld>

--- a/如鹿切慕溪水.pptx
+++ b/如鹿切慕溪水.pptx
@@ -8,8 +8,12 @@
     <p:sldId id="256" r:id="rId2"/>
     <p:sldId id="257" r:id="rId3"/>
     <p:sldId id="258" r:id="rId4"/>
-    <p:sldId id="259" r:id="rId5"/>
-    <p:sldId id="260" r:id="rId6"/>
+    <p:sldId id="261" r:id="rId5"/>
+    <p:sldId id="262" r:id="rId6"/>
+    <p:sldId id="263" r:id="rId7"/>
+    <p:sldId id="264" r:id="rId8"/>
+    <p:sldId id="259" r:id="rId9"/>
+    <p:sldId id="260" r:id="rId10"/>
   </p:sldIdLst>
   <p:sldSz cx="12192000" cy="6858000"/>
   <p:notesSz cx="6858000" cy="9144000"/>
@@ -309,7 +313,7 @@
             <a:fld id="{ECFD77D2-E44B-4CDA-8450-5F45A2DF05FB}" type="datetimeFigureOut">
               <a:rPr lang="en-US" smtClean="0"/>
               <a:pPr/>
-              <a:t>3/25/2022</a:t>
+              <a:t>3/4/2023</a:t>
             </a:fld>
             <a:endParaRPr lang="en-US"/>
           </a:p>
@@ -476,7 +480,7 @@
             <a:fld id="{ECFD77D2-E44B-4CDA-8450-5F45A2DF05FB}" type="datetimeFigureOut">
               <a:rPr lang="en-US" smtClean="0"/>
               <a:pPr/>
-              <a:t>3/25/2022</a:t>
+              <a:t>3/4/2023</a:t>
             </a:fld>
             <a:endParaRPr lang="en-US"/>
           </a:p>
@@ -653,7 +657,7 @@
             <a:fld id="{ECFD77D2-E44B-4CDA-8450-5F45A2DF05FB}" type="datetimeFigureOut">
               <a:rPr lang="en-US" smtClean="0"/>
               <a:pPr/>
-              <a:t>3/25/2022</a:t>
+              <a:t>3/4/2023</a:t>
             </a:fld>
             <a:endParaRPr lang="en-US"/>
           </a:p>
@@ -820,7 +824,7 @@
             <a:fld id="{ECFD77D2-E44B-4CDA-8450-5F45A2DF05FB}" type="datetimeFigureOut">
               <a:rPr lang="en-US" smtClean="0"/>
               <a:pPr/>
-              <a:t>3/25/2022</a:t>
+              <a:t>3/4/2023</a:t>
             </a:fld>
             <a:endParaRPr lang="en-US"/>
           </a:p>
@@ -1063,7 +1067,7 @@
             <a:fld id="{ECFD77D2-E44B-4CDA-8450-5F45A2DF05FB}" type="datetimeFigureOut">
               <a:rPr lang="en-US" smtClean="0"/>
               <a:pPr/>
-              <a:t>3/25/2022</a:t>
+              <a:t>3/4/2023</a:t>
             </a:fld>
             <a:endParaRPr lang="en-US"/>
           </a:p>
@@ -1348,7 +1352,7 @@
             <a:fld id="{ECFD77D2-E44B-4CDA-8450-5F45A2DF05FB}" type="datetimeFigureOut">
               <a:rPr lang="en-US" smtClean="0"/>
               <a:pPr/>
-              <a:t>3/25/2022</a:t>
+              <a:t>3/4/2023</a:t>
             </a:fld>
             <a:endParaRPr lang="en-US"/>
           </a:p>
@@ -1767,7 +1771,7 @@
             <a:fld id="{ECFD77D2-E44B-4CDA-8450-5F45A2DF05FB}" type="datetimeFigureOut">
               <a:rPr lang="en-US" smtClean="0"/>
               <a:pPr/>
-              <a:t>3/25/2022</a:t>
+              <a:t>3/4/2023</a:t>
             </a:fld>
             <a:endParaRPr lang="en-US"/>
           </a:p>
@@ -1882,7 +1886,7 @@
             <a:fld id="{ECFD77D2-E44B-4CDA-8450-5F45A2DF05FB}" type="datetimeFigureOut">
               <a:rPr lang="en-US" smtClean="0"/>
               <a:pPr/>
-              <a:t>3/25/2022</a:t>
+              <a:t>3/4/2023</a:t>
             </a:fld>
             <a:endParaRPr lang="en-US"/>
           </a:p>
@@ -1974,7 +1978,7 @@
             <a:fld id="{ECFD77D2-E44B-4CDA-8450-5F45A2DF05FB}" type="datetimeFigureOut">
               <a:rPr lang="en-US" smtClean="0"/>
               <a:pPr/>
-              <a:t>3/25/2022</a:t>
+              <a:t>3/4/2023</a:t>
             </a:fld>
             <a:endParaRPr lang="en-US"/>
           </a:p>
@@ -2248,7 +2252,7 @@
             <a:fld id="{ECFD77D2-E44B-4CDA-8450-5F45A2DF05FB}" type="datetimeFigureOut">
               <a:rPr lang="en-US" smtClean="0"/>
               <a:pPr/>
-              <a:t>3/25/2022</a:t>
+              <a:t>3/4/2023</a:t>
             </a:fld>
             <a:endParaRPr lang="en-US"/>
           </a:p>
@@ -2502,7 +2506,7 @@
             <a:fld id="{ECFD77D2-E44B-4CDA-8450-5F45A2DF05FB}" type="datetimeFigureOut">
               <a:rPr lang="en-US" smtClean="0"/>
               <a:pPr/>
-              <a:t>3/25/2022</a:t>
+              <a:t>3/4/2023</a:t>
             </a:fld>
             <a:endParaRPr lang="en-US"/>
           </a:p>
@@ -2717,7 +2721,7 @@
             <a:fld id="{ECFD77D2-E44B-4CDA-8450-5F45A2DF05FB}" type="datetimeFigureOut">
               <a:rPr lang="en-US" smtClean="0"/>
               <a:pPr/>
-              <a:t>3/25/2022</a:t>
+              <a:t>3/4/2023</a:t>
             </a:fld>
             <a:endParaRPr lang="en-US"/>
           </a:p>
@@ -3265,7 +3269,6 @@
                 <a:solidFill>
                   <a:srgbClr val="660033"/>
                 </a:solidFill>
-                <a:effectLst/>
                 <a:latin typeface="Microsoft JhengHei" panose="020B0604030504040204" pitchFamily="34" charset="-120"/>
                 <a:ea typeface="Microsoft JhengHei" panose="020B0604030504040204" pitchFamily="34" charset="-120"/>
               </a:rPr>
@@ -3276,39 +3279,35 @@
                 <a:solidFill>
                   <a:srgbClr val="660033"/>
                 </a:solidFill>
-                <a:effectLst/>
                 <a:latin typeface="Microsoft JhengHei" panose="020B0604030504040204" pitchFamily="34" charset="-120"/>
                 <a:ea typeface="Microsoft JhengHei" panose="020B0604030504040204" pitchFamily="34" charset="-120"/>
               </a:rPr>
-              <a:t>正</a:t>
-            </a:r>
-            <a:r>
-              <a:rPr lang="en-US" sz="4400" b="1" dirty="0">
-                <a:solidFill>
-                  <a:srgbClr val="660033"/>
-                </a:solidFill>
-                <a:effectLst/>
+              <a:t>正 </a:t>
+            </a:r>
+            <a:r>
+              <a:rPr lang="en-US" altLang="zh-CN" sz="4400" b="1" dirty="0">
+                <a:solidFill>
+                  <a:srgbClr val="660033"/>
+                </a:solidFill>
                 <a:latin typeface="Microsoft JhengHei" panose="020B0604030504040204" pitchFamily="34" charset="-120"/>
                 <a:ea typeface="Microsoft JhengHei" panose="020B0604030504040204" pitchFamily="34" charset="-120"/>
               </a:rPr>
-              <a:t> </a:t>
+              <a:t>1</a:t>
             </a:r>
             <a:r>
               <a:rPr lang="en-US" sz="4400" b="1" dirty="0">
                 <a:solidFill>
                   <a:srgbClr val="660033"/>
                 </a:solidFill>
-                <a:effectLst/>
                 <a:latin typeface="Microsoft JhengHei" panose="020B0604030504040204" pitchFamily="34" charset="-120"/>
                 <a:ea typeface="Microsoft JhengHei" panose="020B0604030504040204" pitchFamily="34" charset="-120"/>
               </a:rPr>
-              <a:t>)</a:t>
+              <a:t> )</a:t>
             </a:r>
             <a:endParaRPr lang="vi-VN" sz="4400" b="1" dirty="0">
               <a:solidFill>
                 <a:srgbClr val="660033"/>
               </a:solidFill>
-              <a:effectLst/>
               <a:latin typeface="Microsoft JhengHei" panose="020B0604030504040204" pitchFamily="34" charset="-120"/>
               <a:ea typeface="Microsoft JhengHei" panose="020B0604030504040204" pitchFamily="34" charset="-120"/>
             </a:endParaRPr>
@@ -3477,7 +3476,7 @@
               <a:t>( </a:t>
             </a:r>
             <a:r>
-              <a:rPr lang="zh-CN" altLang="en-US" sz="4400" b="1" dirty="0">
+              <a:rPr lang="zh-CN" altLang="en-US" sz="4400" b="1" dirty="0" smtClean="0">
                 <a:solidFill>
                   <a:srgbClr val="660033"/>
                 </a:solidFill>
@@ -3485,10 +3484,21 @@
                 <a:latin typeface="Microsoft JhengHei" panose="020B0604030504040204" pitchFamily="34" charset="-120"/>
                 <a:ea typeface="Microsoft JhengHei" panose="020B0604030504040204" pitchFamily="34" charset="-120"/>
               </a:rPr>
-              <a:t>正</a:t>
-            </a:r>
-            <a:r>
-              <a:rPr lang="en-US" sz="4400" b="1" dirty="0">
+              <a:t>正 </a:t>
+            </a:r>
+            <a:r>
+              <a:rPr lang="en-US" altLang="zh-CN" sz="4400" b="1" dirty="0" smtClean="0">
+                <a:solidFill>
+                  <a:srgbClr val="660033"/>
+                </a:solidFill>
+                <a:effectLst/>
+                <a:latin typeface="Microsoft JhengHei" panose="020B0604030504040204" pitchFamily="34" charset="-120"/>
+                <a:ea typeface="Microsoft JhengHei" panose="020B0604030504040204" pitchFamily="34" charset="-120"/>
+              </a:rPr>
+              <a:t>1</a:t>
+            </a:r>
+            <a:r>
+              <a:rPr lang="en-US" sz="4400" b="1" dirty="0" smtClean="0">
                 <a:solidFill>
                   <a:srgbClr val="660033"/>
                 </a:solidFill>
@@ -3576,14 +3586,14 @@
               <a:buNone/>
             </a:pPr>
             <a:r>
-              <a:rPr lang="zh-CN" altLang="en-US" sz="6400" b="1" dirty="0">
+              <a:rPr lang="zh-TW" altLang="en-US" sz="6400" b="1" dirty="0" smtClean="0">
                 <a:solidFill>
                   <a:srgbClr val="660033"/>
                 </a:solidFill>
                 <a:latin typeface="微軟正黑體" pitchFamily="34" charset="-120"/>
                 <a:ea typeface="微軟正黑體" pitchFamily="34" charset="-120"/>
               </a:rPr>
-              <a:t>袮</a:t>
+              <a:t>惟</a:t>
             </a:r>
             <a:r>
               <a:rPr lang="zh-TW" altLang="en-US" sz="6400" b="1" dirty="0">
@@ -3593,9 +3603,19 @@
                 <a:latin typeface="微軟正黑體" pitchFamily="34" charset="-120"/>
                 <a:ea typeface="微軟正黑體" pitchFamily="34" charset="-120"/>
               </a:rPr>
-              <a:t>是我的力量盾牌</a:t>
-            </a:r>
-            <a:endParaRPr lang="en-US" altLang="zh-TW" sz="6400" b="1" dirty="0">
+              <a:t>有祢能滿足我</a:t>
+            </a:r>
+            <a:r>
+              <a:rPr lang="zh-TW" altLang="en-US" sz="6400" b="1" dirty="0" smtClean="0">
+                <a:solidFill>
+                  <a:srgbClr val="660033"/>
+                </a:solidFill>
+                <a:latin typeface="微軟正黑體" pitchFamily="34" charset="-120"/>
+                <a:ea typeface="微軟正黑體" pitchFamily="34" charset="-120"/>
+              </a:rPr>
+              <a:t>心</a:t>
+            </a:r>
+            <a:endParaRPr lang="en-US" altLang="zh-TW" sz="6400" b="1" dirty="0" smtClean="0">
               <a:solidFill>
                 <a:srgbClr val="660033"/>
               </a:solidFill>
@@ -3608,24 +3628,24 @@
               <a:buNone/>
             </a:pPr>
             <a:r>
-              <a:rPr lang="zh-TW" altLang="en-US" sz="6400" b="1" dirty="0">
+              <a:rPr lang="zh-TW" altLang="en-US" sz="6400" b="1" dirty="0" smtClean="0">
                 <a:solidFill>
                   <a:srgbClr val="660033"/>
                 </a:solidFill>
                 <a:latin typeface="微軟正黑體" pitchFamily="34" charset="-120"/>
                 <a:ea typeface="微軟正黑體" pitchFamily="34" charset="-120"/>
               </a:rPr>
-              <a:t>我靈單單降服於</a:t>
-            </a:r>
-            <a:r>
-              <a:rPr lang="zh-CN" altLang="en-US" sz="6400" b="1" dirty="0">
+              <a:t>祢</a:t>
+            </a:r>
+            <a:r>
+              <a:rPr lang="zh-TW" altLang="en-US" sz="6400" b="1" dirty="0">
                 <a:solidFill>
                   <a:srgbClr val="660033"/>
                 </a:solidFill>
                 <a:latin typeface="微軟正黑體" pitchFamily="34" charset="-120"/>
                 <a:ea typeface="微軟正黑體" pitchFamily="34" charset="-120"/>
               </a:rPr>
-              <a:t>袮</a:t>
+              <a:t>比金銀更寶貴</a:t>
             </a:r>
             <a:endParaRPr lang="en-US" altLang="zh-TW" sz="6400" b="1" dirty="0">
               <a:solidFill>
@@ -3672,7 +3692,7 @@
               <a:t>( </a:t>
             </a:r>
             <a:r>
-              <a:rPr lang="zh-CN" altLang="en-US" sz="4400" b="1" dirty="0">
+              <a:rPr lang="zh-CN" altLang="en-US" sz="4400" b="1" dirty="0" smtClean="0">
                 <a:solidFill>
                   <a:srgbClr val="660033"/>
                 </a:solidFill>
@@ -3680,10 +3700,21 @@
                 <a:latin typeface="Microsoft JhengHei" panose="020B0604030504040204" pitchFamily="34" charset="-120"/>
                 <a:ea typeface="Microsoft JhengHei" panose="020B0604030504040204" pitchFamily="34" charset="-120"/>
               </a:rPr>
-              <a:t>副</a:t>
-            </a:r>
-            <a:r>
-              <a:rPr lang="en-US" sz="4400" b="1" dirty="0">
+              <a:t>正 </a:t>
+            </a:r>
+            <a:r>
+              <a:rPr lang="en-US" altLang="zh-CN" sz="4400" b="1" dirty="0" smtClean="0">
+                <a:solidFill>
+                  <a:srgbClr val="660033"/>
+                </a:solidFill>
+                <a:effectLst/>
+                <a:latin typeface="Microsoft JhengHei" panose="020B0604030504040204" pitchFamily="34" charset="-120"/>
+                <a:ea typeface="Microsoft JhengHei" panose="020B0604030504040204" pitchFamily="34" charset="-120"/>
+              </a:rPr>
+              <a:t>2</a:t>
+            </a:r>
+            <a:r>
+              <a:rPr lang="en-US" sz="4400" b="1" dirty="0" smtClean="0">
                 <a:solidFill>
                   <a:srgbClr val="660033"/>
                 </a:solidFill>
@@ -3718,7 +3749,7 @@
     </p:spTree>
     <p:extLst>
       <p:ext uri="{BB962C8B-B14F-4D97-AF65-F5344CB8AC3E}">
-        <p14:creationId xmlns:p14="http://schemas.microsoft.com/office/powerpoint/2010/main" val="397624469"/>
+        <p14:creationId xmlns:p14="http://schemas.microsoft.com/office/powerpoint/2010/main" val="3822022984"/>
       </p:ext>
     </p:extLst>
   </p:cSld>
@@ -3778,29 +3809,19 @@
                 <a:latin typeface="微軟正黑體" pitchFamily="34" charset="-120"/>
                 <a:ea typeface="微軟正黑體" pitchFamily="34" charset="-120"/>
               </a:rPr>
-              <a:t>惟有</a:t>
-            </a:r>
-            <a:r>
-              <a:rPr lang="zh-CN" altLang="en-US" sz="6400" b="1" dirty="0">
+              <a:t>惟有祢使我心喜</a:t>
+            </a:r>
+            <a:r>
+              <a:rPr lang="zh-TW" altLang="en-US" sz="6400" b="1" dirty="0" smtClean="0">
                 <a:solidFill>
                   <a:srgbClr val="660033"/>
                 </a:solidFill>
                 <a:latin typeface="微軟正黑體" pitchFamily="34" charset="-120"/>
                 <a:ea typeface="微軟正黑體" pitchFamily="34" charset="-120"/>
               </a:rPr>
-              <a:t>袮</a:t>
-            </a:r>
-            <a:r>
-              <a:rPr lang="zh-TW" altLang="en-US" sz="6400" b="1" dirty="0">
-                <a:solidFill>
-                  <a:srgbClr val="660033"/>
-                </a:solidFill>
-                <a:latin typeface="微軟正黑體" pitchFamily="34" charset="-120"/>
-                <a:ea typeface="微軟正黑體" pitchFamily="34" charset="-120"/>
-              </a:rPr>
-              <a:t>是我心所愛</a:t>
-            </a:r>
-            <a:endParaRPr lang="en-US" altLang="zh-TW" sz="6400" b="1" dirty="0">
+              <a:t>樂</a:t>
+            </a:r>
+            <a:endParaRPr lang="en-US" altLang="zh-TW" sz="6400" b="1" dirty="0" smtClean="0">
               <a:solidFill>
                 <a:srgbClr val="660033"/>
               </a:solidFill>
@@ -3813,24 +3834,24 @@
               <a:buNone/>
             </a:pPr>
             <a:r>
-              <a:rPr lang="zh-TW" altLang="en-US" sz="6400" b="1" dirty="0">
+              <a:rPr lang="zh-TW" altLang="en-US" sz="6400" b="1" dirty="0" smtClean="0">
                 <a:solidFill>
                   <a:srgbClr val="660033"/>
                 </a:solidFill>
                 <a:latin typeface="微軟正黑體" pitchFamily="34" charset="-120"/>
                 <a:ea typeface="微軟正黑體" pitchFamily="34" charset="-120"/>
               </a:rPr>
-              <a:t>我渴慕來敬拜</a:t>
-            </a:r>
-            <a:r>
-              <a:rPr lang="zh-CN" altLang="en-US" sz="6400" b="1" dirty="0">
+              <a:t>祢</a:t>
+            </a:r>
+            <a:r>
+              <a:rPr lang="zh-TW" altLang="en-US" sz="6400" b="1" dirty="0">
                 <a:solidFill>
                   <a:srgbClr val="660033"/>
                 </a:solidFill>
                 <a:latin typeface="微軟正黑體" pitchFamily="34" charset="-120"/>
                 <a:ea typeface="微軟正黑體" pitchFamily="34" charset="-120"/>
               </a:rPr>
-              <a:t>袮</a:t>
+              <a:t>是我全心所愛</a:t>
             </a:r>
             <a:endParaRPr lang="en-US" sz="6400" b="1" dirty="0">
               <a:solidFill>
@@ -3870,6 +3891,196 @@
                 <a:solidFill>
                   <a:srgbClr val="660033"/>
                 </a:solidFill>
+                <a:latin typeface="Microsoft JhengHei" panose="020B0604030504040204" pitchFamily="34" charset="-120"/>
+                <a:ea typeface="Microsoft JhengHei" panose="020B0604030504040204" pitchFamily="34" charset="-120"/>
+              </a:rPr>
+              <a:t>( </a:t>
+            </a:r>
+            <a:r>
+              <a:rPr lang="zh-CN" altLang="en-US" sz="4400" b="1" dirty="0">
+                <a:solidFill>
+                  <a:srgbClr val="660033"/>
+                </a:solidFill>
+                <a:latin typeface="Microsoft JhengHei" panose="020B0604030504040204" pitchFamily="34" charset="-120"/>
+                <a:ea typeface="Microsoft JhengHei" panose="020B0604030504040204" pitchFamily="34" charset="-120"/>
+              </a:rPr>
+              <a:t>正 </a:t>
+            </a:r>
+            <a:r>
+              <a:rPr lang="en-US" altLang="zh-CN" sz="4400" b="1" dirty="0">
+                <a:solidFill>
+                  <a:srgbClr val="660033"/>
+                </a:solidFill>
+                <a:latin typeface="Microsoft JhengHei" panose="020B0604030504040204" pitchFamily="34" charset="-120"/>
+                <a:ea typeface="Microsoft JhengHei" panose="020B0604030504040204" pitchFamily="34" charset="-120"/>
+              </a:rPr>
+              <a:t>2</a:t>
+            </a:r>
+            <a:r>
+              <a:rPr lang="en-US" sz="4400" b="1" dirty="0">
+                <a:solidFill>
+                  <a:srgbClr val="660033"/>
+                </a:solidFill>
+                <a:latin typeface="Microsoft JhengHei" panose="020B0604030504040204" pitchFamily="34" charset="-120"/>
+                <a:ea typeface="Microsoft JhengHei" panose="020B0604030504040204" pitchFamily="34" charset="-120"/>
+              </a:rPr>
+              <a:t> )</a:t>
+            </a:r>
+            <a:endParaRPr lang="vi-VN" sz="4400" b="1" dirty="0">
+              <a:solidFill>
+                <a:srgbClr val="660033"/>
+              </a:solidFill>
+              <a:latin typeface="Microsoft JhengHei" panose="020B0604030504040204" pitchFamily="34" charset="-120"/>
+              <a:ea typeface="Microsoft JhengHei" panose="020B0604030504040204" pitchFamily="34" charset="-120"/>
+            </a:endParaRPr>
+          </a:p>
+        </p:txBody>
+      </p:sp>
+    </p:spTree>
+    <p:extLst>
+      <p:ext uri="{BB962C8B-B14F-4D97-AF65-F5344CB8AC3E}">
+        <p14:creationId xmlns:p14="http://schemas.microsoft.com/office/powerpoint/2010/main" val="4056978387"/>
+      </p:ext>
+    </p:extLst>
+  </p:cSld>
+  <p:clrMapOvr>
+    <a:masterClrMapping/>
+  </p:clrMapOvr>
+</p:sld>
+</file>
+
+<file path=ppt/slides/slide6.xml><?xml version="1.0" encoding="utf-8"?>
+<p:sld xmlns:a="http://schemas.openxmlformats.org/drawingml/2006/main" xmlns:r="http://schemas.openxmlformats.org/officeDocument/2006/relationships" xmlns:p="http://schemas.openxmlformats.org/presentationml/2006/main">
+  <p:cSld>
+    <p:spTree>
+      <p:nvGrpSpPr>
+        <p:cNvPr id="1" name=""/>
+        <p:cNvGrpSpPr/>
+        <p:nvPr/>
+      </p:nvGrpSpPr>
+      <p:grpSpPr>
+        <a:xfrm>
+          <a:off x="0" y="0"/>
+          <a:ext cx="0" cy="0"/>
+          <a:chOff x="0" y="0"/>
+          <a:chExt cx="0" cy="0"/>
+        </a:xfrm>
+      </p:grpSpPr>
+      <p:sp>
+        <p:nvSpPr>
+          <p:cNvPr id="5" name="內容版面配置區 4"/>
+          <p:cNvSpPr>
+            <a:spLocks noGrp="1"/>
+          </p:cNvSpPr>
+          <p:nvPr>
+            <p:ph idx="1"/>
+          </p:nvPr>
+        </p:nvSpPr>
+        <p:spPr>
+          <a:xfrm>
+            <a:off x="0" y="2084853"/>
+            <a:ext cx="12192000" cy="2404863"/>
+          </a:xfrm>
+        </p:spPr>
+        <p:txBody>
+          <a:bodyPr anchor="ctr">
+            <a:normAutofit/>
+          </a:bodyPr>
+          <a:lstStyle/>
+          <a:p>
+            <a:pPr algn="ctr">
+              <a:buNone/>
+            </a:pPr>
+            <a:r>
+              <a:rPr lang="zh-TW" altLang="en-US" sz="6400" b="1" dirty="0">
+                <a:solidFill>
+                  <a:srgbClr val="660033"/>
+                </a:solidFill>
+                <a:latin typeface="微軟正黑體" pitchFamily="34" charset="-120"/>
+                <a:ea typeface="微軟正黑體" pitchFamily="34" charset="-120"/>
+              </a:rPr>
+              <a:t>祢願成為我的朋</a:t>
+            </a:r>
+            <a:r>
+              <a:rPr lang="zh-TW" altLang="en-US" sz="6400" b="1" dirty="0" smtClean="0">
+                <a:solidFill>
+                  <a:srgbClr val="660033"/>
+                </a:solidFill>
+                <a:latin typeface="微軟正黑體" pitchFamily="34" charset="-120"/>
+                <a:ea typeface="微軟正黑體" pitchFamily="34" charset="-120"/>
+              </a:rPr>
+              <a:t>友</a:t>
+            </a:r>
+            <a:endParaRPr lang="en-US" altLang="zh-TW" sz="6400" b="1" dirty="0" smtClean="0">
+              <a:solidFill>
+                <a:srgbClr val="660033"/>
+              </a:solidFill>
+              <a:latin typeface="微軟正黑體" pitchFamily="34" charset="-120"/>
+              <a:ea typeface="微軟正黑體" pitchFamily="34" charset="-120"/>
+            </a:endParaRPr>
+          </a:p>
+          <a:p>
+            <a:pPr algn="ctr">
+              <a:buNone/>
+            </a:pPr>
+            <a:r>
+              <a:rPr lang="zh-TW" altLang="en-US" sz="6400" b="1" dirty="0" smtClean="0">
+                <a:solidFill>
+                  <a:srgbClr val="660033"/>
+                </a:solidFill>
+                <a:latin typeface="微軟正黑體" pitchFamily="34" charset="-120"/>
+                <a:ea typeface="微軟正黑體" pitchFamily="34" charset="-120"/>
+              </a:rPr>
+              <a:t>即</a:t>
+            </a:r>
+            <a:r>
+              <a:rPr lang="zh-TW" altLang="en-US" sz="6400" b="1" dirty="0">
+                <a:solidFill>
+                  <a:srgbClr val="660033"/>
+                </a:solidFill>
+                <a:latin typeface="微軟正黑體" pitchFamily="34" charset="-120"/>
+                <a:ea typeface="微軟正黑體" pitchFamily="34" charset="-120"/>
+              </a:rPr>
+              <a:t>使祢是尊貴君</a:t>
+            </a:r>
+            <a:endParaRPr lang="en-US" altLang="zh-TW" sz="6400" b="1" dirty="0">
+              <a:solidFill>
+                <a:srgbClr val="660033"/>
+              </a:solidFill>
+              <a:latin typeface="微軟正黑體" pitchFamily="34" charset="-120"/>
+              <a:ea typeface="微軟正黑體" pitchFamily="34" charset="-120"/>
+            </a:endParaRPr>
+          </a:p>
+        </p:txBody>
+      </p:sp>
+      <p:sp>
+        <p:nvSpPr>
+          <p:cNvPr id="3" name="TextBox 2"/>
+          <p:cNvSpPr txBox="1"/>
+          <p:nvPr/>
+        </p:nvSpPr>
+        <p:spPr>
+          <a:xfrm>
+            <a:off x="178" y="5373218"/>
+            <a:ext cx="12191823" cy="769441"/>
+          </a:xfrm>
+          <a:prstGeom prst="rect">
+            <a:avLst/>
+          </a:prstGeom>
+          <a:noFill/>
+        </p:spPr>
+        <p:txBody>
+          <a:bodyPr wrap="square" rtlCol="0" anchor="ctr">
+            <a:spAutoFit/>
+          </a:bodyPr>
+          <a:lstStyle/>
+          <a:p>
+            <a:pPr algn="ctr"/>
+            <a:r>
+              <a:rPr lang="en-US" sz="4400" b="1" dirty="0">
+                <a:solidFill>
+                  <a:srgbClr val="660033"/>
+                </a:solidFill>
                 <a:effectLst/>
                 <a:latin typeface="Microsoft JhengHei" panose="020B0604030504040204" pitchFamily="34" charset="-120"/>
                 <a:ea typeface="Microsoft JhengHei" panose="020B0604030504040204" pitchFamily="34" charset="-120"/>
@@ -3877,7 +4088,7 @@
               <a:t>( </a:t>
             </a:r>
             <a:r>
-              <a:rPr lang="zh-CN" altLang="en-US" sz="4400" b="1" dirty="0">
+              <a:rPr lang="zh-CN" altLang="en-US" sz="4400" b="1" dirty="0" smtClean="0">
                 <a:solidFill>
                   <a:srgbClr val="660033"/>
                 </a:solidFill>
@@ -3885,10 +4096,10 @@
                 <a:latin typeface="Microsoft JhengHei" panose="020B0604030504040204" pitchFamily="34" charset="-120"/>
                 <a:ea typeface="Microsoft JhengHei" panose="020B0604030504040204" pitchFamily="34" charset="-120"/>
               </a:rPr>
-              <a:t>副</a:t>
-            </a:r>
-            <a:r>
-              <a:rPr lang="en-US" sz="4400" b="1" dirty="0">
+              <a:t>正 </a:t>
+            </a:r>
+            <a:r>
+              <a:rPr lang="en-US" altLang="zh-CN" sz="4400" b="1" dirty="0" smtClean="0">
                 <a:solidFill>
                   <a:srgbClr val="660033"/>
                 </a:solidFill>
@@ -3896,10 +4107,10 @@
                 <a:latin typeface="Microsoft JhengHei" panose="020B0604030504040204" pitchFamily="34" charset="-120"/>
                 <a:ea typeface="Microsoft JhengHei" panose="020B0604030504040204" pitchFamily="34" charset="-120"/>
               </a:rPr>
-              <a:t> </a:t>
-            </a:r>
-            <a:r>
-              <a:rPr lang="en-US" sz="4400" b="1" dirty="0">
+              <a:t>3</a:t>
+            </a:r>
+            <a:r>
+              <a:rPr lang="en-US" sz="4400" b="1" dirty="0" smtClean="0">
                 <a:solidFill>
                   <a:srgbClr val="660033"/>
                 </a:solidFill>
@@ -3907,7 +4118,586 @@
                 <a:latin typeface="Microsoft JhengHei" panose="020B0604030504040204" pitchFamily="34" charset="-120"/>
                 <a:ea typeface="Microsoft JhengHei" panose="020B0604030504040204" pitchFamily="34" charset="-120"/>
               </a:rPr>
+              <a:t> </a:t>
+            </a:r>
+            <a:r>
+              <a:rPr lang="en-US" sz="4400" b="1" dirty="0">
+                <a:solidFill>
+                  <a:srgbClr val="660033"/>
+                </a:solidFill>
+                <a:effectLst/>
+                <a:latin typeface="Microsoft JhengHei" panose="020B0604030504040204" pitchFamily="34" charset="-120"/>
+                <a:ea typeface="Microsoft JhengHei" panose="020B0604030504040204" pitchFamily="34" charset="-120"/>
+              </a:rPr>
               <a:t>)</a:t>
+            </a:r>
+            <a:endParaRPr lang="vi-VN" sz="4400" b="1" dirty="0">
+              <a:solidFill>
+                <a:srgbClr val="660033"/>
+              </a:solidFill>
+              <a:effectLst/>
+              <a:latin typeface="Microsoft JhengHei" panose="020B0604030504040204" pitchFamily="34" charset="-120"/>
+              <a:ea typeface="Microsoft JhengHei" panose="020B0604030504040204" pitchFamily="34" charset="-120"/>
+            </a:endParaRPr>
+          </a:p>
+        </p:txBody>
+      </p:sp>
+    </p:spTree>
+    <p:extLst>
+      <p:ext uri="{BB962C8B-B14F-4D97-AF65-F5344CB8AC3E}">
+        <p14:creationId xmlns:p14="http://schemas.microsoft.com/office/powerpoint/2010/main" val="2805131612"/>
+      </p:ext>
+    </p:extLst>
+  </p:cSld>
+  <p:clrMapOvr>
+    <a:masterClrMapping/>
+  </p:clrMapOvr>
+</p:sld>
+</file>
+
+<file path=ppt/slides/slide7.xml><?xml version="1.0" encoding="utf-8"?>
+<p:sld xmlns:a="http://schemas.openxmlformats.org/drawingml/2006/main" xmlns:r="http://schemas.openxmlformats.org/officeDocument/2006/relationships" xmlns:p="http://schemas.openxmlformats.org/presentationml/2006/main">
+  <p:cSld>
+    <p:spTree>
+      <p:nvGrpSpPr>
+        <p:cNvPr id="1" name=""/>
+        <p:cNvGrpSpPr/>
+        <p:nvPr/>
+      </p:nvGrpSpPr>
+      <p:grpSpPr>
+        <a:xfrm>
+          <a:off x="0" y="0"/>
+          <a:ext cx="0" cy="0"/>
+          <a:chOff x="0" y="0"/>
+          <a:chExt cx="0" cy="0"/>
+        </a:xfrm>
+      </p:grpSpPr>
+      <p:sp>
+        <p:nvSpPr>
+          <p:cNvPr id="5" name="內容版面配置區 4"/>
+          <p:cNvSpPr>
+            <a:spLocks noGrp="1"/>
+          </p:cNvSpPr>
+          <p:nvPr>
+            <p:ph idx="1"/>
+          </p:nvPr>
+        </p:nvSpPr>
+        <p:spPr>
+          <a:xfrm>
+            <a:off x="0" y="2084853"/>
+            <a:ext cx="12192000" cy="2404863"/>
+          </a:xfrm>
+        </p:spPr>
+        <p:txBody>
+          <a:bodyPr anchor="ctr">
+            <a:normAutofit/>
+          </a:bodyPr>
+          <a:lstStyle/>
+          <a:p>
+            <a:pPr algn="ctr">
+              <a:buNone/>
+            </a:pPr>
+            <a:r>
+              <a:rPr lang="zh-TW" altLang="en-US" sz="6400" b="1" dirty="0">
+                <a:solidFill>
+                  <a:srgbClr val="660033"/>
+                </a:solidFill>
+                <a:latin typeface="微軟正黑體" pitchFamily="34" charset="-120"/>
+                <a:ea typeface="微軟正黑體" pitchFamily="34" charset="-120"/>
+              </a:rPr>
+              <a:t>我愛祢勝過世上一</a:t>
+            </a:r>
+            <a:r>
+              <a:rPr lang="zh-TW" altLang="en-US" sz="6400" b="1" dirty="0" smtClean="0">
+                <a:solidFill>
+                  <a:srgbClr val="660033"/>
+                </a:solidFill>
+                <a:latin typeface="微軟正黑體" pitchFamily="34" charset="-120"/>
+                <a:ea typeface="微軟正黑體" pitchFamily="34" charset="-120"/>
+              </a:rPr>
+              <a:t>切</a:t>
+            </a:r>
+            <a:endParaRPr lang="en-US" altLang="zh-TW" sz="6400" b="1" dirty="0" smtClean="0">
+              <a:solidFill>
+                <a:srgbClr val="660033"/>
+              </a:solidFill>
+              <a:latin typeface="微軟正黑體" pitchFamily="34" charset="-120"/>
+              <a:ea typeface="微軟正黑體" pitchFamily="34" charset="-120"/>
+            </a:endParaRPr>
+          </a:p>
+          <a:p>
+            <a:pPr algn="ctr">
+              <a:buNone/>
+            </a:pPr>
+            <a:r>
+              <a:rPr lang="zh-TW" altLang="en-US" sz="6400" b="1" dirty="0" smtClean="0">
+                <a:solidFill>
+                  <a:srgbClr val="660033"/>
+                </a:solidFill>
+                <a:latin typeface="微軟正黑體" pitchFamily="34" charset="-120"/>
+                <a:ea typeface="微軟正黑體" pitchFamily="34" charset="-120"/>
+              </a:rPr>
+              <a:t>無</a:t>
+            </a:r>
+            <a:r>
+              <a:rPr lang="zh-TW" altLang="en-US" sz="6400" b="1" dirty="0">
+                <a:solidFill>
+                  <a:srgbClr val="660033"/>
+                </a:solidFill>
+                <a:latin typeface="微軟正黑體" pitchFamily="34" charset="-120"/>
+                <a:ea typeface="微軟正黑體" pitchFamily="34" charset="-120"/>
+              </a:rPr>
+              <a:t>人能與祢相比</a:t>
+            </a:r>
+            <a:endParaRPr lang="en-US" sz="6400" b="1" dirty="0">
+              <a:solidFill>
+                <a:srgbClr val="660033"/>
+              </a:solidFill>
+              <a:latin typeface="微軟正黑體" pitchFamily="34" charset="-120"/>
+              <a:ea typeface="微軟正黑體" pitchFamily="34" charset="-120"/>
+            </a:endParaRPr>
+          </a:p>
+        </p:txBody>
+      </p:sp>
+      <p:sp>
+        <p:nvSpPr>
+          <p:cNvPr id="3" name="TextBox 2"/>
+          <p:cNvSpPr txBox="1"/>
+          <p:nvPr/>
+        </p:nvSpPr>
+        <p:spPr>
+          <a:xfrm>
+            <a:off x="178" y="5373218"/>
+            <a:ext cx="12191823" cy="769441"/>
+          </a:xfrm>
+          <a:prstGeom prst="rect">
+            <a:avLst/>
+          </a:prstGeom>
+          <a:noFill/>
+        </p:spPr>
+        <p:txBody>
+          <a:bodyPr wrap="square" rtlCol="0" anchor="ctr">
+            <a:spAutoFit/>
+          </a:bodyPr>
+          <a:lstStyle/>
+          <a:p>
+            <a:pPr algn="ctr"/>
+            <a:r>
+              <a:rPr lang="en-US" sz="4400" b="1" dirty="0">
+                <a:solidFill>
+                  <a:srgbClr val="660033"/>
+                </a:solidFill>
+                <a:latin typeface="Microsoft JhengHei" panose="020B0604030504040204" pitchFamily="34" charset="-120"/>
+                <a:ea typeface="Microsoft JhengHei" panose="020B0604030504040204" pitchFamily="34" charset="-120"/>
+              </a:rPr>
+              <a:t>( </a:t>
+            </a:r>
+            <a:r>
+              <a:rPr lang="zh-CN" altLang="en-US" sz="4400" b="1" dirty="0">
+                <a:solidFill>
+                  <a:srgbClr val="660033"/>
+                </a:solidFill>
+                <a:latin typeface="Microsoft JhengHei" panose="020B0604030504040204" pitchFamily="34" charset="-120"/>
+                <a:ea typeface="Microsoft JhengHei" panose="020B0604030504040204" pitchFamily="34" charset="-120"/>
+              </a:rPr>
+              <a:t>正 </a:t>
+            </a:r>
+            <a:r>
+              <a:rPr lang="en-US" altLang="zh-CN" sz="4400" b="1" dirty="0">
+                <a:solidFill>
+                  <a:srgbClr val="660033"/>
+                </a:solidFill>
+                <a:latin typeface="Microsoft JhengHei" panose="020B0604030504040204" pitchFamily="34" charset="-120"/>
+                <a:ea typeface="Microsoft JhengHei" panose="020B0604030504040204" pitchFamily="34" charset="-120"/>
+              </a:rPr>
+              <a:t>3</a:t>
+            </a:r>
+            <a:r>
+              <a:rPr lang="en-US" sz="4400" b="1" dirty="0">
+                <a:solidFill>
+                  <a:srgbClr val="660033"/>
+                </a:solidFill>
+                <a:latin typeface="Microsoft JhengHei" panose="020B0604030504040204" pitchFamily="34" charset="-120"/>
+                <a:ea typeface="Microsoft JhengHei" panose="020B0604030504040204" pitchFamily="34" charset="-120"/>
+              </a:rPr>
+              <a:t> )</a:t>
+            </a:r>
+            <a:endParaRPr lang="vi-VN" sz="4400" b="1" dirty="0">
+              <a:solidFill>
+                <a:srgbClr val="660033"/>
+              </a:solidFill>
+              <a:latin typeface="Microsoft JhengHei" panose="020B0604030504040204" pitchFamily="34" charset="-120"/>
+              <a:ea typeface="Microsoft JhengHei" panose="020B0604030504040204" pitchFamily="34" charset="-120"/>
+            </a:endParaRPr>
+          </a:p>
+        </p:txBody>
+      </p:sp>
+    </p:spTree>
+    <p:extLst>
+      <p:ext uri="{BB962C8B-B14F-4D97-AF65-F5344CB8AC3E}">
+        <p14:creationId xmlns:p14="http://schemas.microsoft.com/office/powerpoint/2010/main" val="1299684663"/>
+      </p:ext>
+    </p:extLst>
+  </p:cSld>
+  <p:clrMapOvr>
+    <a:masterClrMapping/>
+  </p:clrMapOvr>
+</p:sld>
+</file>
+
+<file path=ppt/slides/slide8.xml><?xml version="1.0" encoding="utf-8"?>
+<p:sld xmlns:a="http://schemas.openxmlformats.org/drawingml/2006/main" xmlns:r="http://schemas.openxmlformats.org/officeDocument/2006/relationships" xmlns:p="http://schemas.openxmlformats.org/presentationml/2006/main">
+  <p:cSld>
+    <p:spTree>
+      <p:nvGrpSpPr>
+        <p:cNvPr id="1" name=""/>
+        <p:cNvGrpSpPr/>
+        <p:nvPr/>
+      </p:nvGrpSpPr>
+      <p:grpSpPr>
+        <a:xfrm>
+          <a:off x="0" y="0"/>
+          <a:ext cx="0" cy="0"/>
+          <a:chOff x="0" y="0"/>
+          <a:chExt cx="0" cy="0"/>
+        </a:xfrm>
+      </p:grpSpPr>
+      <p:sp>
+        <p:nvSpPr>
+          <p:cNvPr id="5" name="內容版面配置區 4"/>
+          <p:cNvSpPr>
+            <a:spLocks noGrp="1"/>
+          </p:cNvSpPr>
+          <p:nvPr>
+            <p:ph idx="1"/>
+          </p:nvPr>
+        </p:nvSpPr>
+        <p:spPr>
+          <a:xfrm>
+            <a:off x="0" y="2084853"/>
+            <a:ext cx="12192000" cy="2404863"/>
+          </a:xfrm>
+        </p:spPr>
+        <p:txBody>
+          <a:bodyPr anchor="ctr">
+            <a:normAutofit/>
+          </a:bodyPr>
+          <a:lstStyle/>
+          <a:p>
+            <a:pPr algn="ctr">
+              <a:buNone/>
+            </a:pPr>
+            <a:r>
+              <a:rPr lang="zh-CN" altLang="en-US" sz="6400" b="1" dirty="0">
+                <a:solidFill>
+                  <a:srgbClr val="660033"/>
+                </a:solidFill>
+                <a:latin typeface="微軟正黑體" pitchFamily="34" charset="-120"/>
+                <a:ea typeface="微軟正黑體" pitchFamily="34" charset="-120"/>
+              </a:rPr>
+              <a:t>袮</a:t>
+            </a:r>
+            <a:r>
+              <a:rPr lang="zh-TW" altLang="en-US" sz="6400" b="1" dirty="0">
+                <a:solidFill>
+                  <a:srgbClr val="660033"/>
+                </a:solidFill>
+                <a:latin typeface="微軟正黑體" pitchFamily="34" charset="-120"/>
+                <a:ea typeface="微軟正黑體" pitchFamily="34" charset="-120"/>
+              </a:rPr>
+              <a:t>是我的力量盾牌</a:t>
+            </a:r>
+            <a:endParaRPr lang="en-US" altLang="zh-TW" sz="6400" b="1" dirty="0">
+              <a:solidFill>
+                <a:srgbClr val="660033"/>
+              </a:solidFill>
+              <a:latin typeface="微軟正黑體" pitchFamily="34" charset="-120"/>
+              <a:ea typeface="微軟正黑體" pitchFamily="34" charset="-120"/>
+            </a:endParaRPr>
+          </a:p>
+          <a:p>
+            <a:pPr algn="ctr">
+              <a:buNone/>
+            </a:pPr>
+            <a:r>
+              <a:rPr lang="zh-TW" altLang="en-US" sz="6400" b="1" dirty="0">
+                <a:solidFill>
+                  <a:srgbClr val="660033"/>
+                </a:solidFill>
+                <a:latin typeface="微軟正黑體" pitchFamily="34" charset="-120"/>
+                <a:ea typeface="微軟正黑體" pitchFamily="34" charset="-120"/>
+              </a:rPr>
+              <a:t>我靈單單降服於</a:t>
+            </a:r>
+            <a:r>
+              <a:rPr lang="zh-CN" altLang="en-US" sz="6400" b="1" dirty="0">
+                <a:solidFill>
+                  <a:srgbClr val="660033"/>
+                </a:solidFill>
+                <a:latin typeface="微軟正黑體" pitchFamily="34" charset="-120"/>
+                <a:ea typeface="微軟正黑體" pitchFamily="34" charset="-120"/>
+              </a:rPr>
+              <a:t>袮</a:t>
+            </a:r>
+            <a:endParaRPr lang="en-US" altLang="zh-TW" sz="6400" b="1" dirty="0">
+              <a:solidFill>
+                <a:srgbClr val="660033"/>
+              </a:solidFill>
+              <a:latin typeface="微軟正黑體" pitchFamily="34" charset="-120"/>
+              <a:ea typeface="微軟正黑體" pitchFamily="34" charset="-120"/>
+            </a:endParaRPr>
+          </a:p>
+        </p:txBody>
+      </p:sp>
+      <p:sp>
+        <p:nvSpPr>
+          <p:cNvPr id="3" name="TextBox 2"/>
+          <p:cNvSpPr txBox="1"/>
+          <p:nvPr/>
+        </p:nvSpPr>
+        <p:spPr>
+          <a:xfrm>
+            <a:off x="178" y="5373218"/>
+            <a:ext cx="12191823" cy="769441"/>
+          </a:xfrm>
+          <a:prstGeom prst="rect">
+            <a:avLst/>
+          </a:prstGeom>
+          <a:noFill/>
+        </p:spPr>
+        <p:txBody>
+          <a:bodyPr wrap="square" rtlCol="0" anchor="ctr">
+            <a:spAutoFit/>
+          </a:bodyPr>
+          <a:lstStyle/>
+          <a:p>
+            <a:pPr algn="ctr"/>
+            <a:r>
+              <a:rPr lang="en-US" sz="4400" b="1" dirty="0">
+                <a:solidFill>
+                  <a:srgbClr val="660033"/>
+                </a:solidFill>
+                <a:effectLst/>
+                <a:latin typeface="Microsoft JhengHei" panose="020B0604030504040204" pitchFamily="34" charset="-120"/>
+                <a:ea typeface="Microsoft JhengHei" panose="020B0604030504040204" pitchFamily="34" charset="-120"/>
+              </a:rPr>
+              <a:t>( </a:t>
+            </a:r>
+            <a:r>
+              <a:rPr lang="zh-CN" altLang="en-US" sz="4400" b="1" dirty="0">
+                <a:solidFill>
+                  <a:srgbClr val="660033"/>
+                </a:solidFill>
+                <a:effectLst/>
+                <a:latin typeface="Microsoft JhengHei" panose="020B0604030504040204" pitchFamily="34" charset="-120"/>
+                <a:ea typeface="Microsoft JhengHei" panose="020B0604030504040204" pitchFamily="34" charset="-120"/>
+              </a:rPr>
+              <a:t>副</a:t>
+            </a:r>
+            <a:r>
+              <a:rPr lang="en-US" sz="4400" b="1" dirty="0">
+                <a:solidFill>
+                  <a:srgbClr val="660033"/>
+                </a:solidFill>
+                <a:effectLst/>
+                <a:latin typeface="Microsoft JhengHei" panose="020B0604030504040204" pitchFamily="34" charset="-120"/>
+                <a:ea typeface="Microsoft JhengHei" panose="020B0604030504040204" pitchFamily="34" charset="-120"/>
+              </a:rPr>
+              <a:t> )</a:t>
+            </a:r>
+            <a:endParaRPr lang="vi-VN" sz="4400" b="1" dirty="0">
+              <a:solidFill>
+                <a:srgbClr val="660033"/>
+              </a:solidFill>
+              <a:effectLst/>
+              <a:latin typeface="Microsoft JhengHei" panose="020B0604030504040204" pitchFamily="34" charset="-120"/>
+              <a:ea typeface="Microsoft JhengHei" panose="020B0604030504040204" pitchFamily="34" charset="-120"/>
+            </a:endParaRPr>
+          </a:p>
+        </p:txBody>
+      </p:sp>
+    </p:spTree>
+    <p:extLst>
+      <p:ext uri="{BB962C8B-B14F-4D97-AF65-F5344CB8AC3E}">
+        <p14:creationId xmlns:p14="http://schemas.microsoft.com/office/powerpoint/2010/main" val="397624469"/>
+      </p:ext>
+    </p:extLst>
+  </p:cSld>
+  <p:clrMapOvr>
+    <a:masterClrMapping/>
+  </p:clrMapOvr>
+</p:sld>
+</file>
+
+<file path=ppt/slides/slide9.xml><?xml version="1.0" encoding="utf-8"?>
+<p:sld xmlns:a="http://schemas.openxmlformats.org/drawingml/2006/main" xmlns:r="http://schemas.openxmlformats.org/officeDocument/2006/relationships" xmlns:p="http://schemas.openxmlformats.org/presentationml/2006/main">
+  <p:cSld>
+    <p:spTree>
+      <p:nvGrpSpPr>
+        <p:cNvPr id="1" name=""/>
+        <p:cNvGrpSpPr/>
+        <p:nvPr/>
+      </p:nvGrpSpPr>
+      <p:grpSpPr>
+        <a:xfrm>
+          <a:off x="0" y="0"/>
+          <a:ext cx="0" cy="0"/>
+          <a:chOff x="0" y="0"/>
+          <a:chExt cx="0" cy="0"/>
+        </a:xfrm>
+      </p:grpSpPr>
+      <p:sp>
+        <p:nvSpPr>
+          <p:cNvPr id="5" name="內容版面配置區 4"/>
+          <p:cNvSpPr>
+            <a:spLocks noGrp="1"/>
+          </p:cNvSpPr>
+          <p:nvPr>
+            <p:ph idx="1"/>
+          </p:nvPr>
+        </p:nvSpPr>
+        <p:spPr>
+          <a:xfrm>
+            <a:off x="0" y="2084853"/>
+            <a:ext cx="12192000" cy="2404863"/>
+          </a:xfrm>
+        </p:spPr>
+        <p:txBody>
+          <a:bodyPr anchor="ctr">
+            <a:normAutofit/>
+          </a:bodyPr>
+          <a:lstStyle/>
+          <a:p>
+            <a:pPr algn="ctr">
+              <a:buNone/>
+            </a:pPr>
+            <a:r>
+              <a:rPr lang="zh-TW" altLang="en-US" sz="6400" b="1" dirty="0">
+                <a:solidFill>
+                  <a:srgbClr val="660033"/>
+                </a:solidFill>
+                <a:latin typeface="微軟正黑體" pitchFamily="34" charset="-120"/>
+                <a:ea typeface="微軟正黑體" pitchFamily="34" charset="-120"/>
+              </a:rPr>
+              <a:t>惟有</a:t>
+            </a:r>
+            <a:r>
+              <a:rPr lang="zh-CN" altLang="en-US" sz="6400" b="1" dirty="0">
+                <a:solidFill>
+                  <a:srgbClr val="660033"/>
+                </a:solidFill>
+                <a:latin typeface="微軟正黑體" pitchFamily="34" charset="-120"/>
+                <a:ea typeface="微軟正黑體" pitchFamily="34" charset="-120"/>
+              </a:rPr>
+              <a:t>袮</a:t>
+            </a:r>
+            <a:r>
+              <a:rPr lang="zh-TW" altLang="en-US" sz="6400" b="1" dirty="0">
+                <a:solidFill>
+                  <a:srgbClr val="660033"/>
+                </a:solidFill>
+                <a:latin typeface="微軟正黑體" pitchFamily="34" charset="-120"/>
+                <a:ea typeface="微軟正黑體" pitchFamily="34" charset="-120"/>
+              </a:rPr>
+              <a:t>是我心所愛</a:t>
+            </a:r>
+            <a:endParaRPr lang="en-US" altLang="zh-TW" sz="6400" b="1" dirty="0">
+              <a:solidFill>
+                <a:srgbClr val="660033"/>
+              </a:solidFill>
+              <a:latin typeface="微軟正黑體" pitchFamily="34" charset="-120"/>
+              <a:ea typeface="微軟正黑體" pitchFamily="34" charset="-120"/>
+            </a:endParaRPr>
+          </a:p>
+          <a:p>
+            <a:pPr algn="ctr">
+              <a:buNone/>
+            </a:pPr>
+            <a:r>
+              <a:rPr lang="zh-TW" altLang="en-US" sz="6400" b="1" dirty="0">
+                <a:solidFill>
+                  <a:srgbClr val="660033"/>
+                </a:solidFill>
+                <a:latin typeface="微軟正黑體" pitchFamily="34" charset="-120"/>
+                <a:ea typeface="微軟正黑體" pitchFamily="34" charset="-120"/>
+              </a:rPr>
+              <a:t>我渴慕來敬拜</a:t>
+            </a:r>
+            <a:r>
+              <a:rPr lang="zh-CN" altLang="en-US" sz="6400" b="1" dirty="0">
+                <a:solidFill>
+                  <a:srgbClr val="660033"/>
+                </a:solidFill>
+                <a:latin typeface="微軟正黑體" pitchFamily="34" charset="-120"/>
+                <a:ea typeface="微軟正黑體" pitchFamily="34" charset="-120"/>
+              </a:rPr>
+              <a:t>袮</a:t>
+            </a:r>
+            <a:endParaRPr lang="en-US" sz="6400" b="1" dirty="0">
+              <a:solidFill>
+                <a:srgbClr val="660033"/>
+              </a:solidFill>
+              <a:latin typeface="微軟正黑體" pitchFamily="34" charset="-120"/>
+              <a:ea typeface="微軟正黑體" pitchFamily="34" charset="-120"/>
+            </a:endParaRPr>
+          </a:p>
+        </p:txBody>
+      </p:sp>
+      <p:sp>
+        <p:nvSpPr>
+          <p:cNvPr id="3" name="TextBox 2"/>
+          <p:cNvSpPr txBox="1"/>
+          <p:nvPr/>
+        </p:nvSpPr>
+        <p:spPr>
+          <a:xfrm>
+            <a:off x="178" y="5373218"/>
+            <a:ext cx="12191823" cy="769441"/>
+          </a:xfrm>
+          <a:prstGeom prst="rect">
+            <a:avLst/>
+          </a:prstGeom>
+          <a:noFill/>
+        </p:spPr>
+        <p:txBody>
+          <a:bodyPr wrap="square" rtlCol="0" anchor="ctr">
+            <a:spAutoFit/>
+          </a:bodyPr>
+          <a:lstStyle/>
+          <a:p>
+            <a:pPr algn="ctr"/>
+            <a:r>
+              <a:rPr lang="en-US" sz="4400" b="1" dirty="0">
+                <a:solidFill>
+                  <a:srgbClr val="660033"/>
+                </a:solidFill>
+                <a:effectLst/>
+                <a:latin typeface="Microsoft JhengHei" panose="020B0604030504040204" pitchFamily="34" charset="-120"/>
+                <a:ea typeface="Microsoft JhengHei" panose="020B0604030504040204" pitchFamily="34" charset="-120"/>
+              </a:rPr>
+              <a:t>( </a:t>
+            </a:r>
+            <a:r>
+              <a:rPr lang="zh-CN" altLang="en-US" sz="4400" b="1" dirty="0">
+                <a:solidFill>
+                  <a:srgbClr val="660033"/>
+                </a:solidFill>
+                <a:effectLst/>
+                <a:latin typeface="Microsoft JhengHei" panose="020B0604030504040204" pitchFamily="34" charset="-120"/>
+                <a:ea typeface="Microsoft JhengHei" panose="020B0604030504040204" pitchFamily="34" charset="-120"/>
+              </a:rPr>
+              <a:t>副</a:t>
+            </a:r>
+            <a:r>
+              <a:rPr lang="en-US" sz="4400" b="1" dirty="0">
+                <a:solidFill>
+                  <a:srgbClr val="660033"/>
+                </a:solidFill>
+                <a:effectLst/>
+                <a:latin typeface="Microsoft JhengHei" panose="020B0604030504040204" pitchFamily="34" charset="-120"/>
+                <a:ea typeface="Microsoft JhengHei" panose="020B0604030504040204" pitchFamily="34" charset="-120"/>
+              </a:rPr>
+              <a:t> )</a:t>
             </a:r>
             <a:endParaRPr lang="vi-VN" sz="4400" b="1" dirty="0">
               <a:solidFill>

--- a/如鹿切慕溪水.pptx
+++ b/如鹿切慕溪水.pptx
@@ -313,7 +313,7 @@
             <a:fld id="{ECFD77D2-E44B-4CDA-8450-5F45A2DF05FB}" type="datetimeFigureOut">
               <a:rPr lang="en-US" smtClean="0"/>
               <a:pPr/>
-              <a:t>3/4/2023</a:t>
+              <a:t>10/28/2023</a:t>
             </a:fld>
             <a:endParaRPr lang="en-US"/>
           </a:p>
@@ -480,7 +480,7 @@
             <a:fld id="{ECFD77D2-E44B-4CDA-8450-5F45A2DF05FB}" type="datetimeFigureOut">
               <a:rPr lang="en-US" smtClean="0"/>
               <a:pPr/>
-              <a:t>3/4/2023</a:t>
+              <a:t>10/28/2023</a:t>
             </a:fld>
             <a:endParaRPr lang="en-US"/>
           </a:p>
@@ -657,7 +657,7 @@
             <a:fld id="{ECFD77D2-E44B-4CDA-8450-5F45A2DF05FB}" type="datetimeFigureOut">
               <a:rPr lang="en-US" smtClean="0"/>
               <a:pPr/>
-              <a:t>3/4/2023</a:t>
+              <a:t>10/28/2023</a:t>
             </a:fld>
             <a:endParaRPr lang="en-US"/>
           </a:p>
@@ -824,7 +824,7 @@
             <a:fld id="{ECFD77D2-E44B-4CDA-8450-5F45A2DF05FB}" type="datetimeFigureOut">
               <a:rPr lang="en-US" smtClean="0"/>
               <a:pPr/>
-              <a:t>3/4/2023</a:t>
+              <a:t>10/28/2023</a:t>
             </a:fld>
             <a:endParaRPr lang="en-US"/>
           </a:p>
@@ -1067,7 +1067,7 @@
             <a:fld id="{ECFD77D2-E44B-4CDA-8450-5F45A2DF05FB}" type="datetimeFigureOut">
               <a:rPr lang="en-US" smtClean="0"/>
               <a:pPr/>
-              <a:t>3/4/2023</a:t>
+              <a:t>10/28/2023</a:t>
             </a:fld>
             <a:endParaRPr lang="en-US"/>
           </a:p>
@@ -1352,7 +1352,7 @@
             <a:fld id="{ECFD77D2-E44B-4CDA-8450-5F45A2DF05FB}" type="datetimeFigureOut">
               <a:rPr lang="en-US" smtClean="0"/>
               <a:pPr/>
-              <a:t>3/4/2023</a:t>
+              <a:t>10/28/2023</a:t>
             </a:fld>
             <a:endParaRPr lang="en-US"/>
           </a:p>
@@ -1771,7 +1771,7 @@
             <a:fld id="{ECFD77D2-E44B-4CDA-8450-5F45A2DF05FB}" type="datetimeFigureOut">
               <a:rPr lang="en-US" smtClean="0"/>
               <a:pPr/>
-              <a:t>3/4/2023</a:t>
+              <a:t>10/28/2023</a:t>
             </a:fld>
             <a:endParaRPr lang="en-US"/>
           </a:p>
@@ -1886,7 +1886,7 @@
             <a:fld id="{ECFD77D2-E44B-4CDA-8450-5F45A2DF05FB}" type="datetimeFigureOut">
               <a:rPr lang="en-US" smtClean="0"/>
               <a:pPr/>
-              <a:t>3/4/2023</a:t>
+              <a:t>10/28/2023</a:t>
             </a:fld>
             <a:endParaRPr lang="en-US"/>
           </a:p>
@@ -1978,7 +1978,7 @@
             <a:fld id="{ECFD77D2-E44B-4CDA-8450-5F45A2DF05FB}" type="datetimeFigureOut">
               <a:rPr lang="en-US" smtClean="0"/>
               <a:pPr/>
-              <a:t>3/4/2023</a:t>
+              <a:t>10/28/2023</a:t>
             </a:fld>
             <a:endParaRPr lang="en-US"/>
           </a:p>
@@ -2252,7 +2252,7 @@
             <a:fld id="{ECFD77D2-E44B-4CDA-8450-5F45A2DF05FB}" type="datetimeFigureOut">
               <a:rPr lang="en-US" smtClean="0"/>
               <a:pPr/>
-              <a:t>3/4/2023</a:t>
+              <a:t>10/28/2023</a:t>
             </a:fld>
             <a:endParaRPr lang="en-US"/>
           </a:p>
@@ -2506,7 +2506,7 @@
             <a:fld id="{ECFD77D2-E44B-4CDA-8450-5F45A2DF05FB}" type="datetimeFigureOut">
               <a:rPr lang="en-US" smtClean="0"/>
               <a:pPr/>
-              <a:t>3/4/2023</a:t>
+              <a:t>10/28/2023</a:t>
             </a:fld>
             <a:endParaRPr lang="en-US"/>
           </a:p>
@@ -2721,7 +2721,7 @@
             <a:fld id="{ECFD77D2-E44B-4CDA-8450-5F45A2DF05FB}" type="datetimeFigureOut">
               <a:rPr lang="en-US" smtClean="0"/>
               <a:pPr/>
-              <a:t>3/4/2023</a:t>
+              <a:t>10/28/2023</a:t>
             </a:fld>
             <a:endParaRPr lang="en-US"/>
           </a:p>
@@ -3197,17 +3197,27 @@
                 <a:latin typeface="微軟正黑體" pitchFamily="34" charset="-120"/>
                 <a:ea typeface="微軟正黑體" pitchFamily="34" charset="-120"/>
               </a:rPr>
-              <a:t>神啊  我的心切慕</a:t>
-            </a:r>
-            <a:r>
-              <a:rPr lang="zh-CN" altLang="en-US" sz="6400" b="1" dirty="0">
+              <a:t>神啊  我的心切</a:t>
+            </a:r>
+            <a:r>
+              <a:rPr lang="zh-TW" altLang="en-US" sz="6400" b="1" dirty="0" smtClean="0">
                 <a:solidFill>
                   <a:srgbClr val="660033"/>
                 </a:solidFill>
                 <a:latin typeface="微軟正黑體" pitchFamily="34" charset="-120"/>
                 <a:ea typeface="微軟正黑體" pitchFamily="34" charset="-120"/>
               </a:rPr>
-              <a:t>袮</a:t>
+              <a:t>慕</a:t>
+            </a:r>
+            <a:r>
+              <a:rPr lang="zh-CN" altLang="en-US" sz="6400" b="1" dirty="0" smtClean="0">
+                <a:solidFill>
+                  <a:srgbClr val="660033"/>
+                </a:solidFill>
+                <a:latin typeface="微軟正黑體" pitchFamily="34" charset="-120"/>
+                <a:ea typeface="微軟正黑體" pitchFamily="34" charset="-120"/>
+              </a:rPr>
+              <a:t>祢</a:t>
             </a:r>
             <a:endParaRPr lang="en-US" altLang="zh-TW" sz="6400" b="1" dirty="0">
               <a:solidFill>
@@ -3249,8 +3259,8 @@
         </p:nvSpPr>
         <p:spPr>
           <a:xfrm>
-            <a:off x="178" y="5373218"/>
-            <a:ext cx="12191823" cy="769441"/>
+            <a:off x="178" y="5434772"/>
+            <a:ext cx="12191823" cy="646331"/>
           </a:xfrm>
           <a:prstGeom prst="rect">
             <a:avLst/>
@@ -3265,7 +3275,7 @@
           <a:p>
             <a:pPr algn="ctr"/>
             <a:r>
-              <a:rPr lang="en-US" sz="4400" b="1" dirty="0">
+              <a:rPr lang="en-US" sz="3600" b="1" dirty="0">
                 <a:solidFill>
                   <a:srgbClr val="660033"/>
                 </a:solidFill>
@@ -3275,17 +3285,17 @@
               <a:t>( </a:t>
             </a:r>
             <a:r>
-              <a:rPr lang="zh-CN" altLang="en-US" sz="4400" b="1" dirty="0">
+              <a:rPr lang="zh-CN" altLang="en-US" sz="3600" b="1" dirty="0" smtClean="0">
                 <a:solidFill>
                   <a:srgbClr val="660033"/>
                 </a:solidFill>
                 <a:latin typeface="Microsoft JhengHei" panose="020B0604030504040204" pitchFamily="34" charset="-120"/>
                 <a:ea typeface="Microsoft JhengHei" panose="020B0604030504040204" pitchFamily="34" charset="-120"/>
               </a:rPr>
-              <a:t>正 </a:t>
-            </a:r>
-            <a:r>
-              <a:rPr lang="en-US" altLang="zh-CN" sz="4400" b="1" dirty="0">
+              <a:t>正歌 </a:t>
+            </a:r>
+            <a:r>
+              <a:rPr lang="en-US" altLang="zh-CN" sz="3600" b="1" dirty="0">
                 <a:solidFill>
                   <a:srgbClr val="660033"/>
                 </a:solidFill>
@@ -3295,7 +3305,7 @@
               <a:t>1</a:t>
             </a:r>
             <a:r>
-              <a:rPr lang="en-US" sz="4400" b="1" dirty="0">
+              <a:rPr lang="en-US" sz="3600" b="1" dirty="0">
                 <a:solidFill>
                   <a:srgbClr val="660033"/>
                 </a:solidFill>
@@ -3304,7 +3314,7 @@
               </a:rPr>
               <a:t> )</a:t>
             </a:r>
-            <a:endParaRPr lang="vi-VN" sz="4400" b="1" dirty="0">
+            <a:endParaRPr lang="vi-VN" sz="3600" b="1" dirty="0">
               <a:solidFill>
                 <a:srgbClr val="660033"/>
               </a:solidFill>
@@ -3377,27 +3387,47 @@
                 <a:latin typeface="微軟正黑體" pitchFamily="34" charset="-120"/>
                 <a:ea typeface="微軟正黑體" pitchFamily="34" charset="-120"/>
               </a:rPr>
-              <a:t>惟有</a:t>
-            </a:r>
-            <a:r>
-              <a:rPr lang="zh-CN" altLang="en-US" sz="6400" b="1" dirty="0">
+              <a:t>惟</a:t>
+            </a:r>
+            <a:r>
+              <a:rPr lang="zh-TW" altLang="en-US" sz="6400" b="1" dirty="0" smtClean="0">
                 <a:solidFill>
                   <a:srgbClr val="660033"/>
                 </a:solidFill>
                 <a:latin typeface="微軟正黑體" pitchFamily="34" charset="-120"/>
                 <a:ea typeface="微軟正黑體" pitchFamily="34" charset="-120"/>
               </a:rPr>
-              <a:t>袮</a:t>
-            </a:r>
-            <a:r>
-              <a:rPr lang="zh-TW" altLang="en-US" sz="6400" b="1" dirty="0">
+              <a:t>有</a:t>
+            </a:r>
+            <a:r>
+              <a:rPr lang="zh-CN" altLang="en-US" sz="6400" b="1" dirty="0" smtClean="0">
                 <a:solidFill>
                   <a:srgbClr val="660033"/>
                 </a:solidFill>
                 <a:latin typeface="微軟正黑體" pitchFamily="34" charset="-120"/>
                 <a:ea typeface="微軟正黑體" pitchFamily="34" charset="-120"/>
               </a:rPr>
-              <a:t>是我心所愛</a:t>
+              <a:t>祢</a:t>
+            </a:r>
+            <a:r>
+              <a:rPr lang="zh-TW" altLang="en-US" sz="6400" b="1" dirty="0" smtClean="0">
+                <a:solidFill>
+                  <a:srgbClr val="660033"/>
+                </a:solidFill>
+                <a:latin typeface="微軟正黑體" pitchFamily="34" charset="-120"/>
+                <a:ea typeface="微軟正黑體" pitchFamily="34" charset="-120"/>
+              </a:rPr>
+              <a:t>是</a:t>
+            </a:r>
+            <a:r>
+              <a:rPr lang="zh-TW" altLang="en-US" sz="6400" b="1" dirty="0">
+                <a:solidFill>
+                  <a:srgbClr val="660033"/>
+                </a:solidFill>
+                <a:latin typeface="微軟正黑體" pitchFamily="34" charset="-120"/>
+                <a:ea typeface="微軟正黑體" pitchFamily="34" charset="-120"/>
+              </a:rPr>
+              <a:t>我心所愛</a:t>
             </a:r>
             <a:endParaRPr lang="en-US" altLang="zh-TW" sz="6400" b="1" dirty="0">
               <a:solidFill>
@@ -3419,17 +3449,27 @@
                 <a:latin typeface="微軟正黑體" pitchFamily="34" charset="-120"/>
                 <a:ea typeface="微軟正黑體" pitchFamily="34" charset="-120"/>
               </a:rPr>
-              <a:t>我渴慕來敬拜</a:t>
-            </a:r>
-            <a:r>
-              <a:rPr lang="zh-CN" altLang="en-US" sz="6400" b="1" dirty="0">
+              <a:t>我渴慕來敬</a:t>
+            </a:r>
+            <a:r>
+              <a:rPr lang="zh-TW" altLang="en-US" sz="6400" b="1" dirty="0" smtClean="0">
                 <a:solidFill>
                   <a:srgbClr val="660033"/>
                 </a:solidFill>
                 <a:latin typeface="微軟正黑體" pitchFamily="34" charset="-120"/>
                 <a:ea typeface="微軟正黑體" pitchFamily="34" charset="-120"/>
               </a:rPr>
-              <a:t>袮</a:t>
+              <a:t>拜</a:t>
+            </a:r>
+            <a:r>
+              <a:rPr lang="zh-CN" altLang="en-US" sz="6400" b="1" dirty="0" smtClean="0">
+                <a:solidFill>
+                  <a:srgbClr val="660033"/>
+                </a:solidFill>
+                <a:latin typeface="微軟正黑體" pitchFamily="34" charset="-120"/>
+                <a:ea typeface="微軟正黑體" pitchFamily="34" charset="-120"/>
+              </a:rPr>
+              <a:t>祢</a:t>
             </a:r>
             <a:endParaRPr lang="en-US" sz="6400" b="1" dirty="0">
               <a:solidFill>
@@ -3449,8 +3489,8 @@
         </p:nvSpPr>
         <p:spPr>
           <a:xfrm>
-            <a:off x="178" y="5373218"/>
-            <a:ext cx="12191823" cy="769441"/>
+            <a:off x="178" y="5434773"/>
+            <a:ext cx="12191823" cy="646331"/>
           </a:xfrm>
           <a:prstGeom prst="rect">
             <a:avLst/>
@@ -3465,65 +3505,49 @@
           <a:p>
             <a:pPr algn="ctr"/>
             <a:r>
-              <a:rPr lang="en-US" sz="4400" b="1" dirty="0">
-                <a:solidFill>
-                  <a:srgbClr val="660033"/>
-                </a:solidFill>
-                <a:effectLst/>
+              <a:rPr lang="en-US" sz="3600" b="1" dirty="0">
+                <a:solidFill>
+                  <a:srgbClr val="660033"/>
+                </a:solidFill>
                 <a:latin typeface="Microsoft JhengHei" panose="020B0604030504040204" pitchFamily="34" charset="-120"/>
                 <a:ea typeface="Microsoft JhengHei" panose="020B0604030504040204" pitchFamily="34" charset="-120"/>
               </a:rPr>
               <a:t>( </a:t>
             </a:r>
             <a:r>
-              <a:rPr lang="zh-CN" altLang="en-US" sz="4400" b="1" dirty="0" smtClean="0">
-                <a:solidFill>
-                  <a:srgbClr val="660033"/>
-                </a:solidFill>
-                <a:effectLst/>
+              <a:rPr lang="zh-CN" altLang="en-US" sz="3600" b="1" dirty="0">
+                <a:solidFill>
+                  <a:srgbClr val="660033"/>
+                </a:solidFill>
                 <a:latin typeface="Microsoft JhengHei" panose="020B0604030504040204" pitchFamily="34" charset="-120"/>
                 <a:ea typeface="Microsoft JhengHei" panose="020B0604030504040204" pitchFamily="34" charset="-120"/>
               </a:rPr>
-              <a:t>正 </a:t>
-            </a:r>
-            <a:r>
-              <a:rPr lang="en-US" altLang="zh-CN" sz="4400" b="1" dirty="0" smtClean="0">
-                <a:solidFill>
-                  <a:srgbClr val="660033"/>
-                </a:solidFill>
-                <a:effectLst/>
+              <a:t>正歌 </a:t>
+            </a:r>
+            <a:r>
+              <a:rPr lang="en-US" altLang="zh-CN" sz="3600" b="1" dirty="0">
+                <a:solidFill>
+                  <a:srgbClr val="660033"/>
+                </a:solidFill>
                 <a:latin typeface="Microsoft JhengHei" panose="020B0604030504040204" pitchFamily="34" charset="-120"/>
                 <a:ea typeface="Microsoft JhengHei" panose="020B0604030504040204" pitchFamily="34" charset="-120"/>
               </a:rPr>
               <a:t>1</a:t>
             </a:r>
             <a:r>
-              <a:rPr lang="en-US" sz="4400" b="1" dirty="0" smtClean="0">
-                <a:solidFill>
-                  <a:srgbClr val="660033"/>
-                </a:solidFill>
-                <a:effectLst/>
+              <a:rPr lang="en-US" sz="3600" b="1" dirty="0">
+                <a:solidFill>
+                  <a:srgbClr val="660033"/>
+                </a:solidFill>
                 <a:latin typeface="Microsoft JhengHei" panose="020B0604030504040204" pitchFamily="34" charset="-120"/>
                 <a:ea typeface="Microsoft JhengHei" panose="020B0604030504040204" pitchFamily="34" charset="-120"/>
               </a:rPr>
-              <a:t> </a:t>
-            </a:r>
-            <a:r>
-              <a:rPr lang="en-US" sz="4400" b="1" dirty="0">
-                <a:solidFill>
-                  <a:srgbClr val="660033"/>
-                </a:solidFill>
-                <a:effectLst/>
-                <a:latin typeface="Microsoft JhengHei" panose="020B0604030504040204" pitchFamily="34" charset="-120"/>
-                <a:ea typeface="Microsoft JhengHei" panose="020B0604030504040204" pitchFamily="34" charset="-120"/>
-              </a:rPr>
-              <a:t>)</a:t>
-            </a:r>
-            <a:endParaRPr lang="vi-VN" sz="4400" b="1" dirty="0">
+              <a:t> )</a:t>
+            </a:r>
+            <a:endParaRPr lang="vi-VN" sz="3600" b="1" dirty="0">
               <a:solidFill>
                 <a:srgbClr val="660033"/>
               </a:solidFill>
-              <a:effectLst/>
               <a:latin typeface="Microsoft JhengHei" panose="020B0604030504040204" pitchFamily="34" charset="-120"/>
               <a:ea typeface="Microsoft JhengHei" panose="020B0604030504040204" pitchFamily="34" charset="-120"/>
             </a:endParaRPr>
@@ -3665,8 +3689,8 @@
         </p:nvSpPr>
         <p:spPr>
           <a:xfrm>
-            <a:off x="178" y="5373218"/>
-            <a:ext cx="12191823" cy="769441"/>
+            <a:off x="178" y="5434773"/>
+            <a:ext cx="12191823" cy="646331"/>
           </a:xfrm>
           <a:prstGeom prst="rect">
             <a:avLst/>
@@ -3681,65 +3705,59 @@
           <a:p>
             <a:pPr algn="ctr"/>
             <a:r>
-              <a:rPr lang="en-US" sz="4400" b="1" dirty="0">
-                <a:solidFill>
-                  <a:srgbClr val="660033"/>
-                </a:solidFill>
-                <a:effectLst/>
+              <a:rPr lang="en-US" sz="3600" b="1" dirty="0">
+                <a:solidFill>
+                  <a:srgbClr val="660033"/>
+                </a:solidFill>
                 <a:latin typeface="Microsoft JhengHei" panose="020B0604030504040204" pitchFamily="34" charset="-120"/>
                 <a:ea typeface="Microsoft JhengHei" panose="020B0604030504040204" pitchFamily="34" charset="-120"/>
               </a:rPr>
               <a:t>( </a:t>
             </a:r>
             <a:r>
-              <a:rPr lang="zh-CN" altLang="en-US" sz="4400" b="1" dirty="0" smtClean="0">
-                <a:solidFill>
-                  <a:srgbClr val="660033"/>
-                </a:solidFill>
-                <a:effectLst/>
+              <a:rPr lang="zh-CN" altLang="en-US" sz="3600" b="1" dirty="0">
+                <a:solidFill>
+                  <a:srgbClr val="660033"/>
+                </a:solidFill>
                 <a:latin typeface="Microsoft JhengHei" panose="020B0604030504040204" pitchFamily="34" charset="-120"/>
                 <a:ea typeface="Microsoft JhengHei" panose="020B0604030504040204" pitchFamily="34" charset="-120"/>
               </a:rPr>
-              <a:t>正 </a:t>
-            </a:r>
-            <a:r>
-              <a:rPr lang="en-US" altLang="zh-CN" sz="4400" b="1" dirty="0" smtClean="0">
-                <a:solidFill>
-                  <a:srgbClr val="660033"/>
-                </a:solidFill>
-                <a:effectLst/>
+              <a:t>正歌 </a:t>
+            </a:r>
+            <a:r>
+              <a:rPr lang="en-US" altLang="zh-CN" sz="3600" b="1" dirty="0">
+                <a:solidFill>
+                  <a:srgbClr val="660033"/>
+                </a:solidFill>
                 <a:latin typeface="Microsoft JhengHei" panose="020B0604030504040204" pitchFamily="34" charset="-120"/>
                 <a:ea typeface="Microsoft JhengHei" panose="020B0604030504040204" pitchFamily="34" charset="-120"/>
               </a:rPr>
               <a:t>2</a:t>
             </a:r>
             <a:r>
-              <a:rPr lang="en-US" sz="4400" b="1" dirty="0" smtClean="0">
-                <a:solidFill>
-                  <a:srgbClr val="660033"/>
-                </a:solidFill>
-                <a:effectLst/>
+              <a:rPr lang="en-US" sz="3600" b="1" dirty="0">
+                <a:solidFill>
+                  <a:srgbClr val="660033"/>
+                </a:solidFill>
                 <a:latin typeface="Microsoft JhengHei" panose="020B0604030504040204" pitchFamily="34" charset="-120"/>
                 <a:ea typeface="Microsoft JhengHei" panose="020B0604030504040204" pitchFamily="34" charset="-120"/>
               </a:rPr>
               <a:t> </a:t>
             </a:r>
             <a:r>
-              <a:rPr lang="en-US" sz="4400" b="1" dirty="0">
-                <a:solidFill>
-                  <a:srgbClr val="660033"/>
-                </a:solidFill>
-                <a:effectLst/>
+              <a:rPr lang="en-US" sz="3600" b="1" dirty="0">
+                <a:solidFill>
+                  <a:srgbClr val="660033"/>
+                </a:solidFill>
                 <a:latin typeface="Microsoft JhengHei" panose="020B0604030504040204" pitchFamily="34" charset="-120"/>
                 <a:ea typeface="Microsoft JhengHei" panose="020B0604030504040204" pitchFamily="34" charset="-120"/>
               </a:rPr>
               <a:t>)</a:t>
             </a:r>
-            <a:endParaRPr lang="vi-VN" sz="4400" b="1" dirty="0">
+            <a:endParaRPr lang="vi-VN" sz="3600" b="1" dirty="0">
               <a:solidFill>
                 <a:srgbClr val="660033"/>
               </a:solidFill>
-              <a:effectLst/>
               <a:latin typeface="Microsoft JhengHei" panose="020B0604030504040204" pitchFamily="34" charset="-120"/>
               <a:ea typeface="Microsoft JhengHei" panose="020B0604030504040204" pitchFamily="34" charset="-120"/>
             </a:endParaRPr>
@@ -3871,8 +3889,8 @@
         </p:nvSpPr>
         <p:spPr>
           <a:xfrm>
-            <a:off x="178" y="5373218"/>
-            <a:ext cx="12191823" cy="769441"/>
+            <a:off x="178" y="5434773"/>
+            <a:ext cx="12191823" cy="646331"/>
           </a:xfrm>
           <a:prstGeom prst="rect">
             <a:avLst/>
@@ -3887,7 +3905,7 @@
           <a:p>
             <a:pPr algn="ctr"/>
             <a:r>
-              <a:rPr lang="en-US" sz="4400" b="1" dirty="0">
+              <a:rPr lang="en-US" sz="3600" b="1" dirty="0">
                 <a:solidFill>
                   <a:srgbClr val="660033"/>
                 </a:solidFill>
@@ -3897,17 +3915,17 @@
               <a:t>( </a:t>
             </a:r>
             <a:r>
-              <a:rPr lang="zh-CN" altLang="en-US" sz="4400" b="1" dirty="0">
+              <a:rPr lang="zh-CN" altLang="en-US" sz="3600" b="1" dirty="0">
                 <a:solidFill>
                   <a:srgbClr val="660033"/>
                 </a:solidFill>
                 <a:latin typeface="Microsoft JhengHei" panose="020B0604030504040204" pitchFamily="34" charset="-120"/>
                 <a:ea typeface="Microsoft JhengHei" panose="020B0604030504040204" pitchFamily="34" charset="-120"/>
               </a:rPr>
-              <a:t>正 </a:t>
-            </a:r>
-            <a:r>
-              <a:rPr lang="en-US" altLang="zh-CN" sz="4400" b="1" dirty="0">
+              <a:t>正歌 </a:t>
+            </a:r>
+            <a:r>
+              <a:rPr lang="en-US" altLang="zh-CN" sz="3600" b="1" dirty="0">
                 <a:solidFill>
                   <a:srgbClr val="660033"/>
                 </a:solidFill>
@@ -3917,7 +3935,7 @@
               <a:t>2</a:t>
             </a:r>
             <a:r>
-              <a:rPr lang="en-US" sz="4400" b="1" dirty="0">
+              <a:rPr lang="en-US" sz="3600" b="1" dirty="0">
                 <a:solidFill>
                   <a:srgbClr val="660033"/>
                 </a:solidFill>
@@ -3926,7 +3944,7 @@
               </a:rPr>
               <a:t> )</a:t>
             </a:r>
-            <a:endParaRPr lang="vi-VN" sz="4400" b="1" dirty="0">
+            <a:endParaRPr lang="vi-VN" sz="3600" b="1" dirty="0">
               <a:solidFill>
                 <a:srgbClr val="660033"/>
               </a:solidFill>
@@ -4061,8 +4079,8 @@
         </p:nvSpPr>
         <p:spPr>
           <a:xfrm>
-            <a:off x="178" y="5373218"/>
-            <a:ext cx="12191823" cy="769441"/>
+            <a:off x="178" y="5434773"/>
+            <a:ext cx="12191823" cy="646331"/>
           </a:xfrm>
           <a:prstGeom prst="rect">
             <a:avLst/>
@@ -4077,65 +4095,59 @@
           <a:p>
             <a:pPr algn="ctr"/>
             <a:r>
-              <a:rPr lang="en-US" sz="4400" b="1" dirty="0">
-                <a:solidFill>
-                  <a:srgbClr val="660033"/>
-                </a:solidFill>
-                <a:effectLst/>
+              <a:rPr lang="en-US" sz="3600" b="1" dirty="0">
+                <a:solidFill>
+                  <a:srgbClr val="660033"/>
+                </a:solidFill>
                 <a:latin typeface="Microsoft JhengHei" panose="020B0604030504040204" pitchFamily="34" charset="-120"/>
                 <a:ea typeface="Microsoft JhengHei" panose="020B0604030504040204" pitchFamily="34" charset="-120"/>
               </a:rPr>
               <a:t>( </a:t>
             </a:r>
             <a:r>
-              <a:rPr lang="zh-CN" altLang="en-US" sz="4400" b="1" dirty="0" smtClean="0">
-                <a:solidFill>
-                  <a:srgbClr val="660033"/>
-                </a:solidFill>
-                <a:effectLst/>
+              <a:rPr lang="zh-CN" altLang="en-US" sz="3600" b="1" dirty="0">
+                <a:solidFill>
+                  <a:srgbClr val="660033"/>
+                </a:solidFill>
                 <a:latin typeface="Microsoft JhengHei" panose="020B0604030504040204" pitchFamily="34" charset="-120"/>
                 <a:ea typeface="Microsoft JhengHei" panose="020B0604030504040204" pitchFamily="34" charset="-120"/>
               </a:rPr>
-              <a:t>正 </a:t>
-            </a:r>
-            <a:r>
-              <a:rPr lang="en-US" altLang="zh-CN" sz="4400" b="1" dirty="0" smtClean="0">
-                <a:solidFill>
-                  <a:srgbClr val="660033"/>
-                </a:solidFill>
-                <a:effectLst/>
+              <a:t>正歌 </a:t>
+            </a:r>
+            <a:r>
+              <a:rPr lang="en-US" altLang="zh-CN" sz="3600" b="1" dirty="0">
+                <a:solidFill>
+                  <a:srgbClr val="660033"/>
+                </a:solidFill>
                 <a:latin typeface="Microsoft JhengHei" panose="020B0604030504040204" pitchFamily="34" charset="-120"/>
                 <a:ea typeface="Microsoft JhengHei" panose="020B0604030504040204" pitchFamily="34" charset="-120"/>
               </a:rPr>
               <a:t>3</a:t>
             </a:r>
             <a:r>
-              <a:rPr lang="en-US" sz="4400" b="1" dirty="0" smtClean="0">
-                <a:solidFill>
-                  <a:srgbClr val="660033"/>
-                </a:solidFill>
-                <a:effectLst/>
+              <a:rPr lang="en-US" sz="3600" b="1" dirty="0">
+                <a:solidFill>
+                  <a:srgbClr val="660033"/>
+                </a:solidFill>
                 <a:latin typeface="Microsoft JhengHei" panose="020B0604030504040204" pitchFamily="34" charset="-120"/>
                 <a:ea typeface="Microsoft JhengHei" panose="020B0604030504040204" pitchFamily="34" charset="-120"/>
               </a:rPr>
               <a:t> </a:t>
             </a:r>
             <a:r>
-              <a:rPr lang="en-US" sz="4400" b="1" dirty="0">
-                <a:solidFill>
-                  <a:srgbClr val="660033"/>
-                </a:solidFill>
-                <a:effectLst/>
+              <a:rPr lang="en-US" sz="3600" b="1" dirty="0">
+                <a:solidFill>
+                  <a:srgbClr val="660033"/>
+                </a:solidFill>
                 <a:latin typeface="Microsoft JhengHei" panose="020B0604030504040204" pitchFamily="34" charset="-120"/>
                 <a:ea typeface="Microsoft JhengHei" panose="020B0604030504040204" pitchFamily="34" charset="-120"/>
               </a:rPr>
               <a:t>)</a:t>
             </a:r>
-            <a:endParaRPr lang="vi-VN" sz="4400" b="1" dirty="0">
+            <a:endParaRPr lang="vi-VN" sz="3600" b="1" dirty="0">
               <a:solidFill>
                 <a:srgbClr val="660033"/>
               </a:solidFill>
-              <a:effectLst/>
               <a:latin typeface="Microsoft JhengHei" panose="020B0604030504040204" pitchFamily="34" charset="-120"/>
               <a:ea typeface="Microsoft JhengHei" panose="020B0604030504040204" pitchFamily="34" charset="-120"/>
             </a:endParaRPr>
@@ -4267,8 +4279,8 @@
         </p:nvSpPr>
         <p:spPr>
           <a:xfrm>
-            <a:off x="178" y="5373218"/>
-            <a:ext cx="12191823" cy="769441"/>
+            <a:off x="178" y="5434773"/>
+            <a:ext cx="12191823" cy="646331"/>
           </a:xfrm>
           <a:prstGeom prst="rect">
             <a:avLst/>
@@ -4283,7 +4295,7 @@
           <a:p>
             <a:pPr algn="ctr"/>
             <a:r>
-              <a:rPr lang="en-US" sz="4400" b="1" dirty="0">
+              <a:rPr lang="en-US" sz="3600" b="1" dirty="0">
                 <a:solidFill>
                   <a:srgbClr val="660033"/>
                 </a:solidFill>
@@ -4293,17 +4305,17 @@
               <a:t>( </a:t>
             </a:r>
             <a:r>
-              <a:rPr lang="zh-CN" altLang="en-US" sz="4400" b="1" dirty="0">
+              <a:rPr lang="zh-CN" altLang="en-US" sz="3600" b="1" dirty="0">
                 <a:solidFill>
                   <a:srgbClr val="660033"/>
                 </a:solidFill>
                 <a:latin typeface="Microsoft JhengHei" panose="020B0604030504040204" pitchFamily="34" charset="-120"/>
                 <a:ea typeface="Microsoft JhengHei" panose="020B0604030504040204" pitchFamily="34" charset="-120"/>
               </a:rPr>
-              <a:t>正 </a:t>
-            </a:r>
-            <a:r>
-              <a:rPr lang="en-US" altLang="zh-CN" sz="4400" b="1" dirty="0">
+              <a:t>正歌 </a:t>
+            </a:r>
+            <a:r>
+              <a:rPr lang="en-US" altLang="zh-CN" sz="3600" b="1" dirty="0">
                 <a:solidFill>
                   <a:srgbClr val="660033"/>
                 </a:solidFill>
@@ -4313,7 +4325,7 @@
               <a:t>3</a:t>
             </a:r>
             <a:r>
-              <a:rPr lang="en-US" sz="4400" b="1" dirty="0">
+              <a:rPr lang="en-US" sz="3600" b="1" dirty="0">
                 <a:solidFill>
                   <a:srgbClr val="660033"/>
                 </a:solidFill>
@@ -4322,7 +4334,7 @@
               </a:rPr>
               <a:t> )</a:t>
             </a:r>
-            <a:endParaRPr lang="vi-VN" sz="4400" b="1" dirty="0">
+            <a:endParaRPr lang="vi-VN" sz="3600" b="1" dirty="0">
               <a:solidFill>
                 <a:srgbClr val="660033"/>
               </a:solidFill>
@@ -4388,24 +4400,34 @@
               <a:buNone/>
             </a:pPr>
             <a:r>
-              <a:rPr lang="zh-CN" altLang="en-US" sz="6400" b="1" dirty="0">
+              <a:rPr lang="zh-CN" altLang="en-US" sz="6400" b="1" dirty="0" smtClean="0">
                 <a:solidFill>
                   <a:srgbClr val="660033"/>
                 </a:solidFill>
                 <a:latin typeface="微軟正黑體" pitchFamily="34" charset="-120"/>
                 <a:ea typeface="微軟正黑體" pitchFamily="34" charset="-120"/>
               </a:rPr>
-              <a:t>袮</a:t>
-            </a:r>
-            <a:r>
-              <a:rPr lang="zh-TW" altLang="en-US" sz="6400" b="1" dirty="0">
+              <a:t>祢</a:t>
+            </a:r>
+            <a:r>
+              <a:rPr lang="zh-TW" altLang="en-US" sz="6400" b="1" dirty="0" smtClean="0">
                 <a:solidFill>
                   <a:srgbClr val="660033"/>
                 </a:solidFill>
                 <a:latin typeface="微軟正黑體" pitchFamily="34" charset="-120"/>
                 <a:ea typeface="微軟正黑體" pitchFamily="34" charset="-120"/>
               </a:rPr>
-              <a:t>是我的力量盾牌</a:t>
+              <a:t>是</a:t>
+            </a:r>
+            <a:r>
+              <a:rPr lang="zh-TW" altLang="en-US" sz="6400" b="1" dirty="0">
+                <a:solidFill>
+                  <a:srgbClr val="660033"/>
+                </a:solidFill>
+                <a:latin typeface="微軟正黑體" pitchFamily="34" charset="-120"/>
+                <a:ea typeface="微軟正黑體" pitchFamily="34" charset="-120"/>
+              </a:rPr>
+              <a:t>我的力量盾牌</a:t>
             </a:r>
             <a:endParaRPr lang="en-US" altLang="zh-TW" sz="6400" b="1" dirty="0">
               <a:solidFill>
@@ -4427,17 +4449,27 @@
                 <a:latin typeface="微軟正黑體" pitchFamily="34" charset="-120"/>
                 <a:ea typeface="微軟正黑體" pitchFamily="34" charset="-120"/>
               </a:rPr>
-              <a:t>我靈單單降服於</a:t>
-            </a:r>
-            <a:r>
-              <a:rPr lang="zh-CN" altLang="en-US" sz="6400" b="1" dirty="0">
+              <a:t>我靈單單降服</a:t>
+            </a:r>
+            <a:r>
+              <a:rPr lang="zh-TW" altLang="en-US" sz="6400" b="1" dirty="0" smtClean="0">
                 <a:solidFill>
                   <a:srgbClr val="660033"/>
                 </a:solidFill>
                 <a:latin typeface="微軟正黑體" pitchFamily="34" charset="-120"/>
                 <a:ea typeface="微軟正黑體" pitchFamily="34" charset="-120"/>
               </a:rPr>
-              <a:t>袮</a:t>
+              <a:t>於</a:t>
+            </a:r>
+            <a:r>
+              <a:rPr lang="zh-CN" altLang="en-US" sz="6400" b="1" dirty="0" smtClean="0">
+                <a:solidFill>
+                  <a:srgbClr val="660033"/>
+                </a:solidFill>
+                <a:latin typeface="微軟正黑體" pitchFamily="34" charset="-120"/>
+                <a:ea typeface="微軟正黑體" pitchFamily="34" charset="-120"/>
+              </a:rPr>
+              <a:t>祢</a:t>
             </a:r>
             <a:endParaRPr lang="en-US" altLang="zh-TW" sz="6400" b="1" dirty="0">
               <a:solidFill>
@@ -4457,8 +4489,8 @@
         </p:nvSpPr>
         <p:spPr>
           <a:xfrm>
-            <a:off x="178" y="5373218"/>
-            <a:ext cx="12191823" cy="769441"/>
+            <a:off x="178" y="5434773"/>
+            <a:ext cx="12191823" cy="646331"/>
           </a:xfrm>
           <a:prstGeom prst="rect">
             <a:avLst/>
@@ -4473,43 +4505,49 @@
           <a:p>
             <a:pPr algn="ctr"/>
             <a:r>
-              <a:rPr lang="en-US" sz="4400" b="1" dirty="0">
-                <a:solidFill>
-                  <a:srgbClr val="660033"/>
-                </a:solidFill>
-                <a:effectLst/>
+              <a:rPr lang="en-US" sz="3600" b="1" dirty="0">
+                <a:solidFill>
+                  <a:srgbClr val="660033"/>
+                </a:solidFill>
                 <a:latin typeface="Microsoft JhengHei" panose="020B0604030504040204" pitchFamily="34" charset="-120"/>
                 <a:ea typeface="Microsoft JhengHei" panose="020B0604030504040204" pitchFamily="34" charset="-120"/>
               </a:rPr>
               <a:t>( </a:t>
             </a:r>
             <a:r>
-              <a:rPr lang="zh-CN" altLang="en-US" sz="4400" b="1" dirty="0">
-                <a:solidFill>
-                  <a:srgbClr val="660033"/>
-                </a:solidFill>
-                <a:effectLst/>
+              <a:rPr lang="zh-CN" altLang="en-US" sz="3600" b="1" dirty="0">
+                <a:solidFill>
+                  <a:srgbClr val="660033"/>
+                </a:solidFill>
                 <a:latin typeface="Microsoft JhengHei" panose="020B0604030504040204" pitchFamily="34" charset="-120"/>
                 <a:ea typeface="Microsoft JhengHei" panose="020B0604030504040204" pitchFamily="34" charset="-120"/>
               </a:rPr>
-              <a:t>副</a:t>
-            </a:r>
-            <a:r>
-              <a:rPr lang="en-US" sz="4400" b="1" dirty="0">
-                <a:solidFill>
-                  <a:srgbClr val="660033"/>
-                </a:solidFill>
-                <a:effectLst/>
+              <a:t>副歌</a:t>
+            </a:r>
+            <a:r>
+              <a:rPr lang="en-US" sz="3600" b="1" dirty="0">
+                <a:solidFill>
+                  <a:srgbClr val="660033"/>
+                </a:solidFill>
                 <a:latin typeface="Microsoft JhengHei" panose="020B0604030504040204" pitchFamily="34" charset="-120"/>
                 <a:ea typeface="Microsoft JhengHei" panose="020B0604030504040204" pitchFamily="34" charset="-120"/>
               </a:rPr>
-              <a:t> )</a:t>
-            </a:r>
-            <a:endParaRPr lang="vi-VN" sz="4400" b="1" dirty="0">
+              <a:t> </a:t>
+            </a:r>
+            <a:r>
+              <a:rPr lang="en-US" sz="3600" b="1" dirty="0">
+                <a:solidFill>
+                  <a:srgbClr val="660033"/>
+                </a:solidFill>
+                <a:latin typeface="Microsoft JhengHei" panose="020B0604030504040204" pitchFamily="34" charset="-120"/>
+                <a:ea typeface="Microsoft JhengHei" panose="020B0604030504040204" pitchFamily="34" charset="-120"/>
+              </a:rPr>
+              <a:t>)</a:t>
+            </a:r>
+            <a:endParaRPr lang="vi-VN" sz="3600" b="1" dirty="0">
               <a:solidFill>
                 <a:srgbClr val="660033"/>
               </a:solidFill>
-              <a:effectLst/>
               <a:latin typeface="Microsoft JhengHei" panose="020B0604030504040204" pitchFamily="34" charset="-120"/>
               <a:ea typeface="Microsoft JhengHei" panose="020B0604030504040204" pitchFamily="34" charset="-120"/>
             </a:endParaRPr>
@@ -4579,27 +4617,47 @@
                 <a:latin typeface="微軟正黑體" pitchFamily="34" charset="-120"/>
                 <a:ea typeface="微軟正黑體" pitchFamily="34" charset="-120"/>
               </a:rPr>
-              <a:t>惟有</a:t>
-            </a:r>
-            <a:r>
-              <a:rPr lang="zh-CN" altLang="en-US" sz="6400" b="1" dirty="0">
+              <a:t>惟</a:t>
+            </a:r>
+            <a:r>
+              <a:rPr lang="zh-TW" altLang="en-US" sz="6400" b="1" dirty="0" smtClean="0">
                 <a:solidFill>
                   <a:srgbClr val="660033"/>
                 </a:solidFill>
                 <a:latin typeface="微軟正黑體" pitchFamily="34" charset="-120"/>
                 <a:ea typeface="微軟正黑體" pitchFamily="34" charset="-120"/>
               </a:rPr>
-              <a:t>袮</a:t>
-            </a:r>
-            <a:r>
-              <a:rPr lang="zh-TW" altLang="en-US" sz="6400" b="1" dirty="0">
+              <a:t>有</a:t>
+            </a:r>
+            <a:r>
+              <a:rPr lang="zh-CN" altLang="en-US" sz="6400" b="1" dirty="0" smtClean="0">
                 <a:solidFill>
                   <a:srgbClr val="660033"/>
                 </a:solidFill>
                 <a:latin typeface="微軟正黑體" pitchFamily="34" charset="-120"/>
                 <a:ea typeface="微軟正黑體" pitchFamily="34" charset="-120"/>
               </a:rPr>
-              <a:t>是我心所愛</a:t>
+              <a:t>祢</a:t>
+            </a:r>
+            <a:r>
+              <a:rPr lang="zh-TW" altLang="en-US" sz="6400" b="1" dirty="0" smtClean="0">
+                <a:solidFill>
+                  <a:srgbClr val="660033"/>
+                </a:solidFill>
+                <a:latin typeface="微軟正黑體" pitchFamily="34" charset="-120"/>
+                <a:ea typeface="微軟正黑體" pitchFamily="34" charset="-120"/>
+              </a:rPr>
+              <a:t>是</a:t>
+            </a:r>
+            <a:r>
+              <a:rPr lang="zh-TW" altLang="en-US" sz="6400" b="1" dirty="0">
+                <a:solidFill>
+                  <a:srgbClr val="660033"/>
+                </a:solidFill>
+                <a:latin typeface="微軟正黑體" pitchFamily="34" charset="-120"/>
+                <a:ea typeface="微軟正黑體" pitchFamily="34" charset="-120"/>
+              </a:rPr>
+              <a:t>我心所愛</a:t>
             </a:r>
             <a:endParaRPr lang="en-US" altLang="zh-TW" sz="6400" b="1" dirty="0">
               <a:solidFill>
@@ -4621,17 +4679,27 @@
                 <a:latin typeface="微軟正黑體" pitchFamily="34" charset="-120"/>
                 <a:ea typeface="微軟正黑體" pitchFamily="34" charset="-120"/>
               </a:rPr>
-              <a:t>我渴慕來敬拜</a:t>
-            </a:r>
-            <a:r>
-              <a:rPr lang="zh-CN" altLang="en-US" sz="6400" b="1" dirty="0">
+              <a:t>我渴慕來敬</a:t>
+            </a:r>
+            <a:r>
+              <a:rPr lang="zh-TW" altLang="en-US" sz="6400" b="1" dirty="0" smtClean="0">
                 <a:solidFill>
                   <a:srgbClr val="660033"/>
                 </a:solidFill>
                 <a:latin typeface="微軟正黑體" pitchFamily="34" charset="-120"/>
                 <a:ea typeface="微軟正黑體" pitchFamily="34" charset="-120"/>
               </a:rPr>
-              <a:t>袮</a:t>
+              <a:t>拜</a:t>
+            </a:r>
+            <a:r>
+              <a:rPr lang="zh-CN" altLang="en-US" sz="6400" b="1" dirty="0" smtClean="0">
+                <a:solidFill>
+                  <a:srgbClr val="660033"/>
+                </a:solidFill>
+                <a:latin typeface="微軟正黑體" pitchFamily="34" charset="-120"/>
+                <a:ea typeface="微軟正黑體" pitchFamily="34" charset="-120"/>
+              </a:rPr>
+              <a:t>祢</a:t>
             </a:r>
             <a:endParaRPr lang="en-US" sz="6400" b="1" dirty="0">
               <a:solidFill>
@@ -4651,8 +4719,8 @@
         </p:nvSpPr>
         <p:spPr>
           <a:xfrm>
-            <a:off x="178" y="5373218"/>
-            <a:ext cx="12191823" cy="769441"/>
+            <a:off x="178" y="5434773"/>
+            <a:ext cx="12191823" cy="646331"/>
           </a:xfrm>
           <a:prstGeom prst="rect">
             <a:avLst/>
@@ -4667,43 +4735,39 @@
           <a:p>
             <a:pPr algn="ctr"/>
             <a:r>
-              <a:rPr lang="en-US" sz="4400" b="1" dirty="0">
-                <a:solidFill>
-                  <a:srgbClr val="660033"/>
-                </a:solidFill>
-                <a:effectLst/>
+              <a:rPr lang="en-US" sz="3600" b="1" dirty="0">
+                <a:solidFill>
+                  <a:srgbClr val="660033"/>
+                </a:solidFill>
                 <a:latin typeface="Microsoft JhengHei" panose="020B0604030504040204" pitchFamily="34" charset="-120"/>
                 <a:ea typeface="Microsoft JhengHei" panose="020B0604030504040204" pitchFamily="34" charset="-120"/>
               </a:rPr>
               <a:t>( </a:t>
             </a:r>
             <a:r>
-              <a:rPr lang="zh-CN" altLang="en-US" sz="4400" b="1" dirty="0">
-                <a:solidFill>
-                  <a:srgbClr val="660033"/>
-                </a:solidFill>
-                <a:effectLst/>
+              <a:rPr lang="zh-CN" altLang="en-US" sz="3600" b="1" dirty="0">
+                <a:solidFill>
+                  <a:srgbClr val="660033"/>
+                </a:solidFill>
                 <a:latin typeface="Microsoft JhengHei" panose="020B0604030504040204" pitchFamily="34" charset="-120"/>
                 <a:ea typeface="Microsoft JhengHei" panose="020B0604030504040204" pitchFamily="34" charset="-120"/>
               </a:rPr>
-              <a:t>副</a:t>
-            </a:r>
-            <a:r>
-              <a:rPr lang="en-US" sz="4400" b="1" dirty="0">
-                <a:solidFill>
-                  <a:srgbClr val="660033"/>
-                </a:solidFill>
-                <a:effectLst/>
+              <a:t>副歌</a:t>
+            </a:r>
+            <a:r>
+              <a:rPr lang="en-US" sz="3600" b="1" dirty="0">
+                <a:solidFill>
+                  <a:srgbClr val="660033"/>
+                </a:solidFill>
                 <a:latin typeface="Microsoft JhengHei" panose="020B0604030504040204" pitchFamily="34" charset="-120"/>
                 <a:ea typeface="Microsoft JhengHei" panose="020B0604030504040204" pitchFamily="34" charset="-120"/>
               </a:rPr>
               <a:t> )</a:t>
             </a:r>
-            <a:endParaRPr lang="vi-VN" sz="4400" b="1" dirty="0">
+            <a:endParaRPr lang="vi-VN" sz="3600" b="1" dirty="0">
               <a:solidFill>
                 <a:srgbClr val="660033"/>
               </a:solidFill>
-              <a:effectLst/>
               <a:latin typeface="Microsoft JhengHei" panose="020B0604030504040204" pitchFamily="34" charset="-120"/>
               <a:ea typeface="Microsoft JhengHei" panose="020B0604030504040204" pitchFamily="34" charset="-120"/>
             </a:endParaRPr>
